--- a/projeto_coletivo/M_5_Fase3.pptx
+++ b/projeto_coletivo/M_5_Fase3.pptx
@@ -35,13 +35,16 @@
     <p:sldId id="348" r:id="rId28"/>
     <p:sldId id="349" r:id="rId29"/>
     <p:sldId id="332" r:id="rId30"/>
-    <p:sldId id="333" r:id="rId31"/>
-    <p:sldId id="334" r:id="rId32"/>
-    <p:sldId id="335" r:id="rId33"/>
-    <p:sldId id="336" r:id="rId34"/>
-    <p:sldId id="337" r:id="rId35"/>
-    <p:sldId id="338" r:id="rId36"/>
-    <p:sldId id="273" r:id="rId37"/>
+    <p:sldId id="351" r:id="rId31"/>
+    <p:sldId id="352" r:id="rId32"/>
+    <p:sldId id="350" r:id="rId33"/>
+    <p:sldId id="333" r:id="rId34"/>
+    <p:sldId id="334" r:id="rId35"/>
+    <p:sldId id="335" r:id="rId36"/>
+    <p:sldId id="336" r:id="rId37"/>
+    <p:sldId id="337" r:id="rId38"/>
+    <p:sldId id="338" r:id="rId39"/>
+    <p:sldId id="273" r:id="rId40"/>
   </p:sldIdLst>
   <p:sldSz cx="12192000" cy="6858000"/>
   <p:notesSz cx="6858000" cy="9144000"/>
@@ -17874,6 +17877,1720 @@
         <p:spPr>
           <a:xfrm>
             <a:off x="680720" y="1164590"/>
+            <a:ext cx="10828655" cy="3546475"/>
+          </a:xfrm>
+          <a:prstGeom prst="rect">
+            <a:avLst/>
+          </a:prstGeom>
+        </p:spPr>
+        <p:txBody>
+          <a:bodyPr wrap="square">
+            <a:noAutofit/>
+          </a:bodyPr>
+          <a:p>
+            <a:pPr marL="0" indent="0" algn="just" defTabSz="266700">
+              <a:spcBef>
+                <a:spcPct val="0"/>
+              </a:spcBef>
+              <a:spcAft>
+                <a:spcPct val="0"/>
+              </a:spcAft>
+            </a:pPr>
+            <a:r>
+              <a:rPr lang="en-US" altLang="pt-PT" b="1">
+                <a:latin typeface="Roboto" charset="0"/>
+                <a:ea typeface="SimSun" panose="02010600030101010101" pitchFamily="2" charset="-122"/>
+                <a:cs typeface="Roboto" charset="0"/>
+              </a:rPr>
+              <a:t>1</a:t>
+            </a:r>
+            <a:r>
+              <a:rPr lang="en-US" altLang="en-US" b="1">
+                <a:latin typeface="Roboto" charset="0"/>
+                <a:ea typeface="SimSun" panose="02010600030101010101" pitchFamily="2" charset="-122"/>
+                <a:cs typeface="Roboto" charset="0"/>
+              </a:rPr>
+              <a:t>ª</a:t>
+            </a:r>
+            <a:r>
+              <a:rPr lang="en-US" altLang="pt-PT" b="1">
+                <a:latin typeface="Roboto" charset="0"/>
+                <a:ea typeface="SimSun" panose="02010600030101010101" pitchFamily="2" charset="-122"/>
+                <a:cs typeface="Roboto" charset="0"/>
+              </a:rPr>
+              <a:t> Forma Normal (1FN) - Sem grupos repetitivos</a:t>
+            </a:r>
+            <a:endParaRPr lang="en-US" altLang="pt-PT" b="1">
+              <a:latin typeface="Roboto" charset="0"/>
+              <a:ea typeface="SimSun" panose="02010600030101010101" pitchFamily="2" charset="-122"/>
+              <a:cs typeface="Roboto" charset="0"/>
+            </a:endParaRPr>
+          </a:p>
+          <a:p>
+            <a:pPr marL="0" indent="0" algn="just" defTabSz="266700">
+              <a:spcBef>
+                <a:spcPct val="0"/>
+              </a:spcBef>
+              <a:spcAft>
+                <a:spcPct val="0"/>
+              </a:spcAft>
+            </a:pPr>
+            <a:r>
+              <a:rPr lang="en-US" altLang="pt-PT">
+                <a:latin typeface="Roboto" charset="0"/>
+                <a:ea typeface="SimSun" panose="02010600030101010101" pitchFamily="2" charset="-122"/>
+                <a:cs typeface="Roboto" charset="0"/>
+              </a:rPr>
+              <a:t>	A </a:t>
+            </a:r>
+            <a:r>
+              <a:rPr lang="en-US" altLang="pt-PT" b="1">
+                <a:latin typeface="Roboto" charset="0"/>
+                <a:ea typeface="SimSun" panose="02010600030101010101" pitchFamily="2" charset="-122"/>
+                <a:cs typeface="Roboto" charset="0"/>
+              </a:rPr>
+              <a:t>1FN</a:t>
+            </a:r>
+            <a:r>
+              <a:rPr lang="en-US" altLang="pt-PT">
+                <a:latin typeface="Roboto" charset="0"/>
+                <a:ea typeface="SimSun" panose="02010600030101010101" pitchFamily="2" charset="-122"/>
+                <a:cs typeface="Roboto" charset="0"/>
+              </a:rPr>
+              <a:t> exige que cada coluna armazene apenas </a:t>
+            </a:r>
+            <a:r>
+              <a:rPr lang="en-US" altLang="pt-PT" b="1">
+                <a:latin typeface="Roboto" charset="0"/>
+                <a:ea typeface="SimSun" panose="02010600030101010101" pitchFamily="2" charset="-122"/>
+                <a:cs typeface="Roboto" charset="0"/>
+              </a:rPr>
+              <a:t>valores atômicos</a:t>
+            </a:r>
+            <a:r>
+              <a:rPr lang="en-US" altLang="pt-PT">
+                <a:latin typeface="Roboto" charset="0"/>
+                <a:ea typeface="SimSun" panose="02010600030101010101" pitchFamily="2" charset="-122"/>
+                <a:cs typeface="Roboto" charset="0"/>
+              </a:rPr>
+              <a:t> e que n</a:t>
+            </a:r>
+            <a:r>
+              <a:rPr lang="en-US" altLang="en-US">
+                <a:latin typeface="Roboto" charset="0"/>
+                <a:ea typeface="SimSun" panose="02010600030101010101" pitchFamily="2" charset="-122"/>
+                <a:cs typeface="Roboto" charset="0"/>
+              </a:rPr>
+              <a:t>ã</a:t>
+            </a:r>
+            <a:r>
+              <a:rPr lang="en-US" altLang="pt-PT">
+                <a:latin typeface="Roboto" charset="0"/>
+                <a:ea typeface="SimSun" panose="02010600030101010101" pitchFamily="2" charset="-122"/>
+                <a:cs typeface="Roboto" charset="0"/>
+              </a:rPr>
+              <a:t>o existam grupos repetitivos.  </a:t>
+            </a:r>
+            <a:endParaRPr lang="en-US" altLang="pt-PT">
+              <a:latin typeface="Roboto" charset="0"/>
+              <a:ea typeface="SimSun" panose="02010600030101010101" pitchFamily="2" charset="-122"/>
+              <a:cs typeface="Roboto" charset="0"/>
+            </a:endParaRPr>
+          </a:p>
+          <a:p>
+            <a:pPr marL="0" indent="0" algn="just" defTabSz="266700">
+              <a:spcBef>
+                <a:spcPct val="0"/>
+              </a:spcBef>
+              <a:spcAft>
+                <a:spcPct val="0"/>
+              </a:spcAft>
+            </a:pPr>
+            <a:endParaRPr lang="en-US" altLang="pt-PT">
+              <a:latin typeface="Roboto" charset="0"/>
+              <a:ea typeface="SimSun" panose="02010600030101010101" pitchFamily="2" charset="-122"/>
+              <a:cs typeface="Roboto" charset="0"/>
+            </a:endParaRPr>
+          </a:p>
+          <a:p>
+            <a:pPr marL="0" indent="0" algn="just" defTabSz="266700">
+              <a:spcBef>
+                <a:spcPct val="0"/>
+              </a:spcBef>
+              <a:spcAft>
+                <a:spcPct val="0"/>
+              </a:spcAft>
+            </a:pPr>
+            <a:r>
+              <a:rPr lang="en-US" altLang="pt-PT">
+                <a:latin typeface="Roboto" charset="0"/>
+                <a:ea typeface="SimSun" panose="02010600030101010101" pitchFamily="2" charset="-122"/>
+                <a:cs typeface="Roboto" charset="0"/>
+              </a:rPr>
+              <a:t>Como as tabelas atendem à 1FN?</a:t>
+            </a:r>
+            <a:endParaRPr lang="en-US" altLang="pt-PT">
+              <a:latin typeface="Roboto" charset="0"/>
+              <a:ea typeface="SimSun" panose="02010600030101010101" pitchFamily="2" charset="-122"/>
+              <a:cs typeface="Roboto" charset="0"/>
+            </a:endParaRPr>
+          </a:p>
+          <a:p>
+            <a:pPr marL="0" indent="0" algn="just" defTabSz="266700">
+              <a:spcBef>
+                <a:spcPct val="0"/>
+              </a:spcBef>
+              <a:spcAft>
+                <a:spcPct val="0"/>
+              </a:spcAft>
+            </a:pPr>
+            <a:endParaRPr lang="en-US" altLang="pt-PT">
+              <a:latin typeface="Roboto" charset="0"/>
+              <a:ea typeface="SimSun" panose="02010600030101010101" pitchFamily="2" charset="-122"/>
+              <a:cs typeface="Roboto" charset="0"/>
+            </a:endParaRPr>
+          </a:p>
+          <a:p>
+            <a:pPr marL="0" indent="457200" algn="just" defTabSz="266700">
+              <a:spcBef>
+                <a:spcPct val="0"/>
+              </a:spcBef>
+              <a:spcAft>
+                <a:spcPct val="0"/>
+              </a:spcAft>
+            </a:pPr>
+            <a:r>
+              <a:rPr lang="en-US" altLang="pt-PT">
+                <a:latin typeface="Roboto" charset="0"/>
+                <a:ea typeface="SimSun" panose="02010600030101010101" pitchFamily="2" charset="-122"/>
+                <a:cs typeface="Roboto" charset="0"/>
+              </a:rPr>
+              <a:t>- Cada campo armazena apenas um </a:t>
+            </a:r>
+            <a:r>
+              <a:rPr lang="en-US" altLang="en-US">
+                <a:latin typeface="Roboto" charset="0"/>
+                <a:ea typeface="SimSun" panose="02010600030101010101" pitchFamily="2" charset="-122"/>
+                <a:cs typeface="Roboto" charset="0"/>
+              </a:rPr>
+              <a:t>ú</a:t>
+            </a:r>
+            <a:r>
+              <a:rPr lang="en-US" altLang="pt-PT">
+                <a:latin typeface="Roboto" charset="0"/>
+                <a:ea typeface="SimSun" panose="02010600030101010101" pitchFamily="2" charset="-122"/>
+                <a:cs typeface="Roboto" charset="0"/>
+              </a:rPr>
+              <a:t>nico valor por linha</a:t>
+            </a:r>
+            <a:r>
+              <a:rPr lang="pt-PT" altLang="en-US">
+                <a:latin typeface="Roboto" charset="0"/>
+                <a:ea typeface="SimSun" panose="02010600030101010101" pitchFamily="2" charset="-122"/>
+                <a:cs typeface="Roboto" charset="0"/>
+              </a:rPr>
+              <a:t>;</a:t>
+            </a:r>
+            <a:endParaRPr lang="pt-PT" altLang="en-US">
+              <a:latin typeface="Roboto" charset="0"/>
+              <a:ea typeface="SimSun" panose="02010600030101010101" pitchFamily="2" charset="-122"/>
+              <a:cs typeface="Roboto" charset="0"/>
+            </a:endParaRPr>
+          </a:p>
+          <a:p>
+            <a:pPr marL="0" indent="457200" algn="just" defTabSz="266700">
+              <a:spcBef>
+                <a:spcPct val="0"/>
+              </a:spcBef>
+              <a:spcAft>
+                <a:spcPct val="0"/>
+              </a:spcAft>
+            </a:pPr>
+            <a:endParaRPr lang="en-US" altLang="pt-PT">
+              <a:latin typeface="Roboto" charset="0"/>
+              <a:ea typeface="SimSun" panose="02010600030101010101" pitchFamily="2" charset="-122"/>
+              <a:cs typeface="Roboto" charset="0"/>
+            </a:endParaRPr>
+          </a:p>
+          <a:p>
+            <a:pPr marL="0" indent="457200" algn="just" defTabSz="266700">
+              <a:spcBef>
+                <a:spcPct val="0"/>
+              </a:spcBef>
+              <a:spcAft>
+                <a:spcPct val="0"/>
+              </a:spcAft>
+            </a:pPr>
+            <a:r>
+              <a:rPr lang="en-US" altLang="pt-PT">
+                <a:latin typeface="Roboto" charset="0"/>
+                <a:ea typeface="SimSun" panose="02010600030101010101" pitchFamily="2" charset="-122"/>
+                <a:cs typeface="Roboto" charset="0"/>
+              </a:rPr>
+              <a:t>- Telefones de funcion</a:t>
+            </a:r>
+            <a:r>
+              <a:rPr lang="en-US" altLang="en-US">
+                <a:latin typeface="Roboto" charset="0"/>
+                <a:ea typeface="SimSun" panose="02010600030101010101" pitchFamily="2" charset="-122"/>
+                <a:cs typeface="Roboto" charset="0"/>
+              </a:rPr>
+              <a:t>á</a:t>
+            </a:r>
+            <a:r>
+              <a:rPr lang="en-US" altLang="pt-PT">
+                <a:latin typeface="Roboto" charset="0"/>
+                <a:ea typeface="SimSun" panose="02010600030101010101" pitchFamily="2" charset="-122"/>
+                <a:cs typeface="Roboto" charset="0"/>
+              </a:rPr>
+              <a:t>rios, clientes e fornecedores foram colocados em tabelas separadas (`telefoneFuncionarios`, `telefoneClientes` e `telefoneFornecedores`), em vez de permitir m</a:t>
+            </a:r>
+            <a:r>
+              <a:rPr lang="en-US" altLang="en-US">
+                <a:latin typeface="Roboto" charset="0"/>
+                <a:ea typeface="SimSun" panose="02010600030101010101" pitchFamily="2" charset="-122"/>
+                <a:cs typeface="Roboto" charset="0"/>
+              </a:rPr>
+              <a:t>ú</a:t>
+            </a:r>
+            <a:r>
+              <a:rPr lang="en-US" altLang="pt-PT">
+                <a:latin typeface="Roboto" charset="0"/>
+                <a:ea typeface="SimSun" panose="02010600030101010101" pitchFamily="2" charset="-122"/>
+                <a:cs typeface="Roboto" charset="0"/>
+              </a:rPr>
+              <a:t>ltiplos</a:t>
+            </a:r>
+            <a:r>
+              <a:rPr lang="pt-PT" altLang="en-US">
+                <a:latin typeface="Roboto" charset="0"/>
+                <a:ea typeface="SimSun" panose="02010600030101010101" pitchFamily="2" charset="-122"/>
+                <a:cs typeface="Roboto" charset="0"/>
+              </a:rPr>
+              <a:t> </a:t>
+            </a:r>
+            <a:r>
+              <a:rPr lang="en-US" altLang="pt-PT">
+                <a:latin typeface="Roboto" charset="0"/>
+                <a:ea typeface="SimSun" panose="02010600030101010101" pitchFamily="2" charset="-122"/>
+                <a:cs typeface="Roboto" charset="0"/>
+              </a:rPr>
+              <a:t>n</a:t>
+            </a:r>
+            <a:r>
+              <a:rPr lang="en-US" altLang="en-US">
+                <a:latin typeface="Roboto" charset="0"/>
+                <a:ea typeface="SimSun" panose="02010600030101010101" pitchFamily="2" charset="-122"/>
+                <a:cs typeface="Roboto" charset="0"/>
+              </a:rPr>
+              <a:t>ú</a:t>
+            </a:r>
+            <a:r>
+              <a:rPr lang="en-US" altLang="pt-PT">
+                <a:latin typeface="Roboto" charset="0"/>
+                <a:ea typeface="SimSun" panose="02010600030101010101" pitchFamily="2" charset="-122"/>
+                <a:cs typeface="Roboto" charset="0"/>
+              </a:rPr>
+              <a:t>meros numa </a:t>
+            </a:r>
+            <a:r>
+              <a:rPr lang="en-US" altLang="en-US">
+                <a:latin typeface="Roboto" charset="0"/>
+                <a:ea typeface="SimSun" panose="02010600030101010101" pitchFamily="2" charset="-122"/>
+                <a:cs typeface="Roboto" charset="0"/>
+              </a:rPr>
+              <a:t>ú</a:t>
+            </a:r>
+            <a:r>
+              <a:rPr lang="en-US" altLang="pt-PT">
+                <a:latin typeface="Roboto" charset="0"/>
+                <a:ea typeface="SimSun" panose="02010600030101010101" pitchFamily="2" charset="-122"/>
+                <a:cs typeface="Roboto" charset="0"/>
+              </a:rPr>
+              <a:t>nica c</a:t>
+            </a:r>
+            <a:r>
+              <a:rPr lang="en-US" altLang="en-US">
+                <a:latin typeface="Roboto" charset="0"/>
+                <a:ea typeface="SimSun" panose="02010600030101010101" pitchFamily="2" charset="-122"/>
+                <a:cs typeface="Roboto" charset="0"/>
+              </a:rPr>
+              <a:t>é</a:t>
+            </a:r>
+            <a:r>
+              <a:rPr lang="en-US" altLang="pt-PT">
+                <a:latin typeface="Roboto" charset="0"/>
+                <a:ea typeface="SimSun" panose="02010600030101010101" pitchFamily="2" charset="-122"/>
+                <a:cs typeface="Roboto" charset="0"/>
+              </a:rPr>
+              <a:t>lula</a:t>
+            </a:r>
+            <a:r>
+              <a:rPr lang="pt-PT" altLang="en-US">
+                <a:latin typeface="Roboto" charset="0"/>
+                <a:ea typeface="SimSun" panose="02010600030101010101" pitchFamily="2" charset="-122"/>
+                <a:cs typeface="Roboto" charset="0"/>
+              </a:rPr>
+              <a:t>;</a:t>
+            </a:r>
+            <a:endParaRPr lang="en-US" altLang="pt-PT">
+              <a:latin typeface="Roboto" charset="0"/>
+              <a:ea typeface="SimSun" panose="02010600030101010101" pitchFamily="2" charset="-122"/>
+              <a:cs typeface="Roboto" charset="0"/>
+            </a:endParaRPr>
+          </a:p>
+          <a:p>
+            <a:pPr marL="0" indent="457200" algn="just" defTabSz="266700">
+              <a:spcBef>
+                <a:spcPct val="0"/>
+              </a:spcBef>
+              <a:spcAft>
+                <a:spcPct val="0"/>
+              </a:spcAft>
+            </a:pPr>
+            <a:endParaRPr lang="en-US" altLang="pt-PT">
+              <a:latin typeface="Roboto" charset="0"/>
+              <a:ea typeface="SimSun" panose="02010600030101010101" pitchFamily="2" charset="-122"/>
+              <a:cs typeface="Roboto" charset="0"/>
+            </a:endParaRPr>
+          </a:p>
+          <a:p>
+            <a:pPr marL="0" indent="457200" algn="just" defTabSz="266700">
+              <a:spcBef>
+                <a:spcPct val="0"/>
+              </a:spcBef>
+              <a:spcAft>
+                <a:spcPct val="0"/>
+              </a:spcAft>
+            </a:pPr>
+            <a:r>
+              <a:rPr lang="en-US" altLang="pt-PT">
+                <a:latin typeface="Roboto" charset="0"/>
+                <a:ea typeface="SimSun" panose="02010600030101010101" pitchFamily="2" charset="-122"/>
+                <a:cs typeface="Roboto" charset="0"/>
+              </a:rPr>
+              <a:t>- A tabela `vendaProduto` foi criada para evitar listas de produtos dentro da `vendas`. </a:t>
+            </a:r>
+            <a:endParaRPr lang="en-US" altLang="pt-PT">
+              <a:latin typeface="Roboto" charset="0"/>
+              <a:ea typeface="SimSun" panose="02010600030101010101" pitchFamily="2" charset="-122"/>
+              <a:cs typeface="Roboto" charset="0"/>
+            </a:endParaRPr>
+          </a:p>
+        </p:txBody>
+      </p:sp>
+      <p:sp>
+        <p:nvSpPr>
+          <p:cNvPr id="7" name="Caixa de Texto 6"/>
+          <p:cNvSpPr txBox="1"/>
+          <p:nvPr/>
+        </p:nvSpPr>
+        <p:spPr>
+          <a:xfrm>
+            <a:off x="3042285" y="133985"/>
+            <a:ext cx="6796405" cy="460375"/>
+          </a:xfrm>
+          <a:prstGeom prst="rect">
+            <a:avLst/>
+          </a:prstGeom>
+        </p:spPr>
+        <p:txBody>
+          <a:bodyPr wrap="square">
+            <a:spAutoFit/>
+          </a:bodyPr>
+          <a:p>
+            <a:pPr marL="0" indent="0" algn="ctr" defTabSz="266700">
+              <a:spcBef>
+                <a:spcPct val="0"/>
+              </a:spcBef>
+              <a:spcAft>
+                <a:spcPct val="0"/>
+              </a:spcAft>
+            </a:pPr>
+            <a:r>
+              <a:rPr lang="pt-PT" altLang="en-US" sz="2400" b="1">
+                <a:solidFill>
+                  <a:schemeClr val="bg1"/>
+                </a:solidFill>
+                <a:latin typeface="Roboto" charset="0"/>
+                <a:ea typeface="SimSun" panose="02010600030101010101" pitchFamily="2" charset="-122"/>
+                <a:cs typeface="Roboto" charset="0"/>
+              </a:rPr>
+              <a:t>Normalização</a:t>
+            </a:r>
+            <a:endParaRPr lang="pt-PT" altLang="en-US" sz="2400" b="1">
+              <a:solidFill>
+                <a:schemeClr val="bg1"/>
+              </a:solidFill>
+              <a:latin typeface="Roboto" charset="0"/>
+              <a:ea typeface="SimSun" panose="02010600030101010101" pitchFamily="2" charset="-122"/>
+              <a:cs typeface="Roboto" charset="0"/>
+            </a:endParaRPr>
+          </a:p>
+        </p:txBody>
+      </p:sp>
+    </p:spTree>
+  </p:cSld>
+  <p:clrMapOvr>
+    <a:masterClrMapping/>
+  </p:clrMapOvr>
+  <mc:AlternateContent xmlns:mc="http://schemas.openxmlformats.org/markup-compatibility/2006">
+    <mc:Choice xmlns:p14="http://schemas.microsoft.com/office/powerpoint/2010/main" Requires="p14">
+      <p:transition spd="med" p14:dur="699">
+        <p:fade/>
+      </p:transition>
+    </mc:Choice>
+    <mc:Fallback>
+      <p:transition spd="med">
+        <p:fade/>
+      </p:transition>
+    </mc:Fallback>
+  </mc:AlternateContent>
+</p:sld>
+</file>
+
+<file path=ppt/slides/slide25.xml><?xml version="1.0" encoding="utf-8"?>
+<p:sld xmlns:a="http://schemas.openxmlformats.org/drawingml/2006/main" xmlns:r="http://schemas.openxmlformats.org/officeDocument/2006/relationships" xmlns:p="http://schemas.openxmlformats.org/presentationml/2006/main">
+  <p:cSld>
+    <p:spTree>
+      <p:nvGrpSpPr>
+        <p:cNvPr id="1" name=""/>
+        <p:cNvGrpSpPr/>
+        <p:nvPr/>
+      </p:nvGrpSpPr>
+      <p:grpSpPr>
+        <a:xfrm>
+          <a:off x="0" y="0"/>
+          <a:ext cx="0" cy="0"/>
+          <a:chOff x="0" y="0"/>
+          <a:chExt cx="0" cy="0"/>
+        </a:xfrm>
+      </p:grpSpPr>
+      <p:sp>
+        <p:nvSpPr>
+          <p:cNvPr id="6" name="Caixa de Texto 5"/>
+          <p:cNvSpPr txBox="1"/>
+          <p:nvPr/>
+        </p:nvSpPr>
+        <p:spPr>
+          <a:xfrm>
+            <a:off x="680720" y="1164590"/>
+            <a:ext cx="10828655" cy="4794885"/>
+          </a:xfrm>
+          <a:prstGeom prst="rect">
+            <a:avLst/>
+          </a:prstGeom>
+        </p:spPr>
+        <p:txBody>
+          <a:bodyPr wrap="square">
+            <a:noAutofit/>
+          </a:bodyPr>
+          <a:p>
+            <a:pPr marL="0" indent="0" algn="just" defTabSz="266700">
+              <a:spcBef>
+                <a:spcPct val="0"/>
+              </a:spcBef>
+              <a:spcAft>
+                <a:spcPct val="0"/>
+              </a:spcAft>
+            </a:pPr>
+            <a:r>
+              <a:rPr lang="en-US" altLang="pt-PT" b="1">
+                <a:latin typeface="Roboto" charset="0"/>
+                <a:ea typeface="SimSun" panose="02010600030101010101" pitchFamily="2" charset="-122"/>
+                <a:cs typeface="Roboto" charset="0"/>
+              </a:rPr>
+              <a:t>2</a:t>
+            </a:r>
+            <a:r>
+              <a:rPr lang="en-US" altLang="en-US" b="1">
+                <a:latin typeface="Roboto" charset="0"/>
+                <a:ea typeface="SimSun" panose="02010600030101010101" pitchFamily="2" charset="-122"/>
+                <a:cs typeface="Roboto" charset="0"/>
+              </a:rPr>
+              <a:t>ª</a:t>
+            </a:r>
+            <a:r>
+              <a:rPr lang="en-US" altLang="pt-PT" b="1">
+                <a:latin typeface="Roboto" charset="0"/>
+                <a:ea typeface="SimSun" panose="02010600030101010101" pitchFamily="2" charset="-122"/>
+                <a:cs typeface="Roboto" charset="0"/>
+              </a:rPr>
+              <a:t> Forma Normal (2FN) - Sem depend</a:t>
+            </a:r>
+            <a:r>
+              <a:rPr lang="en-US" altLang="en-US" b="1">
+                <a:latin typeface="Roboto" charset="0"/>
+                <a:ea typeface="SimSun" panose="02010600030101010101" pitchFamily="2" charset="-122"/>
+                <a:cs typeface="Roboto" charset="0"/>
+              </a:rPr>
+              <a:t>ê</a:t>
+            </a:r>
+            <a:r>
+              <a:rPr lang="en-US" altLang="pt-PT" b="1">
+                <a:latin typeface="Roboto" charset="0"/>
+                <a:ea typeface="SimSun" panose="02010600030101010101" pitchFamily="2" charset="-122"/>
+                <a:cs typeface="Roboto" charset="0"/>
+              </a:rPr>
+              <a:t>ncias parciais da chave prim</a:t>
+            </a:r>
+            <a:r>
+              <a:rPr lang="en-US" altLang="en-US" b="1">
+                <a:latin typeface="Roboto" charset="0"/>
+                <a:ea typeface="SimSun" panose="02010600030101010101" pitchFamily="2" charset="-122"/>
+                <a:cs typeface="Roboto" charset="0"/>
+              </a:rPr>
+              <a:t>á</a:t>
+            </a:r>
+            <a:r>
+              <a:rPr lang="en-US" altLang="pt-PT" b="1">
+                <a:latin typeface="Roboto" charset="0"/>
+                <a:ea typeface="SimSun" panose="02010600030101010101" pitchFamily="2" charset="-122"/>
+                <a:cs typeface="Roboto" charset="0"/>
+              </a:rPr>
+              <a:t>ria</a:t>
+            </a:r>
+            <a:endParaRPr lang="en-US" altLang="pt-PT" b="1">
+              <a:latin typeface="Roboto" charset="0"/>
+              <a:ea typeface="SimSun" panose="02010600030101010101" pitchFamily="2" charset="-122"/>
+              <a:cs typeface="Roboto" charset="0"/>
+            </a:endParaRPr>
+          </a:p>
+          <a:p>
+            <a:pPr marL="0" indent="0" algn="just" defTabSz="266700">
+              <a:spcBef>
+                <a:spcPct val="0"/>
+              </a:spcBef>
+              <a:spcAft>
+                <a:spcPct val="0"/>
+              </a:spcAft>
+            </a:pPr>
+            <a:endParaRPr lang="en-US" altLang="pt-PT" b="1">
+              <a:latin typeface="Roboto" charset="0"/>
+              <a:ea typeface="SimSun" panose="02010600030101010101" pitchFamily="2" charset="-122"/>
+              <a:cs typeface="Roboto" charset="0"/>
+            </a:endParaRPr>
+          </a:p>
+          <a:p>
+            <a:pPr marL="0" indent="457200" algn="just" defTabSz="266700">
+              <a:spcBef>
+                <a:spcPct val="0"/>
+              </a:spcBef>
+              <a:spcAft>
+                <a:spcPct val="0"/>
+              </a:spcAft>
+            </a:pPr>
+            <a:r>
+              <a:rPr lang="en-US" altLang="pt-PT">
+                <a:latin typeface="Roboto" charset="0"/>
+                <a:ea typeface="SimSun" panose="02010600030101010101" pitchFamily="2" charset="-122"/>
+                <a:cs typeface="Roboto" charset="0"/>
+              </a:rPr>
+              <a:t>A </a:t>
+            </a:r>
+            <a:r>
+              <a:rPr lang="en-US" altLang="pt-PT" b="1">
+                <a:latin typeface="Roboto" charset="0"/>
+                <a:ea typeface="SimSun" panose="02010600030101010101" pitchFamily="2" charset="-122"/>
+                <a:cs typeface="Roboto" charset="0"/>
+              </a:rPr>
+              <a:t>2FN</a:t>
+            </a:r>
+            <a:r>
+              <a:rPr lang="en-US" altLang="pt-PT">
+                <a:latin typeface="Roboto" charset="0"/>
+                <a:ea typeface="SimSun" panose="02010600030101010101" pitchFamily="2" charset="-122"/>
+                <a:cs typeface="Roboto" charset="0"/>
+              </a:rPr>
+              <a:t> exige que todas as colunas </a:t>
+            </a:r>
+            <a:r>
+              <a:rPr lang="en-US" altLang="pt-PT" b="1">
+                <a:latin typeface="Roboto" charset="0"/>
+                <a:ea typeface="SimSun" panose="02010600030101010101" pitchFamily="2" charset="-122"/>
+                <a:cs typeface="Roboto" charset="0"/>
+              </a:rPr>
+              <a:t>n</a:t>
+            </a:r>
+            <a:r>
+              <a:rPr lang="en-US" altLang="en-US" b="1">
+                <a:latin typeface="Roboto" charset="0"/>
+                <a:ea typeface="SimSun" panose="02010600030101010101" pitchFamily="2" charset="-122"/>
+                <a:cs typeface="Roboto" charset="0"/>
+              </a:rPr>
+              <a:t>ã</a:t>
+            </a:r>
+            <a:r>
+              <a:rPr lang="en-US" altLang="pt-PT" b="1">
+                <a:latin typeface="Roboto" charset="0"/>
+                <a:ea typeface="SimSun" panose="02010600030101010101" pitchFamily="2" charset="-122"/>
+                <a:cs typeface="Roboto" charset="0"/>
+              </a:rPr>
+              <a:t>o-chave dependam completamente da chave prim</a:t>
+            </a:r>
+            <a:r>
+              <a:rPr lang="en-US" altLang="en-US" b="1">
+                <a:latin typeface="Roboto" charset="0"/>
+                <a:ea typeface="SimSun" panose="02010600030101010101" pitchFamily="2" charset="-122"/>
+                <a:cs typeface="Roboto" charset="0"/>
+              </a:rPr>
+              <a:t>á</a:t>
+            </a:r>
+            <a:r>
+              <a:rPr lang="en-US" altLang="pt-PT" b="1">
+                <a:latin typeface="Roboto" charset="0"/>
+                <a:ea typeface="SimSun" panose="02010600030101010101" pitchFamily="2" charset="-122"/>
+                <a:cs typeface="Roboto" charset="0"/>
+              </a:rPr>
+              <a:t>ria.</a:t>
+            </a:r>
+            <a:r>
+              <a:rPr lang="en-US" altLang="pt-PT">
+                <a:latin typeface="Roboto" charset="0"/>
+                <a:ea typeface="SimSun" panose="02010600030101010101" pitchFamily="2" charset="-122"/>
+                <a:cs typeface="Roboto" charset="0"/>
+              </a:rPr>
+              <a:t>  </a:t>
+            </a:r>
+            <a:endParaRPr lang="en-US" altLang="pt-PT">
+              <a:latin typeface="Roboto" charset="0"/>
+              <a:ea typeface="SimSun" panose="02010600030101010101" pitchFamily="2" charset="-122"/>
+              <a:cs typeface="Roboto" charset="0"/>
+            </a:endParaRPr>
+          </a:p>
+          <a:p>
+            <a:pPr marL="0" indent="457200" algn="just" defTabSz="266700">
+              <a:spcBef>
+                <a:spcPct val="0"/>
+              </a:spcBef>
+              <a:spcAft>
+                <a:spcPct val="0"/>
+              </a:spcAft>
+            </a:pPr>
+            <a:endParaRPr lang="en-US" altLang="pt-PT">
+              <a:latin typeface="Roboto" charset="0"/>
+              <a:ea typeface="SimSun" panose="02010600030101010101" pitchFamily="2" charset="-122"/>
+              <a:cs typeface="Roboto" charset="0"/>
+            </a:endParaRPr>
+          </a:p>
+          <a:p>
+            <a:pPr marL="0" indent="0" algn="just" defTabSz="266700">
+              <a:spcBef>
+                <a:spcPct val="0"/>
+              </a:spcBef>
+              <a:spcAft>
+                <a:spcPct val="0"/>
+              </a:spcAft>
+            </a:pPr>
+            <a:r>
+              <a:rPr lang="en-US" altLang="pt-PT">
+                <a:latin typeface="Roboto" charset="0"/>
+                <a:ea typeface="SimSun" panose="02010600030101010101" pitchFamily="2" charset="-122"/>
+                <a:cs typeface="Roboto" charset="0"/>
+              </a:rPr>
+              <a:t>Como as tabelas atendem à 2FN?  </a:t>
+            </a:r>
+            <a:endParaRPr lang="en-US" altLang="pt-PT">
+              <a:latin typeface="Roboto" charset="0"/>
+              <a:ea typeface="SimSun" panose="02010600030101010101" pitchFamily="2" charset="-122"/>
+              <a:cs typeface="Roboto" charset="0"/>
+            </a:endParaRPr>
+          </a:p>
+          <a:p>
+            <a:pPr marL="0" indent="0" algn="just" defTabSz="266700">
+              <a:spcBef>
+                <a:spcPct val="0"/>
+              </a:spcBef>
+              <a:spcAft>
+                <a:spcPct val="0"/>
+              </a:spcAft>
+            </a:pPr>
+            <a:endParaRPr lang="en-US" altLang="pt-PT">
+              <a:latin typeface="Roboto" charset="0"/>
+              <a:ea typeface="SimSun" panose="02010600030101010101" pitchFamily="2" charset="-122"/>
+              <a:cs typeface="Roboto" charset="0"/>
+            </a:endParaRPr>
+          </a:p>
+          <a:p>
+            <a:pPr marL="0" indent="457200" algn="just" defTabSz="266700">
+              <a:spcBef>
+                <a:spcPct val="0"/>
+              </a:spcBef>
+              <a:spcAft>
+                <a:spcPct val="0"/>
+              </a:spcAft>
+            </a:pPr>
+            <a:r>
+              <a:rPr lang="en-US" altLang="pt-PT">
+                <a:latin typeface="Roboto" charset="0"/>
+                <a:ea typeface="SimSun" panose="02010600030101010101" pitchFamily="2" charset="-122"/>
+                <a:cs typeface="Roboto" charset="0"/>
+              </a:rPr>
+              <a:t>- `telefoneFuncionarios`, `telefoneClientes` e `telefoneFornecedores` possuem </a:t>
+            </a:r>
+            <a:r>
+              <a:rPr lang="en-US" altLang="pt-PT" b="1">
+                <a:latin typeface="Roboto" charset="0"/>
+                <a:ea typeface="SimSun" panose="02010600030101010101" pitchFamily="2" charset="-122"/>
+                <a:cs typeface="Roboto" charset="0"/>
+              </a:rPr>
+              <a:t>chaves estrangeiras</a:t>
+            </a:r>
+            <a:r>
+              <a:rPr lang="en-US" altLang="pt-PT">
+                <a:latin typeface="Roboto" charset="0"/>
+                <a:ea typeface="SimSun" panose="02010600030101010101" pitchFamily="2" charset="-122"/>
+                <a:cs typeface="Roboto" charset="0"/>
+              </a:rPr>
+              <a:t> (`idFuncionario`, `idCliente`, `idFornecedor`), garantindo que os telefones pertencem exatamente a um registro principal</a:t>
+            </a:r>
+            <a:r>
+              <a:rPr lang="pt-PT" altLang="en-US">
+                <a:latin typeface="Roboto" charset="0"/>
+                <a:ea typeface="SimSun" panose="02010600030101010101" pitchFamily="2" charset="-122"/>
+                <a:cs typeface="Roboto" charset="0"/>
+              </a:rPr>
+              <a:t>;</a:t>
+            </a:r>
+            <a:endParaRPr lang="pt-PT" altLang="en-US">
+              <a:latin typeface="Roboto" charset="0"/>
+              <a:ea typeface="SimSun" panose="02010600030101010101" pitchFamily="2" charset="-122"/>
+              <a:cs typeface="Roboto" charset="0"/>
+            </a:endParaRPr>
+          </a:p>
+          <a:p>
+            <a:pPr marL="0" indent="457200" algn="just" defTabSz="266700">
+              <a:spcBef>
+                <a:spcPct val="0"/>
+              </a:spcBef>
+              <a:spcAft>
+                <a:spcPct val="0"/>
+              </a:spcAft>
+            </a:pPr>
+            <a:endParaRPr lang="en-US" altLang="pt-PT">
+              <a:latin typeface="Roboto" charset="0"/>
+              <a:ea typeface="SimSun" panose="02010600030101010101" pitchFamily="2" charset="-122"/>
+              <a:cs typeface="Roboto" charset="0"/>
+            </a:endParaRPr>
+          </a:p>
+          <a:p>
+            <a:pPr marL="0" indent="457200" algn="just" defTabSz="266700">
+              <a:spcBef>
+                <a:spcPct val="0"/>
+              </a:spcBef>
+              <a:spcAft>
+                <a:spcPct val="0"/>
+              </a:spcAft>
+            </a:pPr>
+            <a:r>
+              <a:rPr lang="en-US" altLang="pt-PT">
+                <a:latin typeface="Roboto" charset="0"/>
+                <a:ea typeface="SimSun" panose="02010600030101010101" pitchFamily="2" charset="-122"/>
+                <a:cs typeface="Roboto" charset="0"/>
+              </a:rPr>
+              <a:t>- `vendaProduto` relaciona `vendas` e `produtos`, evitando que os produtos fiquem diretamente na tabela `vendas`</a:t>
+            </a:r>
+            <a:r>
+              <a:rPr lang="pt-PT" altLang="en-US">
+                <a:latin typeface="Roboto" charset="0"/>
+                <a:ea typeface="SimSun" panose="02010600030101010101" pitchFamily="2" charset="-122"/>
+                <a:cs typeface="Roboto" charset="0"/>
+              </a:rPr>
+              <a:t>;</a:t>
+            </a:r>
+            <a:endParaRPr lang="pt-PT" altLang="en-US">
+              <a:latin typeface="Roboto" charset="0"/>
+              <a:ea typeface="SimSun" panose="02010600030101010101" pitchFamily="2" charset="-122"/>
+              <a:cs typeface="Roboto" charset="0"/>
+            </a:endParaRPr>
+          </a:p>
+          <a:p>
+            <a:pPr marL="0" indent="457200" algn="just" defTabSz="266700">
+              <a:spcBef>
+                <a:spcPct val="0"/>
+              </a:spcBef>
+              <a:spcAft>
+                <a:spcPct val="0"/>
+              </a:spcAft>
+            </a:pPr>
+            <a:endParaRPr lang="en-US" altLang="pt-PT">
+              <a:latin typeface="Roboto" charset="0"/>
+              <a:ea typeface="SimSun" panose="02010600030101010101" pitchFamily="2" charset="-122"/>
+              <a:cs typeface="Roboto" charset="0"/>
+            </a:endParaRPr>
+          </a:p>
+          <a:p>
+            <a:pPr marL="0" indent="457200" algn="just" defTabSz="266700">
+              <a:spcBef>
+                <a:spcPct val="0"/>
+              </a:spcBef>
+              <a:spcAft>
+                <a:spcPct val="0"/>
+              </a:spcAft>
+            </a:pPr>
+            <a:r>
+              <a:rPr lang="en-US" altLang="pt-PT">
+                <a:latin typeface="Roboto" charset="0"/>
+                <a:ea typeface="SimSun" panose="02010600030101010101" pitchFamily="2" charset="-122"/>
+                <a:cs typeface="Roboto" charset="0"/>
+              </a:rPr>
+              <a:t>- `estoques`, `entradas` e `saidas` t</a:t>
+            </a:r>
+            <a:r>
+              <a:rPr lang="en-US" altLang="en-US">
+                <a:latin typeface="Roboto" charset="0"/>
+                <a:ea typeface="SimSun" panose="02010600030101010101" pitchFamily="2" charset="-122"/>
+                <a:cs typeface="Roboto" charset="0"/>
+              </a:rPr>
+              <a:t>ê</a:t>
+            </a:r>
+            <a:r>
+              <a:rPr lang="en-US" altLang="pt-PT">
+                <a:latin typeface="Roboto" charset="0"/>
+                <a:ea typeface="SimSun" panose="02010600030101010101" pitchFamily="2" charset="-122"/>
+                <a:cs typeface="Roboto" charset="0"/>
+              </a:rPr>
+              <a:t>m rela</a:t>
+            </a:r>
+            <a:r>
+              <a:rPr lang="" altLang="en-US">
+                <a:latin typeface="Roboto" charset="0"/>
+                <a:ea typeface="SimSun" panose="02010600030101010101" pitchFamily="2" charset="-122"/>
+                <a:cs typeface="Roboto" charset="0"/>
+              </a:rPr>
+              <a:t>ç</a:t>
+            </a:r>
+            <a:r>
+              <a:rPr lang="en-US" altLang="en-US">
+                <a:latin typeface="Roboto" charset="0"/>
+                <a:ea typeface="SimSun" panose="02010600030101010101" pitchFamily="2" charset="-122"/>
+                <a:cs typeface="Roboto" charset="0"/>
+              </a:rPr>
+              <a:t>ã</a:t>
+            </a:r>
+            <a:r>
+              <a:rPr lang="en-US" altLang="pt-PT">
+                <a:latin typeface="Roboto" charset="0"/>
+                <a:ea typeface="SimSun" panose="02010600030101010101" pitchFamily="2" charset="-122"/>
+                <a:cs typeface="Roboto" charset="0"/>
+              </a:rPr>
+              <a:t>o direta com `produtos` e armazenam apenas dados necess</a:t>
+            </a:r>
+            <a:r>
+              <a:rPr lang="en-US" altLang="en-US">
+                <a:latin typeface="Roboto" charset="0"/>
+                <a:ea typeface="SimSun" panose="02010600030101010101" pitchFamily="2" charset="-122"/>
+                <a:cs typeface="Roboto" charset="0"/>
+              </a:rPr>
+              <a:t>á</a:t>
+            </a:r>
+            <a:r>
+              <a:rPr lang="en-US" altLang="pt-PT">
+                <a:latin typeface="Roboto" charset="0"/>
+                <a:ea typeface="SimSun" panose="02010600030101010101" pitchFamily="2" charset="-122"/>
+                <a:cs typeface="Roboto" charset="0"/>
+              </a:rPr>
+              <a:t>rios, evitando informa</a:t>
+            </a:r>
+            <a:r>
+              <a:rPr lang="" altLang="en-US">
+                <a:latin typeface="Roboto" charset="0"/>
+                <a:ea typeface="SimSun" panose="02010600030101010101" pitchFamily="2" charset="-122"/>
+                <a:cs typeface="Roboto" charset="0"/>
+              </a:rPr>
+              <a:t>çõ</a:t>
+            </a:r>
+            <a:r>
+              <a:rPr lang="en-US" altLang="pt-PT">
+                <a:latin typeface="Roboto" charset="0"/>
+                <a:ea typeface="SimSun" panose="02010600030101010101" pitchFamily="2" charset="-122"/>
+                <a:cs typeface="Roboto" charset="0"/>
+              </a:rPr>
+              <a:t>es duplicadas.  </a:t>
+            </a:r>
+            <a:endParaRPr lang="en-US" altLang="pt-PT">
+              <a:latin typeface="Roboto" charset="0"/>
+              <a:ea typeface="SimSun" panose="02010600030101010101" pitchFamily="2" charset="-122"/>
+              <a:cs typeface="Roboto" charset="0"/>
+            </a:endParaRPr>
+          </a:p>
+          <a:p>
+            <a:pPr marL="0" indent="457200" algn="just" defTabSz="266700">
+              <a:spcBef>
+                <a:spcPct val="0"/>
+              </a:spcBef>
+              <a:spcAft>
+                <a:spcPct val="0"/>
+              </a:spcAft>
+            </a:pPr>
+            <a:endParaRPr lang="en-US" altLang="pt-PT">
+              <a:latin typeface="Roboto" charset="0"/>
+              <a:ea typeface="SimSun" panose="02010600030101010101" pitchFamily="2" charset="-122"/>
+              <a:cs typeface="Roboto" charset="0"/>
+            </a:endParaRPr>
+          </a:p>
+          <a:p>
+            <a:pPr marL="0" indent="457200" algn="just" defTabSz="266700">
+              <a:spcBef>
+                <a:spcPct val="0"/>
+              </a:spcBef>
+              <a:spcAft>
+                <a:spcPct val="0"/>
+              </a:spcAft>
+            </a:pPr>
+            <a:r>
+              <a:rPr lang="en-US" altLang="pt-PT">
+                <a:latin typeface="Roboto" charset="0"/>
+                <a:ea typeface="SimSun" panose="02010600030101010101" pitchFamily="2" charset="-122"/>
+                <a:cs typeface="Roboto" charset="0"/>
+              </a:rPr>
+              <a:t>Nenhuma tabela cont</a:t>
+            </a:r>
+            <a:r>
+              <a:rPr lang="en-US" altLang="en-US">
+                <a:latin typeface="Roboto" charset="0"/>
+                <a:ea typeface="SimSun" panose="02010600030101010101" pitchFamily="2" charset="-122"/>
+                <a:cs typeface="Roboto" charset="0"/>
+              </a:rPr>
+              <a:t>é</a:t>
+            </a:r>
+            <a:r>
+              <a:rPr lang="en-US" altLang="pt-PT">
+                <a:latin typeface="Roboto" charset="0"/>
+                <a:ea typeface="SimSun" panose="02010600030101010101" pitchFamily="2" charset="-122"/>
+                <a:cs typeface="Roboto" charset="0"/>
+              </a:rPr>
+              <a:t>m colunas que s</a:t>
+            </a:r>
+            <a:r>
+              <a:rPr lang="en-US" altLang="en-US">
+                <a:latin typeface="Roboto" charset="0"/>
+                <a:ea typeface="SimSun" panose="02010600030101010101" pitchFamily="2" charset="-122"/>
+                <a:cs typeface="Roboto" charset="0"/>
+              </a:rPr>
+              <a:t>ó</a:t>
+            </a:r>
+            <a:r>
+              <a:rPr lang="en-US" altLang="pt-PT">
+                <a:latin typeface="Roboto" charset="0"/>
+                <a:ea typeface="SimSun" panose="02010600030101010101" pitchFamily="2" charset="-122"/>
+                <a:cs typeface="Roboto" charset="0"/>
+              </a:rPr>
+              <a:t> fazem sentido para parte da chave prim</a:t>
+            </a:r>
+            <a:r>
+              <a:rPr lang="en-US" altLang="en-US">
+                <a:latin typeface="Roboto" charset="0"/>
+                <a:ea typeface="SimSun" panose="02010600030101010101" pitchFamily="2" charset="-122"/>
+                <a:cs typeface="Roboto" charset="0"/>
+              </a:rPr>
+              <a:t>á</a:t>
+            </a:r>
+            <a:r>
+              <a:rPr lang="en-US" altLang="pt-PT">
+                <a:latin typeface="Roboto" charset="0"/>
+                <a:ea typeface="SimSun" panose="02010600030101010101" pitchFamily="2" charset="-122"/>
+                <a:cs typeface="Roboto" charset="0"/>
+              </a:rPr>
+              <a:t>ria. </a:t>
+            </a:r>
+            <a:endParaRPr lang="en-US" altLang="pt-PT">
+              <a:latin typeface="Roboto" charset="0"/>
+              <a:ea typeface="SimSun" panose="02010600030101010101" pitchFamily="2" charset="-122"/>
+              <a:cs typeface="Roboto" charset="0"/>
+            </a:endParaRPr>
+          </a:p>
+        </p:txBody>
+      </p:sp>
+      <p:sp>
+        <p:nvSpPr>
+          <p:cNvPr id="7" name="Caixa de Texto 6"/>
+          <p:cNvSpPr txBox="1"/>
+          <p:nvPr/>
+        </p:nvSpPr>
+        <p:spPr>
+          <a:xfrm>
+            <a:off x="3042285" y="133985"/>
+            <a:ext cx="6796405" cy="460375"/>
+          </a:xfrm>
+          <a:prstGeom prst="rect">
+            <a:avLst/>
+          </a:prstGeom>
+        </p:spPr>
+        <p:txBody>
+          <a:bodyPr wrap="square">
+            <a:spAutoFit/>
+          </a:bodyPr>
+          <a:p>
+            <a:pPr marL="0" indent="0" algn="ctr" defTabSz="266700">
+              <a:spcBef>
+                <a:spcPct val="0"/>
+              </a:spcBef>
+              <a:spcAft>
+                <a:spcPct val="0"/>
+              </a:spcAft>
+            </a:pPr>
+            <a:r>
+              <a:rPr lang="pt-PT" altLang="en-US" sz="2400" b="1">
+                <a:solidFill>
+                  <a:schemeClr val="bg1"/>
+                </a:solidFill>
+                <a:latin typeface="Roboto" charset="0"/>
+                <a:ea typeface="SimSun" panose="02010600030101010101" pitchFamily="2" charset="-122"/>
+                <a:cs typeface="Roboto" charset="0"/>
+              </a:rPr>
+              <a:t>Normalização</a:t>
+            </a:r>
+            <a:endParaRPr lang="pt-PT" altLang="en-US" sz="2400" b="1">
+              <a:solidFill>
+                <a:schemeClr val="bg1"/>
+              </a:solidFill>
+              <a:latin typeface="Roboto" charset="0"/>
+              <a:ea typeface="SimSun" panose="02010600030101010101" pitchFamily="2" charset="-122"/>
+              <a:cs typeface="Roboto" charset="0"/>
+            </a:endParaRPr>
+          </a:p>
+        </p:txBody>
+      </p:sp>
+    </p:spTree>
+  </p:cSld>
+  <p:clrMapOvr>
+    <a:masterClrMapping/>
+  </p:clrMapOvr>
+  <mc:AlternateContent xmlns:mc="http://schemas.openxmlformats.org/markup-compatibility/2006">
+    <mc:Choice xmlns:p14="http://schemas.microsoft.com/office/powerpoint/2010/main" Requires="p14">
+      <p:transition spd="med" p14:dur="699">
+        <p:fade/>
+      </p:transition>
+    </mc:Choice>
+    <mc:Fallback>
+      <p:transition spd="med">
+        <p:fade/>
+      </p:transition>
+    </mc:Fallback>
+  </mc:AlternateContent>
+</p:sld>
+</file>
+
+<file path=ppt/slides/slide26.xml><?xml version="1.0" encoding="utf-8"?>
+<p:sld xmlns:a="http://schemas.openxmlformats.org/drawingml/2006/main" xmlns:r="http://schemas.openxmlformats.org/officeDocument/2006/relationships" xmlns:p="http://schemas.openxmlformats.org/presentationml/2006/main">
+  <p:cSld>
+    <p:spTree>
+      <p:nvGrpSpPr>
+        <p:cNvPr id="1" name=""/>
+        <p:cNvGrpSpPr/>
+        <p:nvPr/>
+      </p:nvGrpSpPr>
+      <p:grpSpPr>
+        <a:xfrm>
+          <a:off x="0" y="0"/>
+          <a:ext cx="0" cy="0"/>
+          <a:chOff x="0" y="0"/>
+          <a:chExt cx="0" cy="0"/>
+        </a:xfrm>
+      </p:grpSpPr>
+      <p:sp>
+        <p:nvSpPr>
+          <p:cNvPr id="6" name="Caixa de Texto 5"/>
+          <p:cNvSpPr txBox="1"/>
+          <p:nvPr/>
+        </p:nvSpPr>
+        <p:spPr>
+          <a:xfrm>
+            <a:off x="680720" y="1164590"/>
+            <a:ext cx="10828655" cy="5360670"/>
+          </a:xfrm>
+          <a:prstGeom prst="rect">
+            <a:avLst/>
+          </a:prstGeom>
+        </p:spPr>
+        <p:txBody>
+          <a:bodyPr wrap="square">
+            <a:noAutofit/>
+          </a:bodyPr>
+          <a:p>
+            <a:pPr marL="0" indent="0" algn="just" defTabSz="266700">
+              <a:spcBef>
+                <a:spcPct val="0"/>
+              </a:spcBef>
+              <a:spcAft>
+                <a:spcPct val="0"/>
+              </a:spcAft>
+            </a:pPr>
+            <a:r>
+              <a:rPr lang="en-US" altLang="pt-PT" b="1">
+                <a:latin typeface="Roboto" charset="0"/>
+                <a:ea typeface="SimSun" panose="02010600030101010101" pitchFamily="2" charset="-122"/>
+                <a:cs typeface="Roboto" charset="0"/>
+              </a:rPr>
+              <a:t>3</a:t>
+            </a:r>
+            <a:r>
+              <a:rPr lang="en-US" altLang="en-US" b="1">
+                <a:latin typeface="Roboto" charset="0"/>
+                <a:ea typeface="SimSun" panose="02010600030101010101" pitchFamily="2" charset="-122"/>
+                <a:cs typeface="Roboto" charset="0"/>
+              </a:rPr>
+              <a:t>ª</a:t>
+            </a:r>
+            <a:r>
+              <a:rPr lang="en-US" altLang="pt-PT" b="1">
+                <a:latin typeface="Roboto" charset="0"/>
+                <a:ea typeface="SimSun" panose="02010600030101010101" pitchFamily="2" charset="-122"/>
+                <a:cs typeface="Roboto" charset="0"/>
+              </a:rPr>
+              <a:t> Forma Normal (3FN) - Sem depend</a:t>
+            </a:r>
+            <a:r>
+              <a:rPr lang="en-US" altLang="en-US" b="1">
+                <a:latin typeface="Roboto" charset="0"/>
+                <a:ea typeface="SimSun" panose="02010600030101010101" pitchFamily="2" charset="-122"/>
+                <a:cs typeface="Roboto" charset="0"/>
+              </a:rPr>
+              <a:t>ê</a:t>
+            </a:r>
+            <a:r>
+              <a:rPr lang="en-US" altLang="pt-PT" b="1">
+                <a:latin typeface="Roboto" charset="0"/>
+                <a:ea typeface="SimSun" panose="02010600030101010101" pitchFamily="2" charset="-122"/>
+                <a:cs typeface="Roboto" charset="0"/>
+              </a:rPr>
+              <a:t>ncias transitivas</a:t>
+            </a:r>
+            <a:endParaRPr lang="en-US" altLang="pt-PT" b="1">
+              <a:latin typeface="Roboto" charset="0"/>
+              <a:ea typeface="SimSun" panose="02010600030101010101" pitchFamily="2" charset="-122"/>
+              <a:cs typeface="Roboto" charset="0"/>
+            </a:endParaRPr>
+          </a:p>
+          <a:p>
+            <a:pPr marL="0" indent="0" algn="just" defTabSz="266700">
+              <a:spcBef>
+                <a:spcPct val="0"/>
+              </a:spcBef>
+              <a:spcAft>
+                <a:spcPct val="0"/>
+              </a:spcAft>
+            </a:pPr>
+            <a:endParaRPr lang="en-US" altLang="pt-PT" b="1">
+              <a:latin typeface="Roboto" charset="0"/>
+              <a:ea typeface="SimSun" panose="02010600030101010101" pitchFamily="2" charset="-122"/>
+              <a:cs typeface="Roboto" charset="0"/>
+            </a:endParaRPr>
+          </a:p>
+          <a:p>
+            <a:pPr marL="0" indent="457200" algn="just" defTabSz="266700">
+              <a:spcBef>
+                <a:spcPct val="0"/>
+              </a:spcBef>
+              <a:spcAft>
+                <a:spcPct val="0"/>
+              </a:spcAft>
+            </a:pPr>
+            <a:r>
+              <a:rPr lang="en-US" altLang="pt-PT">
+                <a:latin typeface="Roboto" charset="0"/>
+                <a:ea typeface="SimSun" panose="02010600030101010101" pitchFamily="2" charset="-122"/>
+                <a:cs typeface="Roboto" charset="0"/>
+              </a:rPr>
+              <a:t>A </a:t>
+            </a:r>
+            <a:r>
+              <a:rPr lang="en-US" altLang="pt-PT" b="1">
+                <a:latin typeface="Roboto" charset="0"/>
+                <a:ea typeface="SimSun" panose="02010600030101010101" pitchFamily="2" charset="-122"/>
+                <a:cs typeface="Roboto" charset="0"/>
+              </a:rPr>
+              <a:t>3FN</a:t>
+            </a:r>
+            <a:r>
+              <a:rPr lang="en-US" altLang="pt-PT">
+                <a:latin typeface="Roboto" charset="0"/>
+                <a:ea typeface="SimSun" panose="02010600030101010101" pitchFamily="2" charset="-122"/>
+                <a:cs typeface="Roboto" charset="0"/>
+              </a:rPr>
+              <a:t> elimina depend</a:t>
+            </a:r>
+            <a:r>
+              <a:rPr lang="en-US" altLang="en-US">
+                <a:latin typeface="Roboto" charset="0"/>
+                <a:ea typeface="SimSun" panose="02010600030101010101" pitchFamily="2" charset="-122"/>
+                <a:cs typeface="Roboto" charset="0"/>
+              </a:rPr>
+              <a:t>ê</a:t>
+            </a:r>
+            <a:r>
+              <a:rPr lang="en-US" altLang="pt-PT">
+                <a:latin typeface="Roboto" charset="0"/>
+                <a:ea typeface="SimSun" panose="02010600030101010101" pitchFamily="2" charset="-122"/>
+                <a:cs typeface="Roboto" charset="0"/>
+              </a:rPr>
+              <a:t>ncias transitivas, ou seja, </a:t>
+            </a:r>
+            <a:r>
+              <a:rPr lang="en-US" altLang="pt-PT" b="1">
+                <a:latin typeface="Roboto" charset="0"/>
+                <a:ea typeface="SimSun" panose="02010600030101010101" pitchFamily="2" charset="-122"/>
+                <a:cs typeface="Roboto" charset="0"/>
+              </a:rPr>
+              <a:t>uma coluna n</a:t>
+            </a:r>
+            <a:r>
+              <a:rPr lang="en-US" altLang="en-US" b="1">
+                <a:latin typeface="Roboto" charset="0"/>
+                <a:ea typeface="SimSun" panose="02010600030101010101" pitchFamily="2" charset="-122"/>
+                <a:cs typeface="Roboto" charset="0"/>
+              </a:rPr>
+              <a:t>ã</a:t>
+            </a:r>
+            <a:r>
+              <a:rPr lang="en-US" altLang="pt-PT" b="1">
+                <a:latin typeface="Roboto" charset="0"/>
+                <a:ea typeface="SimSun" panose="02010600030101010101" pitchFamily="2" charset="-122"/>
+                <a:cs typeface="Roboto" charset="0"/>
+              </a:rPr>
+              <a:t>o pode depender de outra coluna que n</a:t>
+            </a:r>
+            <a:r>
+              <a:rPr lang="en-US" altLang="en-US" b="1">
+                <a:latin typeface="Roboto" charset="0"/>
+                <a:ea typeface="SimSun" panose="02010600030101010101" pitchFamily="2" charset="-122"/>
+                <a:cs typeface="Roboto" charset="0"/>
+              </a:rPr>
+              <a:t>ã</a:t>
+            </a:r>
+            <a:r>
+              <a:rPr lang="en-US" altLang="pt-PT" b="1">
+                <a:latin typeface="Roboto" charset="0"/>
+                <a:ea typeface="SimSun" panose="02010600030101010101" pitchFamily="2" charset="-122"/>
+                <a:cs typeface="Roboto" charset="0"/>
+              </a:rPr>
+              <a:t>o seja a chave prim</a:t>
+            </a:r>
+            <a:r>
+              <a:rPr lang="en-US" altLang="en-US" b="1">
+                <a:latin typeface="Roboto" charset="0"/>
+                <a:ea typeface="SimSun" panose="02010600030101010101" pitchFamily="2" charset="-122"/>
+                <a:cs typeface="Roboto" charset="0"/>
+              </a:rPr>
+              <a:t>á</a:t>
+            </a:r>
+            <a:r>
+              <a:rPr lang="en-US" altLang="pt-PT" b="1">
+                <a:latin typeface="Roboto" charset="0"/>
+                <a:ea typeface="SimSun" panose="02010600030101010101" pitchFamily="2" charset="-122"/>
+                <a:cs typeface="Roboto" charset="0"/>
+              </a:rPr>
+              <a:t>ria. </a:t>
+            </a:r>
+            <a:r>
+              <a:rPr lang="en-US" altLang="pt-PT">
+                <a:latin typeface="Roboto" charset="0"/>
+                <a:ea typeface="SimSun" panose="02010600030101010101" pitchFamily="2" charset="-122"/>
+                <a:cs typeface="Roboto" charset="0"/>
+              </a:rPr>
+              <a:t> </a:t>
+            </a:r>
+            <a:endParaRPr lang="en-US" altLang="pt-PT">
+              <a:latin typeface="Roboto" charset="0"/>
+              <a:ea typeface="SimSun" panose="02010600030101010101" pitchFamily="2" charset="-122"/>
+              <a:cs typeface="Roboto" charset="0"/>
+            </a:endParaRPr>
+          </a:p>
+          <a:p>
+            <a:pPr marL="0" indent="457200" algn="just" defTabSz="266700">
+              <a:spcBef>
+                <a:spcPct val="0"/>
+              </a:spcBef>
+              <a:spcAft>
+                <a:spcPct val="0"/>
+              </a:spcAft>
+            </a:pPr>
+            <a:endParaRPr lang="en-US" altLang="pt-PT">
+              <a:latin typeface="Roboto" charset="0"/>
+              <a:ea typeface="SimSun" panose="02010600030101010101" pitchFamily="2" charset="-122"/>
+              <a:cs typeface="Roboto" charset="0"/>
+            </a:endParaRPr>
+          </a:p>
+          <a:p>
+            <a:pPr marL="0" indent="0" algn="just" defTabSz="266700">
+              <a:spcBef>
+                <a:spcPct val="0"/>
+              </a:spcBef>
+              <a:spcAft>
+                <a:spcPct val="0"/>
+              </a:spcAft>
+            </a:pPr>
+            <a:r>
+              <a:rPr lang="en-US" altLang="pt-PT">
+                <a:latin typeface="Roboto" charset="0"/>
+                <a:ea typeface="SimSun" panose="02010600030101010101" pitchFamily="2" charset="-122"/>
+                <a:cs typeface="Roboto" charset="0"/>
+              </a:rPr>
+              <a:t>Como as tabelas atendem à 3FN?  </a:t>
+            </a:r>
+            <a:endParaRPr lang="en-US" altLang="pt-PT">
+              <a:latin typeface="Roboto" charset="0"/>
+              <a:ea typeface="SimSun" panose="02010600030101010101" pitchFamily="2" charset="-122"/>
+              <a:cs typeface="Roboto" charset="0"/>
+            </a:endParaRPr>
+          </a:p>
+          <a:p>
+            <a:pPr marL="0" indent="0" algn="just" defTabSz="266700">
+              <a:spcBef>
+                <a:spcPct val="0"/>
+              </a:spcBef>
+              <a:spcAft>
+                <a:spcPct val="0"/>
+              </a:spcAft>
+            </a:pPr>
+            <a:endParaRPr lang="en-US" altLang="pt-PT">
+              <a:latin typeface="Roboto" charset="0"/>
+              <a:ea typeface="SimSun" panose="02010600030101010101" pitchFamily="2" charset="-122"/>
+              <a:cs typeface="Roboto" charset="0"/>
+            </a:endParaRPr>
+          </a:p>
+          <a:p>
+            <a:pPr marL="0" indent="457200" algn="just" defTabSz="266700">
+              <a:spcBef>
+                <a:spcPct val="0"/>
+              </a:spcBef>
+              <a:spcAft>
+                <a:spcPct val="0"/>
+              </a:spcAft>
+            </a:pPr>
+            <a:r>
+              <a:rPr lang="en-US" altLang="pt-PT">
+                <a:latin typeface="Roboto" charset="0"/>
+                <a:ea typeface="SimSun" panose="02010600030101010101" pitchFamily="2" charset="-122"/>
+                <a:cs typeface="Roboto" charset="0"/>
+              </a:rPr>
+              <a:t>- `produtos` faz refer</a:t>
+            </a:r>
+            <a:r>
+              <a:rPr lang="en-US" altLang="en-US">
+                <a:latin typeface="Roboto" charset="0"/>
+                <a:ea typeface="SimSun" panose="02010600030101010101" pitchFamily="2" charset="-122"/>
+                <a:cs typeface="Roboto" charset="0"/>
+              </a:rPr>
+              <a:t>ê</a:t>
+            </a:r>
+            <a:r>
+              <a:rPr lang="en-US" altLang="pt-PT">
+                <a:latin typeface="Roboto" charset="0"/>
+                <a:ea typeface="SimSun" panose="02010600030101010101" pitchFamily="2" charset="-122"/>
+                <a:cs typeface="Roboto" charset="0"/>
+              </a:rPr>
+              <a:t>ncia a `categorias` por meio do `idCategoria`. Assim, se precisar mudar o nome ou descri</a:t>
+            </a:r>
+            <a:r>
+              <a:rPr lang="" altLang="en-US">
+                <a:latin typeface="Roboto" charset="0"/>
+                <a:ea typeface="SimSun" panose="02010600030101010101" pitchFamily="2" charset="-122"/>
+                <a:cs typeface="Roboto" charset="0"/>
+              </a:rPr>
+              <a:t>ç</a:t>
+            </a:r>
+            <a:r>
+              <a:rPr lang="en-US" altLang="en-US">
+                <a:latin typeface="Roboto" charset="0"/>
+                <a:ea typeface="SimSun" panose="02010600030101010101" pitchFamily="2" charset="-122"/>
+                <a:cs typeface="Roboto" charset="0"/>
+              </a:rPr>
+              <a:t>ã</a:t>
+            </a:r>
+            <a:r>
+              <a:rPr lang="en-US" altLang="pt-PT">
+                <a:latin typeface="Roboto" charset="0"/>
+                <a:ea typeface="SimSun" panose="02010600030101010101" pitchFamily="2" charset="-122"/>
+                <a:cs typeface="Roboto" charset="0"/>
+              </a:rPr>
+              <a:t>o de uma categoria, basta editar um </a:t>
+            </a:r>
+            <a:r>
+              <a:rPr lang="en-US" altLang="en-US">
+                <a:latin typeface="Roboto" charset="0"/>
+                <a:ea typeface="SimSun" panose="02010600030101010101" pitchFamily="2" charset="-122"/>
+                <a:cs typeface="Roboto" charset="0"/>
+              </a:rPr>
+              <a:t>ú</a:t>
+            </a:r>
+            <a:r>
+              <a:rPr lang="en-US" altLang="pt-PT">
+                <a:latin typeface="Roboto" charset="0"/>
+                <a:ea typeface="SimSun" panose="02010600030101010101" pitchFamily="2" charset="-122"/>
+                <a:cs typeface="Roboto" charset="0"/>
+              </a:rPr>
+              <a:t>nico local, sem precisar repetir esse dado em cada produto</a:t>
+            </a:r>
+            <a:r>
+              <a:rPr lang="pt-PT" altLang="en-US">
+                <a:latin typeface="Roboto" charset="0"/>
+                <a:ea typeface="SimSun" panose="02010600030101010101" pitchFamily="2" charset="-122"/>
+                <a:cs typeface="Roboto" charset="0"/>
+              </a:rPr>
+              <a:t>;</a:t>
+            </a:r>
+            <a:endParaRPr lang="en-US" altLang="pt-PT">
+              <a:latin typeface="Roboto" charset="0"/>
+              <a:ea typeface="SimSun" panose="02010600030101010101" pitchFamily="2" charset="-122"/>
+              <a:cs typeface="Roboto" charset="0"/>
+            </a:endParaRPr>
+          </a:p>
+          <a:p>
+            <a:pPr marL="0" indent="0" algn="just" defTabSz="266700">
+              <a:spcBef>
+                <a:spcPct val="0"/>
+              </a:spcBef>
+              <a:spcAft>
+                <a:spcPct val="0"/>
+              </a:spcAft>
+            </a:pPr>
+            <a:endParaRPr lang="en-US" altLang="pt-PT">
+              <a:latin typeface="Roboto" charset="0"/>
+              <a:ea typeface="SimSun" panose="02010600030101010101" pitchFamily="2" charset="-122"/>
+              <a:cs typeface="Roboto" charset="0"/>
+            </a:endParaRPr>
+          </a:p>
+          <a:p>
+            <a:pPr marL="0" indent="0" algn="just" defTabSz="266700">
+              <a:spcBef>
+                <a:spcPct val="0"/>
+              </a:spcBef>
+              <a:spcAft>
+                <a:spcPct val="0"/>
+              </a:spcAft>
+            </a:pPr>
+            <a:r>
+              <a:rPr lang="en-US" altLang="pt-PT">
+                <a:latin typeface="Roboto" charset="0"/>
+                <a:ea typeface="SimSun" panose="02010600030101010101" pitchFamily="2" charset="-122"/>
+                <a:cs typeface="Roboto" charset="0"/>
+              </a:rPr>
+              <a:t>- `vendas` guarda apenas `idFuncionario` e `idCliente`, sem armazenar os nomes diretamente (que j</a:t>
+            </a:r>
+            <a:r>
+              <a:rPr lang="en-US" altLang="en-US">
+                <a:latin typeface="Roboto" charset="0"/>
+                <a:ea typeface="SimSun" panose="02010600030101010101" pitchFamily="2" charset="-122"/>
+                <a:cs typeface="Roboto" charset="0"/>
+              </a:rPr>
+              <a:t>á</a:t>
+            </a:r>
+            <a:r>
+              <a:rPr lang="en-US" altLang="pt-PT">
+                <a:latin typeface="Roboto" charset="0"/>
+                <a:ea typeface="SimSun" panose="02010600030101010101" pitchFamily="2" charset="-122"/>
+                <a:cs typeface="Roboto" charset="0"/>
+              </a:rPr>
+              <a:t> existem nas tabelas `funcionarios` e `clientes`)</a:t>
+            </a:r>
+            <a:r>
+              <a:rPr lang="pt-PT" altLang="en-US">
+                <a:latin typeface="Roboto" charset="0"/>
+                <a:ea typeface="SimSun" panose="02010600030101010101" pitchFamily="2" charset="-122"/>
+                <a:cs typeface="Roboto" charset="0"/>
+              </a:rPr>
+              <a:t>;</a:t>
+            </a:r>
+            <a:endParaRPr lang="en-US" altLang="pt-PT">
+              <a:latin typeface="Roboto" charset="0"/>
+              <a:ea typeface="SimSun" panose="02010600030101010101" pitchFamily="2" charset="-122"/>
+              <a:cs typeface="Roboto" charset="0"/>
+            </a:endParaRPr>
+          </a:p>
+          <a:p>
+            <a:pPr marL="0" indent="0" algn="just" defTabSz="266700">
+              <a:spcBef>
+                <a:spcPct val="0"/>
+              </a:spcBef>
+              <a:spcAft>
+                <a:spcPct val="0"/>
+              </a:spcAft>
+            </a:pPr>
+            <a:endParaRPr lang="en-US" altLang="pt-PT">
+              <a:latin typeface="Roboto" charset="0"/>
+              <a:ea typeface="SimSun" panose="02010600030101010101" pitchFamily="2" charset="-122"/>
+              <a:cs typeface="Roboto" charset="0"/>
+            </a:endParaRPr>
+          </a:p>
+          <a:p>
+            <a:pPr marL="0" indent="0" algn="just" defTabSz="266700">
+              <a:spcBef>
+                <a:spcPct val="0"/>
+              </a:spcBef>
+              <a:spcAft>
+                <a:spcPct val="0"/>
+              </a:spcAft>
+            </a:pPr>
+            <a:r>
+              <a:rPr lang="en-US" altLang="pt-PT">
+                <a:latin typeface="Roboto" charset="0"/>
+                <a:ea typeface="SimSun" panose="02010600030101010101" pitchFamily="2" charset="-122"/>
+                <a:cs typeface="Roboto" charset="0"/>
+              </a:rPr>
+              <a:t>- `estoques`, `entradas` e `saidas` relacionam apenas `idProduto`, sem armazenar nome ou pre</a:t>
+            </a:r>
+            <a:r>
+              <a:rPr lang="" altLang="en-US">
+                <a:latin typeface="Roboto" charset="0"/>
+                <a:ea typeface="SimSun" panose="02010600030101010101" pitchFamily="2" charset="-122"/>
+                <a:cs typeface="Roboto" charset="0"/>
+              </a:rPr>
+              <a:t>ç</a:t>
+            </a:r>
+            <a:r>
+              <a:rPr lang="en-US" altLang="pt-PT">
+                <a:latin typeface="Roboto" charset="0"/>
+                <a:ea typeface="SimSun" panose="02010600030101010101" pitchFamily="2" charset="-122"/>
+                <a:cs typeface="Roboto" charset="0"/>
+              </a:rPr>
+              <a:t>o, pois esses dados j</a:t>
+            </a:r>
+            <a:r>
+              <a:rPr lang="en-US" altLang="en-US">
+                <a:latin typeface="Roboto" charset="0"/>
+                <a:ea typeface="SimSun" panose="02010600030101010101" pitchFamily="2" charset="-122"/>
+                <a:cs typeface="Roboto" charset="0"/>
+              </a:rPr>
+              <a:t>á</a:t>
+            </a:r>
+            <a:r>
+              <a:rPr lang="en-US" altLang="pt-PT">
+                <a:latin typeface="Roboto" charset="0"/>
+                <a:ea typeface="SimSun" panose="02010600030101010101" pitchFamily="2" charset="-122"/>
+                <a:cs typeface="Roboto" charset="0"/>
+              </a:rPr>
+              <a:t> est</a:t>
+            </a:r>
+            <a:r>
+              <a:rPr lang="en-US" altLang="en-US">
+                <a:latin typeface="Roboto" charset="0"/>
+                <a:ea typeface="SimSun" panose="02010600030101010101" pitchFamily="2" charset="-122"/>
+                <a:cs typeface="Roboto" charset="0"/>
+              </a:rPr>
+              <a:t>ã</a:t>
+            </a:r>
+            <a:r>
+              <a:rPr lang="en-US" altLang="pt-PT">
+                <a:latin typeface="Roboto" charset="0"/>
+                <a:ea typeface="SimSun" panose="02010600030101010101" pitchFamily="2" charset="-122"/>
+                <a:cs typeface="Roboto" charset="0"/>
+              </a:rPr>
+              <a:t>o em `produtos`.  </a:t>
+            </a:r>
+            <a:r>
+              <a:rPr lang="en-US" altLang="pt-PT">
+                <a:latin typeface="Roboto" charset="0"/>
+                <a:ea typeface="SimSun" panose="02010600030101010101" pitchFamily="2" charset="-122"/>
+                <a:cs typeface="Roboto" charset="0"/>
+              </a:rPr>
+              <a:t> </a:t>
+            </a:r>
+            <a:endParaRPr lang="en-US" altLang="pt-PT">
+              <a:latin typeface="Roboto" charset="0"/>
+              <a:ea typeface="SimSun" panose="02010600030101010101" pitchFamily="2" charset="-122"/>
+              <a:cs typeface="Roboto" charset="0"/>
+            </a:endParaRPr>
+          </a:p>
+        </p:txBody>
+      </p:sp>
+      <p:sp>
+        <p:nvSpPr>
+          <p:cNvPr id="7" name="Caixa de Texto 6"/>
+          <p:cNvSpPr txBox="1"/>
+          <p:nvPr/>
+        </p:nvSpPr>
+        <p:spPr>
+          <a:xfrm>
+            <a:off x="3042285" y="133985"/>
+            <a:ext cx="6796405" cy="460375"/>
+          </a:xfrm>
+          <a:prstGeom prst="rect">
+            <a:avLst/>
+          </a:prstGeom>
+        </p:spPr>
+        <p:txBody>
+          <a:bodyPr wrap="square">
+            <a:spAutoFit/>
+          </a:bodyPr>
+          <a:p>
+            <a:pPr marL="0" indent="0" algn="ctr" defTabSz="266700">
+              <a:spcBef>
+                <a:spcPct val="0"/>
+              </a:spcBef>
+              <a:spcAft>
+                <a:spcPct val="0"/>
+              </a:spcAft>
+            </a:pPr>
+            <a:r>
+              <a:rPr lang="pt-PT" altLang="en-US" sz="2400" b="1">
+                <a:solidFill>
+                  <a:schemeClr val="bg1"/>
+                </a:solidFill>
+                <a:latin typeface="Roboto" charset="0"/>
+                <a:ea typeface="SimSun" panose="02010600030101010101" pitchFamily="2" charset="-122"/>
+                <a:cs typeface="Roboto" charset="0"/>
+              </a:rPr>
+              <a:t>Normalização</a:t>
+            </a:r>
+            <a:endParaRPr lang="pt-PT" altLang="en-US" sz="2400" b="1">
+              <a:solidFill>
+                <a:schemeClr val="bg1"/>
+              </a:solidFill>
+              <a:latin typeface="Roboto" charset="0"/>
+              <a:ea typeface="SimSun" panose="02010600030101010101" pitchFamily="2" charset="-122"/>
+              <a:cs typeface="Roboto" charset="0"/>
+            </a:endParaRPr>
+          </a:p>
+        </p:txBody>
+      </p:sp>
+    </p:spTree>
+  </p:cSld>
+  <p:clrMapOvr>
+    <a:masterClrMapping/>
+  </p:clrMapOvr>
+  <mc:AlternateContent xmlns:mc="http://schemas.openxmlformats.org/markup-compatibility/2006">
+    <mc:Choice xmlns:p14="http://schemas.microsoft.com/office/powerpoint/2010/main" Requires="p14">
+      <p:transition spd="med" p14:dur="699">
+        <p:fade/>
+      </p:transition>
+    </mc:Choice>
+    <mc:Fallback>
+      <p:transition spd="med">
+        <p:fade/>
+      </p:transition>
+    </mc:Fallback>
+  </mc:AlternateContent>
+</p:sld>
+</file>
+
+<file path=ppt/slides/slide27.xml><?xml version="1.0" encoding="utf-8"?>
+<p:sld xmlns:a="http://schemas.openxmlformats.org/drawingml/2006/main" xmlns:r="http://schemas.openxmlformats.org/officeDocument/2006/relationships" xmlns:p="http://schemas.openxmlformats.org/presentationml/2006/main">
+  <p:cSld>
+    <p:spTree>
+      <p:nvGrpSpPr>
+        <p:cNvPr id="1" name=""/>
+        <p:cNvGrpSpPr/>
+        <p:nvPr/>
+      </p:nvGrpSpPr>
+      <p:grpSpPr>
+        <a:xfrm>
+          <a:off x="0" y="0"/>
+          <a:ext cx="0" cy="0"/>
+          <a:chOff x="0" y="0"/>
+          <a:chExt cx="0" cy="0"/>
+        </a:xfrm>
+      </p:grpSpPr>
+      <p:sp>
+        <p:nvSpPr>
+          <p:cNvPr id="6" name="Caixa de Texto 5"/>
+          <p:cNvSpPr txBox="1"/>
+          <p:nvPr/>
+        </p:nvSpPr>
+        <p:spPr>
+          <a:xfrm>
+            <a:off x="680720" y="1164590"/>
             <a:ext cx="10828655" cy="1249680"/>
           </a:xfrm>
           <a:prstGeom prst="rect">
@@ -18083,7 +19800,7 @@
 </p:sld>
 </file>
 
-<file path=ppt/slides/slide25.xml><?xml version="1.0" encoding="utf-8"?>
+<file path=ppt/slides/slide28.xml><?xml version="1.0" encoding="utf-8"?>
 <p:sld xmlns:a="http://schemas.openxmlformats.org/drawingml/2006/main" xmlns:r="http://schemas.openxmlformats.org/officeDocument/2006/relationships" xmlns:p="http://schemas.openxmlformats.org/presentationml/2006/main">
   <p:cSld>
     <p:spTree>
@@ -18302,7 +20019,7 @@
 </p:sld>
 </file>
 
-<file path=ppt/slides/slide26.xml><?xml version="1.0" encoding="utf-8"?>
+<file path=ppt/slides/slide29.xml><?xml version="1.0" encoding="utf-8"?>
 <p:sld xmlns:a="http://schemas.openxmlformats.org/drawingml/2006/main" xmlns:r="http://schemas.openxmlformats.org/officeDocument/2006/relationships" xmlns:p="http://schemas.openxmlformats.org/presentationml/2006/main">
   <p:cSld>
     <p:spTree>
@@ -18495,551 +20212,6 @@
           <a:xfrm>
             <a:off x="3042285" y="2308225"/>
             <a:ext cx="4298315" cy="3950970"/>
-          </a:xfrm>
-          <a:prstGeom prst="rect">
-            <a:avLst/>
-          </a:prstGeom>
-        </p:spPr>
-      </p:pic>
-    </p:spTree>
-  </p:cSld>
-  <p:clrMapOvr>
-    <a:masterClrMapping/>
-  </p:clrMapOvr>
-  <mc:AlternateContent xmlns:mc="http://schemas.openxmlformats.org/markup-compatibility/2006">
-    <mc:Choice xmlns:p14="http://schemas.microsoft.com/office/powerpoint/2010/main" Requires="p14">
-      <p:transition spd="med" p14:dur="699">
-        <p:fade/>
-      </p:transition>
-    </mc:Choice>
-    <mc:Fallback>
-      <p:transition spd="med">
-        <p:fade/>
-      </p:transition>
-    </mc:Fallback>
-  </mc:AlternateContent>
-</p:sld>
-</file>
-
-<file path=ppt/slides/slide27.xml><?xml version="1.0" encoding="utf-8"?>
-<p:sld xmlns:a="http://schemas.openxmlformats.org/drawingml/2006/main" xmlns:r="http://schemas.openxmlformats.org/officeDocument/2006/relationships" xmlns:p="http://schemas.openxmlformats.org/presentationml/2006/main">
-  <p:cSld>
-    <p:spTree>
-      <p:nvGrpSpPr>
-        <p:cNvPr id="1" name=""/>
-        <p:cNvGrpSpPr/>
-        <p:nvPr/>
-      </p:nvGrpSpPr>
-      <p:grpSpPr>
-        <a:xfrm>
-          <a:off x="0" y="0"/>
-          <a:ext cx="0" cy="0"/>
-          <a:chOff x="0" y="0"/>
-          <a:chExt cx="0" cy="0"/>
-        </a:xfrm>
-      </p:grpSpPr>
-      <p:sp>
-        <p:nvSpPr>
-          <p:cNvPr id="6" name="Caixa de Texto 5"/>
-          <p:cNvSpPr txBox="1"/>
-          <p:nvPr/>
-        </p:nvSpPr>
-        <p:spPr>
-          <a:xfrm>
-            <a:off x="680720" y="1164590"/>
-            <a:ext cx="10828655" cy="549910"/>
-          </a:xfrm>
-          <a:prstGeom prst="rect">
-            <a:avLst/>
-          </a:prstGeom>
-        </p:spPr>
-        <p:txBody>
-          <a:bodyPr wrap="square">
-            <a:noAutofit/>
-          </a:bodyPr>
-          <a:p>
-            <a:pPr marL="0" indent="0" algn="just" defTabSz="266700">
-              <a:spcBef>
-                <a:spcPct val="0"/>
-              </a:spcBef>
-              <a:spcAft>
-                <a:spcPct val="0"/>
-              </a:spcAft>
-            </a:pPr>
-            <a:r>
-              <a:rPr lang="en-US" altLang="pt-PT">
-                <a:latin typeface="Roboto" charset="0"/>
-                <a:ea typeface="SimSun" panose="02010600030101010101" pitchFamily="2" charset="-122"/>
-                <a:cs typeface="Roboto" charset="0"/>
-              </a:rPr>
-              <a:t>Esta consulta SQL identifica os tr</a:t>
-            </a:r>
-            <a:r>
-              <a:rPr lang="en-US" altLang="en-US">
-                <a:latin typeface="Roboto" charset="0"/>
-                <a:ea typeface="SimSun" panose="02010600030101010101" pitchFamily="2" charset="-122"/>
-                <a:cs typeface="Roboto" charset="0"/>
-              </a:rPr>
-              <a:t>ê</a:t>
-            </a:r>
-            <a:r>
-              <a:rPr lang="en-US" altLang="pt-PT">
-                <a:latin typeface="Roboto" charset="0"/>
-                <a:ea typeface="SimSun" panose="02010600030101010101" pitchFamily="2" charset="-122"/>
-                <a:cs typeface="Roboto" charset="0"/>
-              </a:rPr>
-              <a:t>s produtos mais vendidos e os clientes que mais compraram esses produtos, ordenando os resultados por produto e pela quantidade comprada.</a:t>
-            </a:r>
-            <a:endParaRPr lang="en-US" altLang="pt-PT">
-              <a:latin typeface="Roboto" charset="0"/>
-              <a:ea typeface="SimSun" panose="02010600030101010101" pitchFamily="2" charset="-122"/>
-              <a:cs typeface="Roboto" charset="0"/>
-            </a:endParaRPr>
-          </a:p>
-        </p:txBody>
-      </p:sp>
-      <p:sp>
-        <p:nvSpPr>
-          <p:cNvPr id="7" name="Caixa de Texto 6"/>
-          <p:cNvSpPr txBox="1"/>
-          <p:nvPr/>
-        </p:nvSpPr>
-        <p:spPr>
-          <a:xfrm>
-            <a:off x="3042285" y="133985"/>
-            <a:ext cx="6796405" cy="460375"/>
-          </a:xfrm>
-          <a:prstGeom prst="rect">
-            <a:avLst/>
-          </a:prstGeom>
-        </p:spPr>
-        <p:txBody>
-          <a:bodyPr wrap="square">
-            <a:spAutoFit/>
-          </a:bodyPr>
-          <a:p>
-            <a:pPr marL="0" indent="0" algn="ctr" defTabSz="266700">
-              <a:spcBef>
-                <a:spcPct val="0"/>
-              </a:spcBef>
-              <a:spcAft>
-                <a:spcPct val="0"/>
-              </a:spcAft>
-            </a:pPr>
-            <a:r>
-              <a:rPr lang="pt-PT" altLang="en-US" sz="2400" b="1">
-                <a:solidFill>
-                  <a:schemeClr val="bg1"/>
-                </a:solidFill>
-                <a:latin typeface="Roboto" charset="0"/>
-                <a:ea typeface="SimSun" panose="02010600030101010101" pitchFamily="2" charset="-122"/>
-                <a:cs typeface="Roboto" charset="0"/>
-              </a:rPr>
-              <a:t>Consultas Avançadas</a:t>
-            </a:r>
-            <a:endParaRPr lang="pt-PT" altLang="en-US" sz="2400" b="1">
-              <a:solidFill>
-                <a:schemeClr val="bg1"/>
-              </a:solidFill>
-              <a:latin typeface="Roboto" charset="0"/>
-              <a:ea typeface="SimSun" panose="02010600030101010101" pitchFamily="2" charset="-122"/>
-              <a:cs typeface="Roboto" charset="0"/>
-            </a:endParaRPr>
-          </a:p>
-        </p:txBody>
-      </p:sp>
-      <p:pic>
-        <p:nvPicPr>
-          <p:cNvPr id="9" name="Imagem 9" descr="code3"/>
-          <p:cNvPicPr>
-            <a:picLocks noChangeAspect="1"/>
-          </p:cNvPicPr>
-          <p:nvPr/>
-        </p:nvPicPr>
-        <p:blipFill>
-          <a:blip r:embed="rId1"/>
-          <a:stretch>
-            <a:fillRect/>
-          </a:stretch>
-        </p:blipFill>
-        <p:spPr>
-          <a:xfrm>
-            <a:off x="3042285" y="1905635"/>
-            <a:ext cx="4853305" cy="4437380"/>
-          </a:xfrm>
-          <a:prstGeom prst="rect">
-            <a:avLst/>
-          </a:prstGeom>
-        </p:spPr>
-      </p:pic>
-    </p:spTree>
-  </p:cSld>
-  <p:clrMapOvr>
-    <a:masterClrMapping/>
-  </p:clrMapOvr>
-  <mc:AlternateContent xmlns:mc="http://schemas.openxmlformats.org/markup-compatibility/2006">
-    <mc:Choice xmlns:p14="http://schemas.microsoft.com/office/powerpoint/2010/main" Requires="p14">
-      <p:transition spd="med" p14:dur="699">
-        <p:fade/>
-      </p:transition>
-    </mc:Choice>
-    <mc:Fallback>
-      <p:transition spd="med">
-        <p:fade/>
-      </p:transition>
-    </mc:Fallback>
-  </mc:AlternateContent>
-</p:sld>
-</file>
-
-<file path=ppt/slides/slide28.xml><?xml version="1.0" encoding="utf-8"?>
-<p:sld xmlns:a="http://schemas.openxmlformats.org/drawingml/2006/main" xmlns:r="http://schemas.openxmlformats.org/officeDocument/2006/relationships" xmlns:p="http://schemas.openxmlformats.org/presentationml/2006/main">
-  <p:cSld>
-    <p:spTree>
-      <p:nvGrpSpPr>
-        <p:cNvPr id="1" name=""/>
-        <p:cNvGrpSpPr/>
-        <p:nvPr/>
-      </p:nvGrpSpPr>
-      <p:grpSpPr>
-        <a:xfrm>
-          <a:off x="0" y="0"/>
-          <a:ext cx="0" cy="0"/>
-          <a:chOff x="0" y="0"/>
-          <a:chExt cx="0" cy="0"/>
-        </a:xfrm>
-      </p:grpSpPr>
-      <p:sp>
-        <p:nvSpPr>
-          <p:cNvPr id="6" name="Caixa de Texto 5"/>
-          <p:cNvSpPr txBox="1"/>
-          <p:nvPr/>
-        </p:nvSpPr>
-        <p:spPr>
-          <a:xfrm>
-            <a:off x="680720" y="1164590"/>
-            <a:ext cx="10828655" cy="549910"/>
-          </a:xfrm>
-          <a:prstGeom prst="rect">
-            <a:avLst/>
-          </a:prstGeom>
-        </p:spPr>
-        <p:txBody>
-          <a:bodyPr wrap="square">
-            <a:noAutofit/>
-          </a:bodyPr>
-          <a:p>
-            <a:pPr marL="0" indent="0" algn="just" defTabSz="266700">
-              <a:spcBef>
-                <a:spcPct val="0"/>
-              </a:spcBef>
-              <a:spcAft>
-                <a:spcPct val="0"/>
-              </a:spcAft>
-            </a:pPr>
-            <a:r>
-              <a:rPr lang="en-US" altLang="pt-PT">
-                <a:latin typeface="Roboto" charset="0"/>
-                <a:ea typeface="SimSun" panose="02010600030101010101" pitchFamily="2" charset="-122"/>
-                <a:cs typeface="Roboto" charset="0"/>
-              </a:rPr>
-              <a:t>Esta consulta identifica a venda de maior valor realizada pelo funcion</a:t>
-            </a:r>
-            <a:r>
-              <a:rPr lang="en-US" altLang="en-US">
-                <a:latin typeface="Roboto" charset="0"/>
-                <a:ea typeface="SimSun" panose="02010600030101010101" pitchFamily="2" charset="-122"/>
-                <a:cs typeface="Roboto" charset="0"/>
-              </a:rPr>
-              <a:t>á</a:t>
-            </a:r>
-            <a:r>
-              <a:rPr lang="en-US" altLang="pt-PT">
-                <a:latin typeface="Roboto" charset="0"/>
-                <a:ea typeface="SimSun" panose="02010600030101010101" pitchFamily="2" charset="-122"/>
-                <a:cs typeface="Roboto" charset="0"/>
-              </a:rPr>
-              <a:t>rio Crism</a:t>
-            </a:r>
-            <a:r>
-              <a:rPr lang="en-US" altLang="en-US">
-                <a:latin typeface="Roboto" charset="0"/>
-                <a:ea typeface="SimSun" panose="02010600030101010101" pitchFamily="2" charset="-122"/>
-                <a:cs typeface="Roboto" charset="0"/>
-              </a:rPr>
-              <a:t>é</a:t>
-            </a:r>
-            <a:r>
-              <a:rPr lang="en-US" altLang="pt-PT">
-                <a:latin typeface="Roboto" charset="0"/>
-                <a:ea typeface="SimSun" panose="02010600030101010101" pitchFamily="2" charset="-122"/>
-                <a:cs typeface="Roboto" charset="0"/>
-              </a:rPr>
-              <a:t>lio para a cliente Nat</a:t>
-            </a:r>
-            <a:r>
-              <a:rPr lang="en-US" altLang="en-US">
-                <a:latin typeface="Roboto" charset="0"/>
-                <a:ea typeface="SimSun" panose="02010600030101010101" pitchFamily="2" charset="-122"/>
-                <a:cs typeface="Roboto" charset="0"/>
-              </a:rPr>
-              <a:t>á</a:t>
-            </a:r>
-            <a:r>
-              <a:rPr lang="en-US" altLang="pt-PT">
-                <a:latin typeface="Roboto" charset="0"/>
-                <a:ea typeface="SimSun" panose="02010600030101010101" pitchFamily="2" charset="-122"/>
-                <a:cs typeface="Roboto" charset="0"/>
-              </a:rPr>
-              <a:t>lia.</a:t>
-            </a:r>
-            <a:endParaRPr lang="en-US" altLang="pt-PT">
-              <a:latin typeface="Roboto" charset="0"/>
-              <a:ea typeface="SimSun" panose="02010600030101010101" pitchFamily="2" charset="-122"/>
-              <a:cs typeface="Roboto" charset="0"/>
-            </a:endParaRPr>
-          </a:p>
-        </p:txBody>
-      </p:sp>
-      <p:sp>
-        <p:nvSpPr>
-          <p:cNvPr id="7" name="Caixa de Texto 6"/>
-          <p:cNvSpPr txBox="1"/>
-          <p:nvPr/>
-        </p:nvSpPr>
-        <p:spPr>
-          <a:xfrm>
-            <a:off x="3042285" y="133985"/>
-            <a:ext cx="6796405" cy="460375"/>
-          </a:xfrm>
-          <a:prstGeom prst="rect">
-            <a:avLst/>
-          </a:prstGeom>
-        </p:spPr>
-        <p:txBody>
-          <a:bodyPr wrap="square">
-            <a:spAutoFit/>
-          </a:bodyPr>
-          <a:p>
-            <a:pPr marL="0" indent="0" algn="ctr" defTabSz="266700">
-              <a:spcBef>
-                <a:spcPct val="0"/>
-              </a:spcBef>
-              <a:spcAft>
-                <a:spcPct val="0"/>
-              </a:spcAft>
-            </a:pPr>
-            <a:r>
-              <a:rPr lang="pt-PT" altLang="en-US" sz="2400" b="1">
-                <a:solidFill>
-                  <a:schemeClr val="bg1"/>
-                </a:solidFill>
-                <a:latin typeface="Roboto" charset="0"/>
-                <a:ea typeface="SimSun" panose="02010600030101010101" pitchFamily="2" charset="-122"/>
-                <a:cs typeface="Roboto" charset="0"/>
-              </a:rPr>
-              <a:t>Consultas Avançadas</a:t>
-            </a:r>
-            <a:endParaRPr lang="pt-PT" altLang="en-US" sz="2400" b="1">
-              <a:solidFill>
-                <a:schemeClr val="bg1"/>
-              </a:solidFill>
-              <a:latin typeface="Roboto" charset="0"/>
-              <a:ea typeface="SimSun" panose="02010600030101010101" pitchFamily="2" charset="-122"/>
-              <a:cs typeface="Roboto" charset="0"/>
-            </a:endParaRPr>
-          </a:p>
-        </p:txBody>
-      </p:sp>
-      <p:pic>
-        <p:nvPicPr>
-          <p:cNvPr id="10" name="Imagem 10" descr="code4"/>
-          <p:cNvPicPr>
-            <a:picLocks noChangeAspect="1"/>
-          </p:cNvPicPr>
-          <p:nvPr/>
-        </p:nvPicPr>
-        <p:blipFill>
-          <a:blip r:embed="rId1"/>
-          <a:stretch>
-            <a:fillRect/>
-          </a:stretch>
-        </p:blipFill>
-        <p:spPr>
-          <a:xfrm>
-            <a:off x="3366770" y="1797685"/>
-            <a:ext cx="4645025" cy="4528820"/>
-          </a:xfrm>
-          <a:prstGeom prst="rect">
-            <a:avLst/>
-          </a:prstGeom>
-        </p:spPr>
-      </p:pic>
-    </p:spTree>
-  </p:cSld>
-  <p:clrMapOvr>
-    <a:masterClrMapping/>
-  </p:clrMapOvr>
-  <mc:AlternateContent xmlns:mc="http://schemas.openxmlformats.org/markup-compatibility/2006">
-    <mc:Choice xmlns:p14="http://schemas.microsoft.com/office/powerpoint/2010/main" Requires="p14">
-      <p:transition spd="med" p14:dur="699">
-        <p:fade/>
-      </p:transition>
-    </mc:Choice>
-    <mc:Fallback>
-      <p:transition spd="med">
-        <p:fade/>
-      </p:transition>
-    </mc:Fallback>
-  </mc:AlternateContent>
-</p:sld>
-</file>
-
-<file path=ppt/slides/slide29.xml><?xml version="1.0" encoding="utf-8"?>
-<p:sld xmlns:a="http://schemas.openxmlformats.org/drawingml/2006/main" xmlns:r="http://schemas.openxmlformats.org/officeDocument/2006/relationships" xmlns:p="http://schemas.openxmlformats.org/presentationml/2006/main">
-  <p:cSld>
-    <p:spTree>
-      <p:nvGrpSpPr>
-        <p:cNvPr id="1" name=""/>
-        <p:cNvGrpSpPr/>
-        <p:nvPr/>
-      </p:nvGrpSpPr>
-      <p:grpSpPr>
-        <a:xfrm>
-          <a:off x="0" y="0"/>
-          <a:ext cx="0" cy="0"/>
-          <a:chOff x="0" y="0"/>
-          <a:chExt cx="0" cy="0"/>
-        </a:xfrm>
-      </p:grpSpPr>
-      <p:sp>
-        <p:nvSpPr>
-          <p:cNvPr id="6" name="Caixa de Texto 5"/>
-          <p:cNvSpPr txBox="1"/>
-          <p:nvPr/>
-        </p:nvSpPr>
-        <p:spPr>
-          <a:xfrm>
-            <a:off x="680720" y="1164590"/>
-            <a:ext cx="10828655" cy="549910"/>
-          </a:xfrm>
-          <a:prstGeom prst="rect">
-            <a:avLst/>
-          </a:prstGeom>
-        </p:spPr>
-        <p:txBody>
-          <a:bodyPr wrap="square">
-            <a:noAutofit/>
-          </a:bodyPr>
-          <a:p>
-            <a:pPr marL="0" indent="0" algn="just" defTabSz="266700">
-              <a:spcBef>
-                <a:spcPct val="0"/>
-              </a:spcBef>
-              <a:spcAft>
-                <a:spcPct val="0"/>
-              </a:spcAft>
-            </a:pPr>
-            <a:r>
-              <a:rPr lang="en-US" altLang="pt-PT">
-                <a:latin typeface="Roboto" charset="0"/>
-                <a:ea typeface="SimSun" panose="02010600030101010101" pitchFamily="2" charset="-122"/>
-                <a:cs typeface="Roboto" charset="0"/>
-              </a:rPr>
-              <a:t>Esta consulta identifica o funcion</a:t>
-            </a:r>
-            <a:r>
-              <a:rPr lang="en-US" altLang="en-US">
-                <a:latin typeface="Roboto" charset="0"/>
-                <a:ea typeface="SimSun" panose="02010600030101010101" pitchFamily="2" charset="-122"/>
-                <a:cs typeface="Roboto" charset="0"/>
-              </a:rPr>
-              <a:t>á</a:t>
-            </a:r>
-            <a:r>
-              <a:rPr lang="en-US" altLang="pt-PT">
-                <a:latin typeface="Roboto" charset="0"/>
-                <a:ea typeface="SimSun" panose="02010600030101010101" pitchFamily="2" charset="-122"/>
-                <a:cs typeface="Roboto" charset="0"/>
-              </a:rPr>
-              <a:t>rio com o maior faturamento total em vendas.</a:t>
-            </a:r>
-            <a:endParaRPr lang="en-US" altLang="pt-PT">
-              <a:latin typeface="Roboto" charset="0"/>
-              <a:ea typeface="SimSun" panose="02010600030101010101" pitchFamily="2" charset="-122"/>
-              <a:cs typeface="Roboto" charset="0"/>
-            </a:endParaRPr>
-          </a:p>
-        </p:txBody>
-      </p:sp>
-      <p:sp>
-        <p:nvSpPr>
-          <p:cNvPr id="7" name="Caixa de Texto 6"/>
-          <p:cNvSpPr txBox="1"/>
-          <p:nvPr/>
-        </p:nvSpPr>
-        <p:spPr>
-          <a:xfrm>
-            <a:off x="3042285" y="133985"/>
-            <a:ext cx="6796405" cy="460375"/>
-          </a:xfrm>
-          <a:prstGeom prst="rect">
-            <a:avLst/>
-          </a:prstGeom>
-        </p:spPr>
-        <p:txBody>
-          <a:bodyPr wrap="square">
-            <a:spAutoFit/>
-          </a:bodyPr>
-          <a:p>
-            <a:pPr marL="0" indent="0" algn="ctr" defTabSz="266700">
-              <a:spcBef>
-                <a:spcPct val="0"/>
-              </a:spcBef>
-              <a:spcAft>
-                <a:spcPct val="0"/>
-              </a:spcAft>
-            </a:pPr>
-            <a:r>
-              <a:rPr lang="pt-PT" altLang="en-US" sz="2400" b="1">
-                <a:solidFill>
-                  <a:schemeClr val="bg1"/>
-                </a:solidFill>
-                <a:latin typeface="Roboto" charset="0"/>
-                <a:ea typeface="SimSun" panose="02010600030101010101" pitchFamily="2" charset="-122"/>
-                <a:cs typeface="Roboto" charset="0"/>
-              </a:rPr>
-              <a:t>Consultas Avançadas</a:t>
-            </a:r>
-            <a:endParaRPr lang="pt-PT" altLang="en-US" sz="2400" b="1">
-              <a:solidFill>
-                <a:schemeClr val="bg1"/>
-              </a:solidFill>
-              <a:latin typeface="Roboto" charset="0"/>
-              <a:ea typeface="SimSun" panose="02010600030101010101" pitchFamily="2" charset="-122"/>
-              <a:cs typeface="Roboto" charset="0"/>
-            </a:endParaRPr>
-          </a:p>
-        </p:txBody>
-      </p:sp>
-      <p:pic>
-        <p:nvPicPr>
-          <p:cNvPr id="11" name="Imagem 11" descr="code5"/>
-          <p:cNvPicPr>
-            <a:picLocks noChangeAspect="1"/>
-          </p:cNvPicPr>
-          <p:nvPr/>
-        </p:nvPicPr>
-        <p:blipFill>
-          <a:blip r:embed="rId1"/>
-          <a:stretch>
-            <a:fillRect/>
-          </a:stretch>
-        </p:blipFill>
-        <p:spPr>
-          <a:xfrm>
-            <a:off x="3041968" y="1918653"/>
-            <a:ext cx="5390515" cy="3786505"/>
           </a:xfrm>
           <a:prstGeom prst="rect">
             <a:avLst/>
@@ -19343,7 +20515,7 @@
                 <a:ea typeface="SimSun" panose="02010600030101010101" pitchFamily="2" charset="-122"/>
                 <a:cs typeface="Roboto" charset="0"/>
               </a:rPr>
-              <a:t>Depois de tudo j</a:t>
+              <a:t>Esta consulta SQL identifica os tr</a:t>
             </a:r>
             <a:r>
               <a:rPr lang="en-US" altLang="en-US">
@@ -19351,7 +20523,7 @@
                 <a:ea typeface="SimSun" panose="02010600030101010101" pitchFamily="2" charset="-122"/>
                 <a:cs typeface="Roboto" charset="0"/>
               </a:rPr>
-              <a:t>á</a:t>
+              <a:t>ê</a:t>
             </a:r>
             <a:r>
               <a:rPr lang="en-US" altLang="pt-PT">
@@ -19359,127 +20531,7 @@
                 <a:ea typeface="SimSun" panose="02010600030101010101" pitchFamily="2" charset="-122"/>
                 <a:cs typeface="Roboto" charset="0"/>
               </a:rPr>
-              <a:t> abordado podemos verificar que a solu</a:t>
-            </a:r>
-            <a:r>
-              <a:rPr lang="en-US" altLang="en-US">
-                <a:latin typeface="Roboto" charset="0"/>
-                <a:ea typeface="SimSun" panose="02010600030101010101" pitchFamily="2" charset="-122"/>
-                <a:cs typeface="Roboto" charset="0"/>
-              </a:rPr>
-              <a:t>ç</a:t>
-            </a:r>
-            <a:r>
-              <a:rPr lang="en-US" altLang="en-US">
-                <a:latin typeface="Roboto" charset="0"/>
-                <a:ea typeface="SimSun" panose="02010600030101010101" pitchFamily="2" charset="-122"/>
-                <a:cs typeface="Roboto" charset="0"/>
-              </a:rPr>
-              <a:t>ã</a:t>
-            </a:r>
-            <a:r>
-              <a:rPr lang="en-US" altLang="pt-PT">
-                <a:latin typeface="Roboto" charset="0"/>
-                <a:ea typeface="SimSun" panose="02010600030101010101" pitchFamily="2" charset="-122"/>
-                <a:cs typeface="Roboto" charset="0"/>
-              </a:rPr>
-              <a:t>o proposta </a:t>
-            </a:r>
-            <a:r>
-              <a:rPr lang="en-US" altLang="en-US">
-                <a:latin typeface="Roboto" charset="0"/>
-                <a:ea typeface="SimSun" panose="02010600030101010101" pitchFamily="2" charset="-122"/>
-                <a:cs typeface="Roboto" charset="0"/>
-              </a:rPr>
-              <a:t>é</a:t>
-            </a:r>
-            <a:r>
-              <a:rPr lang="en-US" altLang="pt-PT">
-                <a:latin typeface="Roboto" charset="0"/>
-                <a:ea typeface="SimSun" panose="02010600030101010101" pitchFamily="2" charset="-122"/>
-                <a:cs typeface="Roboto" charset="0"/>
-              </a:rPr>
-              <a:t> vi</a:t>
-            </a:r>
-            <a:r>
-              <a:rPr lang="en-US" altLang="en-US">
-                <a:latin typeface="Roboto" charset="0"/>
-                <a:ea typeface="SimSun" panose="02010600030101010101" pitchFamily="2" charset="-122"/>
-                <a:cs typeface="Roboto" charset="0"/>
-              </a:rPr>
-              <a:t>á</a:t>
-            </a:r>
-            <a:r>
-              <a:rPr lang="en-US" altLang="pt-PT">
-                <a:latin typeface="Roboto" charset="0"/>
-                <a:ea typeface="SimSun" panose="02010600030101010101" pitchFamily="2" charset="-122"/>
-                <a:cs typeface="Roboto" charset="0"/>
-              </a:rPr>
-              <a:t>vel e, portanto, a sua aplica</a:t>
-            </a:r>
-            <a:r>
-              <a:rPr lang="en-US" altLang="en-US">
-                <a:latin typeface="Roboto" charset="0"/>
-                <a:ea typeface="SimSun" panose="02010600030101010101" pitchFamily="2" charset="-122"/>
-                <a:cs typeface="Roboto" charset="0"/>
-              </a:rPr>
-              <a:t>ç</a:t>
-            </a:r>
-            <a:r>
-              <a:rPr lang="en-US" altLang="en-US">
-                <a:latin typeface="Roboto" charset="0"/>
-                <a:ea typeface="SimSun" panose="02010600030101010101" pitchFamily="2" charset="-122"/>
-                <a:cs typeface="Roboto" charset="0"/>
-              </a:rPr>
-              <a:t>ã</a:t>
-            </a:r>
-            <a:r>
-              <a:rPr lang="en-US" altLang="pt-PT">
-                <a:latin typeface="Roboto" charset="0"/>
-                <a:ea typeface="SimSun" panose="02010600030101010101" pitchFamily="2" charset="-122"/>
-                <a:cs typeface="Roboto" charset="0"/>
-              </a:rPr>
-              <a:t>o ser</a:t>
-            </a:r>
-            <a:r>
-              <a:rPr lang="en-US" altLang="en-US">
-                <a:latin typeface="Roboto" charset="0"/>
-                <a:ea typeface="SimSun" panose="02010600030101010101" pitchFamily="2" charset="-122"/>
-                <a:cs typeface="Roboto" charset="0"/>
-              </a:rPr>
-              <a:t>á</a:t>
-            </a:r>
-            <a:r>
-              <a:rPr lang="en-US" altLang="pt-PT">
-                <a:latin typeface="Roboto" charset="0"/>
-                <a:ea typeface="SimSun" panose="02010600030101010101" pitchFamily="2" charset="-122"/>
-                <a:cs typeface="Roboto" charset="0"/>
-              </a:rPr>
-              <a:t> de grande valia para resolu</a:t>
-            </a:r>
-            <a:r>
-              <a:rPr lang="en-US" altLang="en-US">
-                <a:latin typeface="Roboto" charset="0"/>
-                <a:ea typeface="SimSun" panose="02010600030101010101" pitchFamily="2" charset="-122"/>
-                <a:cs typeface="Roboto" charset="0"/>
-              </a:rPr>
-              <a:t>ç</a:t>
-            </a:r>
-            <a:r>
-              <a:rPr lang="en-US" altLang="en-US">
-                <a:latin typeface="Roboto" charset="0"/>
-                <a:ea typeface="SimSun" panose="02010600030101010101" pitchFamily="2" charset="-122"/>
-                <a:cs typeface="Roboto" charset="0"/>
-              </a:rPr>
-              <a:t>ã</a:t>
-            </a:r>
-            <a:r>
-              <a:rPr lang="en-US" altLang="pt-PT">
-                <a:latin typeface="Roboto" charset="0"/>
-                <a:ea typeface="SimSun" panose="02010600030101010101" pitchFamily="2" charset="-122"/>
-                <a:cs typeface="Roboto" charset="0"/>
-              </a:rPr>
-              <a:t>o do caso apresentado,</a:t>
+              <a:t>s produtos mais vendidos e os clientes que mais compraram esses produtos, ordenando os resultados por produto e pela quantidade comprada.</a:t>
             </a:r>
             <a:endParaRPr lang="en-US" altLang="pt-PT">
               <a:latin typeface="Roboto" charset="0"/>
@@ -19526,6 +20578,671 @@
                 <a:ea typeface="SimSun" panose="02010600030101010101" pitchFamily="2" charset="-122"/>
                 <a:cs typeface="Roboto" charset="0"/>
               </a:rPr>
+              <a:t>Consultas Avançadas</a:t>
+            </a:r>
+            <a:endParaRPr lang="pt-PT" altLang="en-US" sz="2400" b="1">
+              <a:solidFill>
+                <a:schemeClr val="bg1"/>
+              </a:solidFill>
+              <a:latin typeface="Roboto" charset="0"/>
+              <a:ea typeface="SimSun" panose="02010600030101010101" pitchFamily="2" charset="-122"/>
+              <a:cs typeface="Roboto" charset="0"/>
+            </a:endParaRPr>
+          </a:p>
+        </p:txBody>
+      </p:sp>
+      <p:pic>
+        <p:nvPicPr>
+          <p:cNvPr id="9" name="Imagem 9" descr="code3"/>
+          <p:cNvPicPr>
+            <a:picLocks noChangeAspect="1"/>
+          </p:cNvPicPr>
+          <p:nvPr/>
+        </p:nvPicPr>
+        <p:blipFill>
+          <a:blip r:embed="rId1"/>
+          <a:stretch>
+            <a:fillRect/>
+          </a:stretch>
+        </p:blipFill>
+        <p:spPr>
+          <a:xfrm>
+            <a:off x="3042285" y="1905635"/>
+            <a:ext cx="4853305" cy="4437380"/>
+          </a:xfrm>
+          <a:prstGeom prst="rect">
+            <a:avLst/>
+          </a:prstGeom>
+        </p:spPr>
+      </p:pic>
+    </p:spTree>
+  </p:cSld>
+  <p:clrMapOvr>
+    <a:masterClrMapping/>
+  </p:clrMapOvr>
+  <mc:AlternateContent xmlns:mc="http://schemas.openxmlformats.org/markup-compatibility/2006">
+    <mc:Choice xmlns:p14="http://schemas.microsoft.com/office/powerpoint/2010/main" Requires="p14">
+      <p:transition spd="med" p14:dur="699">
+        <p:fade/>
+      </p:transition>
+    </mc:Choice>
+    <mc:Fallback>
+      <p:transition spd="med">
+        <p:fade/>
+      </p:transition>
+    </mc:Fallback>
+  </mc:AlternateContent>
+</p:sld>
+</file>
+
+<file path=ppt/slides/slide31.xml><?xml version="1.0" encoding="utf-8"?>
+<p:sld xmlns:a="http://schemas.openxmlformats.org/drawingml/2006/main" xmlns:r="http://schemas.openxmlformats.org/officeDocument/2006/relationships" xmlns:p="http://schemas.openxmlformats.org/presentationml/2006/main">
+  <p:cSld>
+    <p:spTree>
+      <p:nvGrpSpPr>
+        <p:cNvPr id="1" name=""/>
+        <p:cNvGrpSpPr/>
+        <p:nvPr/>
+      </p:nvGrpSpPr>
+      <p:grpSpPr>
+        <a:xfrm>
+          <a:off x="0" y="0"/>
+          <a:ext cx="0" cy="0"/>
+          <a:chOff x="0" y="0"/>
+          <a:chExt cx="0" cy="0"/>
+        </a:xfrm>
+      </p:grpSpPr>
+      <p:sp>
+        <p:nvSpPr>
+          <p:cNvPr id="6" name="Caixa de Texto 5"/>
+          <p:cNvSpPr txBox="1"/>
+          <p:nvPr/>
+        </p:nvSpPr>
+        <p:spPr>
+          <a:xfrm>
+            <a:off x="680720" y="1164590"/>
+            <a:ext cx="10828655" cy="549910"/>
+          </a:xfrm>
+          <a:prstGeom prst="rect">
+            <a:avLst/>
+          </a:prstGeom>
+        </p:spPr>
+        <p:txBody>
+          <a:bodyPr wrap="square">
+            <a:noAutofit/>
+          </a:bodyPr>
+          <a:p>
+            <a:pPr marL="0" indent="0" algn="just" defTabSz="266700">
+              <a:spcBef>
+                <a:spcPct val="0"/>
+              </a:spcBef>
+              <a:spcAft>
+                <a:spcPct val="0"/>
+              </a:spcAft>
+            </a:pPr>
+            <a:r>
+              <a:rPr lang="en-US" altLang="pt-PT">
+                <a:latin typeface="Roboto" charset="0"/>
+                <a:ea typeface="SimSun" panose="02010600030101010101" pitchFamily="2" charset="-122"/>
+                <a:cs typeface="Roboto" charset="0"/>
+              </a:rPr>
+              <a:t>Esta consulta identifica a venda de maior valor realizada pelo funcion</a:t>
+            </a:r>
+            <a:r>
+              <a:rPr lang="en-US" altLang="en-US">
+                <a:latin typeface="Roboto" charset="0"/>
+                <a:ea typeface="SimSun" panose="02010600030101010101" pitchFamily="2" charset="-122"/>
+                <a:cs typeface="Roboto" charset="0"/>
+              </a:rPr>
+              <a:t>á</a:t>
+            </a:r>
+            <a:r>
+              <a:rPr lang="en-US" altLang="pt-PT">
+                <a:latin typeface="Roboto" charset="0"/>
+                <a:ea typeface="SimSun" panose="02010600030101010101" pitchFamily="2" charset="-122"/>
+                <a:cs typeface="Roboto" charset="0"/>
+              </a:rPr>
+              <a:t>rio Crism</a:t>
+            </a:r>
+            <a:r>
+              <a:rPr lang="en-US" altLang="en-US">
+                <a:latin typeface="Roboto" charset="0"/>
+                <a:ea typeface="SimSun" panose="02010600030101010101" pitchFamily="2" charset="-122"/>
+                <a:cs typeface="Roboto" charset="0"/>
+              </a:rPr>
+              <a:t>é</a:t>
+            </a:r>
+            <a:r>
+              <a:rPr lang="en-US" altLang="pt-PT">
+                <a:latin typeface="Roboto" charset="0"/>
+                <a:ea typeface="SimSun" panose="02010600030101010101" pitchFamily="2" charset="-122"/>
+                <a:cs typeface="Roboto" charset="0"/>
+              </a:rPr>
+              <a:t>lio para a cliente Nat</a:t>
+            </a:r>
+            <a:r>
+              <a:rPr lang="en-US" altLang="en-US">
+                <a:latin typeface="Roboto" charset="0"/>
+                <a:ea typeface="SimSun" panose="02010600030101010101" pitchFamily="2" charset="-122"/>
+                <a:cs typeface="Roboto" charset="0"/>
+              </a:rPr>
+              <a:t>á</a:t>
+            </a:r>
+            <a:r>
+              <a:rPr lang="en-US" altLang="pt-PT">
+                <a:latin typeface="Roboto" charset="0"/>
+                <a:ea typeface="SimSun" panose="02010600030101010101" pitchFamily="2" charset="-122"/>
+                <a:cs typeface="Roboto" charset="0"/>
+              </a:rPr>
+              <a:t>lia.</a:t>
+            </a:r>
+            <a:endParaRPr lang="en-US" altLang="pt-PT">
+              <a:latin typeface="Roboto" charset="0"/>
+              <a:ea typeface="SimSun" panose="02010600030101010101" pitchFamily="2" charset="-122"/>
+              <a:cs typeface="Roboto" charset="0"/>
+            </a:endParaRPr>
+          </a:p>
+        </p:txBody>
+      </p:sp>
+      <p:sp>
+        <p:nvSpPr>
+          <p:cNvPr id="7" name="Caixa de Texto 6"/>
+          <p:cNvSpPr txBox="1"/>
+          <p:nvPr/>
+        </p:nvSpPr>
+        <p:spPr>
+          <a:xfrm>
+            <a:off x="3042285" y="133985"/>
+            <a:ext cx="6796405" cy="460375"/>
+          </a:xfrm>
+          <a:prstGeom prst="rect">
+            <a:avLst/>
+          </a:prstGeom>
+        </p:spPr>
+        <p:txBody>
+          <a:bodyPr wrap="square">
+            <a:spAutoFit/>
+          </a:bodyPr>
+          <a:p>
+            <a:pPr marL="0" indent="0" algn="ctr" defTabSz="266700">
+              <a:spcBef>
+                <a:spcPct val="0"/>
+              </a:spcBef>
+              <a:spcAft>
+                <a:spcPct val="0"/>
+              </a:spcAft>
+            </a:pPr>
+            <a:r>
+              <a:rPr lang="pt-PT" altLang="en-US" sz="2400" b="1">
+                <a:solidFill>
+                  <a:schemeClr val="bg1"/>
+                </a:solidFill>
+                <a:latin typeface="Roboto" charset="0"/>
+                <a:ea typeface="SimSun" panose="02010600030101010101" pitchFamily="2" charset="-122"/>
+                <a:cs typeface="Roboto" charset="0"/>
+              </a:rPr>
+              <a:t>Consultas Avançadas</a:t>
+            </a:r>
+            <a:endParaRPr lang="pt-PT" altLang="en-US" sz="2400" b="1">
+              <a:solidFill>
+                <a:schemeClr val="bg1"/>
+              </a:solidFill>
+              <a:latin typeface="Roboto" charset="0"/>
+              <a:ea typeface="SimSun" panose="02010600030101010101" pitchFamily="2" charset="-122"/>
+              <a:cs typeface="Roboto" charset="0"/>
+            </a:endParaRPr>
+          </a:p>
+        </p:txBody>
+      </p:sp>
+      <p:pic>
+        <p:nvPicPr>
+          <p:cNvPr id="10" name="Imagem 10" descr="code4"/>
+          <p:cNvPicPr>
+            <a:picLocks noChangeAspect="1"/>
+          </p:cNvPicPr>
+          <p:nvPr/>
+        </p:nvPicPr>
+        <p:blipFill>
+          <a:blip r:embed="rId1"/>
+          <a:stretch>
+            <a:fillRect/>
+          </a:stretch>
+        </p:blipFill>
+        <p:spPr>
+          <a:xfrm>
+            <a:off x="3366770" y="1797685"/>
+            <a:ext cx="4645025" cy="4528820"/>
+          </a:xfrm>
+          <a:prstGeom prst="rect">
+            <a:avLst/>
+          </a:prstGeom>
+        </p:spPr>
+      </p:pic>
+    </p:spTree>
+  </p:cSld>
+  <p:clrMapOvr>
+    <a:masterClrMapping/>
+  </p:clrMapOvr>
+  <mc:AlternateContent xmlns:mc="http://schemas.openxmlformats.org/markup-compatibility/2006">
+    <mc:Choice xmlns:p14="http://schemas.microsoft.com/office/powerpoint/2010/main" Requires="p14">
+      <p:transition spd="med" p14:dur="699">
+        <p:fade/>
+      </p:transition>
+    </mc:Choice>
+    <mc:Fallback>
+      <p:transition spd="med">
+        <p:fade/>
+      </p:transition>
+    </mc:Fallback>
+  </mc:AlternateContent>
+</p:sld>
+</file>
+
+<file path=ppt/slides/slide32.xml><?xml version="1.0" encoding="utf-8"?>
+<p:sld xmlns:a="http://schemas.openxmlformats.org/drawingml/2006/main" xmlns:r="http://schemas.openxmlformats.org/officeDocument/2006/relationships" xmlns:p="http://schemas.openxmlformats.org/presentationml/2006/main">
+  <p:cSld>
+    <p:spTree>
+      <p:nvGrpSpPr>
+        <p:cNvPr id="1" name=""/>
+        <p:cNvGrpSpPr/>
+        <p:nvPr/>
+      </p:nvGrpSpPr>
+      <p:grpSpPr>
+        <a:xfrm>
+          <a:off x="0" y="0"/>
+          <a:ext cx="0" cy="0"/>
+          <a:chOff x="0" y="0"/>
+          <a:chExt cx="0" cy="0"/>
+        </a:xfrm>
+      </p:grpSpPr>
+      <p:sp>
+        <p:nvSpPr>
+          <p:cNvPr id="6" name="Caixa de Texto 5"/>
+          <p:cNvSpPr txBox="1"/>
+          <p:nvPr/>
+        </p:nvSpPr>
+        <p:spPr>
+          <a:xfrm>
+            <a:off x="680720" y="1164590"/>
+            <a:ext cx="10828655" cy="549910"/>
+          </a:xfrm>
+          <a:prstGeom prst="rect">
+            <a:avLst/>
+          </a:prstGeom>
+        </p:spPr>
+        <p:txBody>
+          <a:bodyPr wrap="square">
+            <a:noAutofit/>
+          </a:bodyPr>
+          <a:p>
+            <a:pPr marL="0" indent="0" algn="just" defTabSz="266700">
+              <a:spcBef>
+                <a:spcPct val="0"/>
+              </a:spcBef>
+              <a:spcAft>
+                <a:spcPct val="0"/>
+              </a:spcAft>
+            </a:pPr>
+            <a:r>
+              <a:rPr lang="en-US" altLang="pt-PT">
+                <a:latin typeface="Roboto" charset="0"/>
+                <a:ea typeface="SimSun" panose="02010600030101010101" pitchFamily="2" charset="-122"/>
+                <a:cs typeface="Roboto" charset="0"/>
+              </a:rPr>
+              <a:t>Esta consulta identifica o funcion</a:t>
+            </a:r>
+            <a:r>
+              <a:rPr lang="en-US" altLang="en-US">
+                <a:latin typeface="Roboto" charset="0"/>
+                <a:ea typeface="SimSun" panose="02010600030101010101" pitchFamily="2" charset="-122"/>
+                <a:cs typeface="Roboto" charset="0"/>
+              </a:rPr>
+              <a:t>á</a:t>
+            </a:r>
+            <a:r>
+              <a:rPr lang="en-US" altLang="pt-PT">
+                <a:latin typeface="Roboto" charset="0"/>
+                <a:ea typeface="SimSun" panose="02010600030101010101" pitchFamily="2" charset="-122"/>
+                <a:cs typeface="Roboto" charset="0"/>
+              </a:rPr>
+              <a:t>rio com o maior faturamento total em vendas.</a:t>
+            </a:r>
+            <a:endParaRPr lang="en-US" altLang="pt-PT">
+              <a:latin typeface="Roboto" charset="0"/>
+              <a:ea typeface="SimSun" panose="02010600030101010101" pitchFamily="2" charset="-122"/>
+              <a:cs typeface="Roboto" charset="0"/>
+            </a:endParaRPr>
+          </a:p>
+        </p:txBody>
+      </p:sp>
+      <p:sp>
+        <p:nvSpPr>
+          <p:cNvPr id="7" name="Caixa de Texto 6"/>
+          <p:cNvSpPr txBox="1"/>
+          <p:nvPr/>
+        </p:nvSpPr>
+        <p:spPr>
+          <a:xfrm>
+            <a:off x="3042285" y="133985"/>
+            <a:ext cx="6796405" cy="460375"/>
+          </a:xfrm>
+          <a:prstGeom prst="rect">
+            <a:avLst/>
+          </a:prstGeom>
+        </p:spPr>
+        <p:txBody>
+          <a:bodyPr wrap="square">
+            <a:spAutoFit/>
+          </a:bodyPr>
+          <a:p>
+            <a:pPr marL="0" indent="0" algn="ctr" defTabSz="266700">
+              <a:spcBef>
+                <a:spcPct val="0"/>
+              </a:spcBef>
+              <a:spcAft>
+                <a:spcPct val="0"/>
+              </a:spcAft>
+            </a:pPr>
+            <a:r>
+              <a:rPr lang="pt-PT" altLang="en-US" sz="2400" b="1">
+                <a:solidFill>
+                  <a:schemeClr val="bg1"/>
+                </a:solidFill>
+                <a:latin typeface="Roboto" charset="0"/>
+                <a:ea typeface="SimSun" panose="02010600030101010101" pitchFamily="2" charset="-122"/>
+                <a:cs typeface="Roboto" charset="0"/>
+              </a:rPr>
+              <a:t>Consultas Avançadas</a:t>
+            </a:r>
+            <a:endParaRPr lang="pt-PT" altLang="en-US" sz="2400" b="1">
+              <a:solidFill>
+                <a:schemeClr val="bg1"/>
+              </a:solidFill>
+              <a:latin typeface="Roboto" charset="0"/>
+              <a:ea typeface="SimSun" panose="02010600030101010101" pitchFamily="2" charset="-122"/>
+              <a:cs typeface="Roboto" charset="0"/>
+            </a:endParaRPr>
+          </a:p>
+        </p:txBody>
+      </p:sp>
+      <p:pic>
+        <p:nvPicPr>
+          <p:cNvPr id="11" name="Imagem 11" descr="code5"/>
+          <p:cNvPicPr>
+            <a:picLocks noChangeAspect="1"/>
+          </p:cNvPicPr>
+          <p:nvPr/>
+        </p:nvPicPr>
+        <p:blipFill>
+          <a:blip r:embed="rId1"/>
+          <a:stretch>
+            <a:fillRect/>
+          </a:stretch>
+        </p:blipFill>
+        <p:spPr>
+          <a:xfrm>
+            <a:off x="3041968" y="1918653"/>
+            <a:ext cx="5390515" cy="3786505"/>
+          </a:xfrm>
+          <a:prstGeom prst="rect">
+            <a:avLst/>
+          </a:prstGeom>
+        </p:spPr>
+      </p:pic>
+    </p:spTree>
+  </p:cSld>
+  <p:clrMapOvr>
+    <a:masterClrMapping/>
+  </p:clrMapOvr>
+  <mc:AlternateContent xmlns:mc="http://schemas.openxmlformats.org/markup-compatibility/2006">
+    <mc:Choice xmlns:p14="http://schemas.microsoft.com/office/powerpoint/2010/main" Requires="p14">
+      <p:transition spd="med" p14:dur="699">
+        <p:fade/>
+      </p:transition>
+    </mc:Choice>
+    <mc:Fallback>
+      <p:transition spd="med">
+        <p:fade/>
+      </p:transition>
+    </mc:Fallback>
+  </mc:AlternateContent>
+</p:sld>
+</file>
+
+<file path=ppt/slides/slide33.xml><?xml version="1.0" encoding="utf-8"?>
+<p:sld xmlns:a="http://schemas.openxmlformats.org/drawingml/2006/main" xmlns:r="http://schemas.openxmlformats.org/officeDocument/2006/relationships" xmlns:p="http://schemas.openxmlformats.org/presentationml/2006/main">
+  <p:cSld>
+    <p:spTree>
+      <p:nvGrpSpPr>
+        <p:cNvPr id="1" name=""/>
+        <p:cNvGrpSpPr/>
+        <p:nvPr/>
+      </p:nvGrpSpPr>
+      <p:grpSpPr>
+        <a:xfrm>
+          <a:off x="0" y="0"/>
+          <a:ext cx="0" cy="0"/>
+          <a:chOff x="0" y="0"/>
+          <a:chExt cx="0" cy="0"/>
+        </a:xfrm>
+      </p:grpSpPr>
+      <p:sp>
+        <p:nvSpPr>
+          <p:cNvPr id="6" name="Caixa de Texto 5"/>
+          <p:cNvSpPr txBox="1"/>
+          <p:nvPr/>
+        </p:nvSpPr>
+        <p:spPr>
+          <a:xfrm>
+            <a:off x="680720" y="1164590"/>
+            <a:ext cx="10828655" cy="549910"/>
+          </a:xfrm>
+          <a:prstGeom prst="rect">
+            <a:avLst/>
+          </a:prstGeom>
+        </p:spPr>
+        <p:txBody>
+          <a:bodyPr wrap="square">
+            <a:noAutofit/>
+          </a:bodyPr>
+          <a:p>
+            <a:pPr marL="0" indent="0" algn="just" defTabSz="266700">
+              <a:spcBef>
+                <a:spcPct val="0"/>
+              </a:spcBef>
+              <a:spcAft>
+                <a:spcPct val="0"/>
+              </a:spcAft>
+            </a:pPr>
+            <a:r>
+              <a:rPr lang="en-US" altLang="pt-PT">
+                <a:latin typeface="Roboto" charset="0"/>
+                <a:ea typeface="SimSun" panose="02010600030101010101" pitchFamily="2" charset="-122"/>
+                <a:cs typeface="Roboto" charset="0"/>
+              </a:rPr>
+              <a:t>Depois de tudo j</a:t>
+            </a:r>
+            <a:r>
+              <a:rPr lang="en-US" altLang="en-US">
+                <a:latin typeface="Roboto" charset="0"/>
+                <a:ea typeface="SimSun" panose="02010600030101010101" pitchFamily="2" charset="-122"/>
+                <a:cs typeface="Roboto" charset="0"/>
+              </a:rPr>
+              <a:t>á</a:t>
+            </a:r>
+            <a:r>
+              <a:rPr lang="en-US" altLang="pt-PT">
+                <a:latin typeface="Roboto" charset="0"/>
+                <a:ea typeface="SimSun" panose="02010600030101010101" pitchFamily="2" charset="-122"/>
+                <a:cs typeface="Roboto" charset="0"/>
+              </a:rPr>
+              <a:t> abordado podemos verificar que a solu</a:t>
+            </a:r>
+            <a:r>
+              <a:rPr lang="en-US" altLang="en-US">
+                <a:latin typeface="Roboto" charset="0"/>
+                <a:ea typeface="SimSun" panose="02010600030101010101" pitchFamily="2" charset="-122"/>
+                <a:cs typeface="Roboto" charset="0"/>
+              </a:rPr>
+              <a:t>ç</a:t>
+            </a:r>
+            <a:r>
+              <a:rPr lang="en-US" altLang="en-US">
+                <a:latin typeface="Roboto" charset="0"/>
+                <a:ea typeface="SimSun" panose="02010600030101010101" pitchFamily="2" charset="-122"/>
+                <a:cs typeface="Roboto" charset="0"/>
+              </a:rPr>
+              <a:t>ã</a:t>
+            </a:r>
+            <a:r>
+              <a:rPr lang="en-US" altLang="pt-PT">
+                <a:latin typeface="Roboto" charset="0"/>
+                <a:ea typeface="SimSun" panose="02010600030101010101" pitchFamily="2" charset="-122"/>
+                <a:cs typeface="Roboto" charset="0"/>
+              </a:rPr>
+              <a:t>o proposta </a:t>
+            </a:r>
+            <a:r>
+              <a:rPr lang="en-US" altLang="en-US">
+                <a:latin typeface="Roboto" charset="0"/>
+                <a:ea typeface="SimSun" panose="02010600030101010101" pitchFamily="2" charset="-122"/>
+                <a:cs typeface="Roboto" charset="0"/>
+              </a:rPr>
+              <a:t>é</a:t>
+            </a:r>
+            <a:r>
+              <a:rPr lang="en-US" altLang="pt-PT">
+                <a:latin typeface="Roboto" charset="0"/>
+                <a:ea typeface="SimSun" panose="02010600030101010101" pitchFamily="2" charset="-122"/>
+                <a:cs typeface="Roboto" charset="0"/>
+              </a:rPr>
+              <a:t> vi</a:t>
+            </a:r>
+            <a:r>
+              <a:rPr lang="en-US" altLang="en-US">
+                <a:latin typeface="Roboto" charset="0"/>
+                <a:ea typeface="SimSun" panose="02010600030101010101" pitchFamily="2" charset="-122"/>
+                <a:cs typeface="Roboto" charset="0"/>
+              </a:rPr>
+              <a:t>á</a:t>
+            </a:r>
+            <a:r>
+              <a:rPr lang="en-US" altLang="pt-PT">
+                <a:latin typeface="Roboto" charset="0"/>
+                <a:ea typeface="SimSun" panose="02010600030101010101" pitchFamily="2" charset="-122"/>
+                <a:cs typeface="Roboto" charset="0"/>
+              </a:rPr>
+              <a:t>vel e, portanto, a sua aplica</a:t>
+            </a:r>
+            <a:r>
+              <a:rPr lang="en-US" altLang="en-US">
+                <a:latin typeface="Roboto" charset="0"/>
+                <a:ea typeface="SimSun" panose="02010600030101010101" pitchFamily="2" charset="-122"/>
+                <a:cs typeface="Roboto" charset="0"/>
+              </a:rPr>
+              <a:t>ç</a:t>
+            </a:r>
+            <a:r>
+              <a:rPr lang="en-US" altLang="en-US">
+                <a:latin typeface="Roboto" charset="0"/>
+                <a:ea typeface="SimSun" panose="02010600030101010101" pitchFamily="2" charset="-122"/>
+                <a:cs typeface="Roboto" charset="0"/>
+              </a:rPr>
+              <a:t>ã</a:t>
+            </a:r>
+            <a:r>
+              <a:rPr lang="en-US" altLang="pt-PT">
+                <a:latin typeface="Roboto" charset="0"/>
+                <a:ea typeface="SimSun" panose="02010600030101010101" pitchFamily="2" charset="-122"/>
+                <a:cs typeface="Roboto" charset="0"/>
+              </a:rPr>
+              <a:t>o ser</a:t>
+            </a:r>
+            <a:r>
+              <a:rPr lang="en-US" altLang="en-US">
+                <a:latin typeface="Roboto" charset="0"/>
+                <a:ea typeface="SimSun" panose="02010600030101010101" pitchFamily="2" charset="-122"/>
+                <a:cs typeface="Roboto" charset="0"/>
+              </a:rPr>
+              <a:t>á</a:t>
+            </a:r>
+            <a:r>
+              <a:rPr lang="en-US" altLang="pt-PT">
+                <a:latin typeface="Roboto" charset="0"/>
+                <a:ea typeface="SimSun" panose="02010600030101010101" pitchFamily="2" charset="-122"/>
+                <a:cs typeface="Roboto" charset="0"/>
+              </a:rPr>
+              <a:t> de grande valia para resolu</a:t>
+            </a:r>
+            <a:r>
+              <a:rPr lang="en-US" altLang="en-US">
+                <a:latin typeface="Roboto" charset="0"/>
+                <a:ea typeface="SimSun" panose="02010600030101010101" pitchFamily="2" charset="-122"/>
+                <a:cs typeface="Roboto" charset="0"/>
+              </a:rPr>
+              <a:t>ç</a:t>
+            </a:r>
+            <a:r>
+              <a:rPr lang="en-US" altLang="en-US">
+                <a:latin typeface="Roboto" charset="0"/>
+                <a:ea typeface="SimSun" panose="02010600030101010101" pitchFamily="2" charset="-122"/>
+                <a:cs typeface="Roboto" charset="0"/>
+              </a:rPr>
+              <a:t>ã</a:t>
+            </a:r>
+            <a:r>
+              <a:rPr lang="en-US" altLang="pt-PT">
+                <a:latin typeface="Roboto" charset="0"/>
+                <a:ea typeface="SimSun" panose="02010600030101010101" pitchFamily="2" charset="-122"/>
+                <a:cs typeface="Roboto" charset="0"/>
+              </a:rPr>
+              <a:t>o do caso apresentado,</a:t>
+            </a:r>
+            <a:endParaRPr lang="en-US" altLang="pt-PT">
+              <a:latin typeface="Roboto" charset="0"/>
+              <a:ea typeface="SimSun" panose="02010600030101010101" pitchFamily="2" charset="-122"/>
+              <a:cs typeface="Roboto" charset="0"/>
+            </a:endParaRPr>
+          </a:p>
+        </p:txBody>
+      </p:sp>
+      <p:sp>
+        <p:nvSpPr>
+          <p:cNvPr id="7" name="Caixa de Texto 6"/>
+          <p:cNvSpPr txBox="1"/>
+          <p:nvPr/>
+        </p:nvSpPr>
+        <p:spPr>
+          <a:xfrm>
+            <a:off x="3042285" y="133985"/>
+            <a:ext cx="6796405" cy="460375"/>
+          </a:xfrm>
+          <a:prstGeom prst="rect">
+            <a:avLst/>
+          </a:prstGeom>
+        </p:spPr>
+        <p:txBody>
+          <a:bodyPr wrap="square">
+            <a:spAutoFit/>
+          </a:bodyPr>
+          <a:p>
+            <a:pPr marL="0" indent="0" algn="ctr" defTabSz="266700">
+              <a:spcBef>
+                <a:spcPct val="0"/>
+              </a:spcBef>
+              <a:spcAft>
+                <a:spcPct val="0"/>
+              </a:spcAft>
+            </a:pPr>
+            <a:r>
+              <a:rPr lang="pt-PT" altLang="en-US" sz="2400" b="1">
+                <a:solidFill>
+                  <a:schemeClr val="bg1"/>
+                </a:solidFill>
+                <a:latin typeface="Roboto" charset="0"/>
+                <a:ea typeface="SimSun" panose="02010600030101010101" pitchFamily="2" charset="-122"/>
+                <a:cs typeface="Roboto" charset="0"/>
+              </a:rPr>
               <a:t>Conclusão</a:t>
             </a:r>
             <a:endParaRPr lang="pt-PT" altLang="en-US" sz="2400" b="1">
@@ -19559,7 +21276,7 @@
 </p:sld>
 </file>
 
-<file path=ppt/slides/slide31.xml><?xml version="1.0" encoding="utf-8"?>
+<file path=ppt/slides/slide34.xml><?xml version="1.0" encoding="utf-8"?>
 <p:sld xmlns:a="http://schemas.openxmlformats.org/drawingml/2006/main" xmlns:r="http://schemas.openxmlformats.org/officeDocument/2006/relationships" xmlns:p="http://schemas.openxmlformats.org/presentationml/2006/main">
   <p:cSld>
     <p:spTree>

--- a/projeto_coletivo/M_5_Fase3.pptx
+++ b/projeto_coletivo/M_5_Fase3.pptx
@@ -34,17 +34,18 @@
     <p:sldId id="347" r:id="rId27"/>
     <p:sldId id="348" r:id="rId28"/>
     <p:sldId id="349" r:id="rId29"/>
-    <p:sldId id="332" r:id="rId30"/>
-    <p:sldId id="351" r:id="rId31"/>
-    <p:sldId id="352" r:id="rId32"/>
-    <p:sldId id="350" r:id="rId33"/>
-    <p:sldId id="333" r:id="rId34"/>
-    <p:sldId id="334" r:id="rId35"/>
-    <p:sldId id="335" r:id="rId36"/>
-    <p:sldId id="336" r:id="rId37"/>
-    <p:sldId id="337" r:id="rId38"/>
-    <p:sldId id="338" r:id="rId39"/>
-    <p:sldId id="273" r:id="rId40"/>
+    <p:sldId id="353" r:id="rId30"/>
+    <p:sldId id="332" r:id="rId31"/>
+    <p:sldId id="351" r:id="rId32"/>
+    <p:sldId id="352" r:id="rId33"/>
+    <p:sldId id="350" r:id="rId34"/>
+    <p:sldId id="333" r:id="rId35"/>
+    <p:sldId id="334" r:id="rId36"/>
+    <p:sldId id="335" r:id="rId37"/>
+    <p:sldId id="336" r:id="rId38"/>
+    <p:sldId id="337" r:id="rId39"/>
+    <p:sldId id="338" r:id="rId40"/>
+    <p:sldId id="273" r:id="rId41"/>
   </p:sldIdLst>
   <p:sldSz cx="12192000" cy="6858000"/>
   <p:notesSz cx="6858000" cy="9144000"/>
@@ -16657,21 +16658,25 @@
       </p:sp>
       <p:graphicFrame>
         <p:nvGraphicFramePr>
-          <p:cNvPr id="10" name="Tabela 9"/>
+          <p:cNvPr id="2" name="Tabela 1"/>
           <p:cNvGraphicFramePr/>
           <p:nvPr/>
         </p:nvGraphicFramePr>
         <p:xfrm>
-          <a:off x="1031875" y="2257425"/>
-          <a:ext cx="5024755" cy="1508760"/>
+          <a:off x="853440" y="2674620"/>
+          <a:ext cx="10485120" cy="0"/>
         </p:xfrm>
         <a:graphic>
           <a:graphicData uri="http://schemas.openxmlformats.org/drawingml/2006/table">
             <a:tbl>
               <a:tblPr/>
               <a:tblGrid>
-                <a:gridCol w="2502535"/>
-                <a:gridCol w="2522220"/>
+                <a:gridCol w="1747520"/>
+                <a:gridCol w="1747520"/>
+                <a:gridCol w="1747520"/>
+                <a:gridCol w="1747520"/>
+                <a:gridCol w="1747520"/>
+                <a:gridCol w="1747520"/>
               </a:tblGrid>
               <a:tr h="0">
                 <a:tc>
@@ -16695,7 +16700,7 @@
                           <a:ea typeface="SimSun" panose="02010600030101010101" pitchFamily="2" charset="-122"/>
                           <a:cs typeface="Times New Roman" panose="02020603050405020304" charset="0"/>
                         </a:rPr>
-                        <a:t>ID Venda</a:t>
+                        <a:t>ID Funcionário</a:t>
                       </a:r>
                       <a:endParaRPr sz="1800" b="1">
                         <a:latin typeface="Times New Roman" panose="02020603050405020304" charset="0"/>
@@ -16741,7 +16746,191 @@
                           <a:ea typeface="SimSun" panose="02010600030101010101" pitchFamily="2" charset="-122"/>
                           <a:cs typeface="Times New Roman" panose="02020603050405020304" charset="0"/>
                         </a:rPr>
-                        <a:t>ID Produto</a:t>
+                        <a:t>ID Cliente</a:t>
+                      </a:r>
+                      <a:endParaRPr sz="1800" b="1">
+                        <a:latin typeface="Times New Roman" panose="02020603050405020304" charset="0"/>
+                        <a:ea typeface="SimSun" panose="02010600030101010101" pitchFamily="2" charset="-122"/>
+                        <a:cs typeface="Times New Roman" panose="02020603050405020304" charset="0"/>
+                      </a:endParaRPr>
+                    </a:p>
+                  </a:txBody>
+                  <a:tcPr marL="0" marR="0" marT="0" marB="0" anchor="ctr" anchorCtr="0">
+                    <a:lnL>
+                      <a:noFill/>
+                    </a:lnL>
+                    <a:lnR>
+                      <a:noFill/>
+                    </a:lnR>
+                    <a:lnT>
+                      <a:noFill/>
+                    </a:lnT>
+                    <a:lnB>
+                      <a:noFill/>
+                    </a:lnB>
+                    <a:noFill/>
+                  </a:tcPr>
+                </a:tc>
+                <a:tc>
+                  <a:txBody>
+                    <a:bodyPr/>
+                    <a:p>
+                      <a:pPr algn="ctr">
+                        <a:lnSpc>
+                          <a:spcPct val="150000"/>
+                        </a:lnSpc>
+                        <a:spcBef>
+                          <a:spcPct val="0"/>
+                        </a:spcBef>
+                        <a:spcAft>
+                          <a:spcPct val="0"/>
+                        </a:spcAft>
+                      </a:pPr>
+                      <a:r>
+                        <a:rPr sz="1800" b="1">
+                          <a:latin typeface="Times New Roman" panose="02020603050405020304" charset="0"/>
+                          <a:ea typeface="SimSun" panose="02010600030101010101" pitchFamily="2" charset="-122"/>
+                          <a:cs typeface="Times New Roman" panose="02020603050405020304" charset="0"/>
+                        </a:rPr>
+                        <a:t>Investimento</a:t>
+                      </a:r>
+                      <a:endParaRPr sz="1800" b="1">
+                        <a:latin typeface="Times New Roman" panose="02020603050405020304" charset="0"/>
+                        <a:ea typeface="SimSun" panose="02010600030101010101" pitchFamily="2" charset="-122"/>
+                        <a:cs typeface="Times New Roman" panose="02020603050405020304" charset="0"/>
+                      </a:endParaRPr>
+                    </a:p>
+                  </a:txBody>
+                  <a:tcPr marL="0" marR="0" marT="0" marB="0" anchor="ctr" anchorCtr="0">
+                    <a:lnL>
+                      <a:noFill/>
+                    </a:lnL>
+                    <a:lnR>
+                      <a:noFill/>
+                    </a:lnR>
+                    <a:lnT>
+                      <a:noFill/>
+                    </a:lnT>
+                    <a:lnB>
+                      <a:noFill/>
+                    </a:lnB>
+                    <a:noFill/>
+                  </a:tcPr>
+                </a:tc>
+                <a:tc>
+                  <a:txBody>
+                    <a:bodyPr/>
+                    <a:p>
+                      <a:pPr algn="ctr">
+                        <a:lnSpc>
+                          <a:spcPct val="150000"/>
+                        </a:lnSpc>
+                        <a:spcBef>
+                          <a:spcPct val="0"/>
+                        </a:spcBef>
+                        <a:spcAft>
+                          <a:spcPct val="0"/>
+                        </a:spcAft>
+                      </a:pPr>
+                      <a:r>
+                        <a:rPr sz="1800" b="1">
+                          <a:latin typeface="Times New Roman" panose="02020603050405020304" charset="0"/>
+                          <a:ea typeface="SimSun" panose="02010600030101010101" pitchFamily="2" charset="-122"/>
+                          <a:cs typeface="Times New Roman" panose="02020603050405020304" charset="0"/>
+                        </a:rPr>
+                        <a:t>Valor Total</a:t>
+                      </a:r>
+                      <a:endParaRPr sz="1800" b="1">
+                        <a:latin typeface="Times New Roman" panose="02020603050405020304" charset="0"/>
+                        <a:ea typeface="SimSun" panose="02010600030101010101" pitchFamily="2" charset="-122"/>
+                        <a:cs typeface="Times New Roman" panose="02020603050405020304" charset="0"/>
+                      </a:endParaRPr>
+                    </a:p>
+                  </a:txBody>
+                  <a:tcPr marL="0" marR="0" marT="0" marB="0" anchor="ctr" anchorCtr="0">
+                    <a:lnL>
+                      <a:noFill/>
+                    </a:lnL>
+                    <a:lnR>
+                      <a:noFill/>
+                    </a:lnR>
+                    <a:lnT>
+                      <a:noFill/>
+                    </a:lnT>
+                    <a:lnB>
+                      <a:noFill/>
+                    </a:lnB>
+                    <a:noFill/>
+                  </a:tcPr>
+                </a:tc>
+                <a:tc>
+                  <a:txBody>
+                    <a:bodyPr/>
+                    <a:p>
+                      <a:pPr algn="ctr">
+                        <a:lnSpc>
+                          <a:spcPct val="150000"/>
+                        </a:lnSpc>
+                        <a:spcBef>
+                          <a:spcPct val="0"/>
+                        </a:spcBef>
+                        <a:spcAft>
+                          <a:spcPct val="0"/>
+                        </a:spcAft>
+                      </a:pPr>
+                      <a:r>
+                        <a:rPr sz="1800" b="1">
+                          <a:latin typeface="Times New Roman" panose="02020603050405020304" charset="0"/>
+                          <a:ea typeface="SimSun" panose="02010600030101010101" pitchFamily="2" charset="-122"/>
+                          <a:cs typeface="Times New Roman" panose="02020603050405020304" charset="0"/>
+                        </a:rPr>
+                        <a:t>Troco</a:t>
+                      </a:r>
+                      <a:endParaRPr sz="1800" b="1">
+                        <a:latin typeface="Times New Roman" panose="02020603050405020304" charset="0"/>
+                        <a:ea typeface="SimSun" panose="02010600030101010101" pitchFamily="2" charset="-122"/>
+                        <a:cs typeface="Times New Roman" panose="02020603050405020304" charset="0"/>
+                      </a:endParaRPr>
+                    </a:p>
+                  </a:txBody>
+                  <a:tcPr marL="0" marR="0" marT="0" marB="0" anchor="ctr" anchorCtr="0">
+                    <a:lnL>
+                      <a:noFill/>
+                    </a:lnL>
+                    <a:lnR>
+                      <a:noFill/>
+                    </a:lnR>
+                    <a:lnT>
+                      <a:noFill/>
+                    </a:lnT>
+                    <a:lnB>
+                      <a:noFill/>
+                    </a:lnB>
+                    <a:noFill/>
+                  </a:tcPr>
+                </a:tc>
+                <a:tc>
+                  <a:txBody>
+                    <a:bodyPr/>
+                    <a:p>
+                      <a:pPr algn="ctr">
+                        <a:lnSpc>
+                          <a:spcPct val="150000"/>
+                        </a:lnSpc>
+                        <a:spcBef>
+                          <a:spcPct val="0"/>
+                        </a:spcBef>
+                        <a:spcAft>
+                          <a:spcPct val="0"/>
+                        </a:spcAft>
+                      </a:pPr>
+                      <a:r>
+                        <a:rPr sz="1800" b="1">
+                          <a:latin typeface="Times New Roman" panose="02020603050405020304" charset="0"/>
+                          <a:ea typeface="SimSun" panose="02010600030101010101" pitchFamily="2" charset="-122"/>
+                          <a:cs typeface="Times New Roman" panose="02020603050405020304" charset="0"/>
+                        </a:rPr>
+                        <a:t>Data</a:t>
                       </a:r>
                       <a:endParaRPr sz="1800" b="1">
                         <a:latin typeface="Times New Roman" panose="02020603050405020304" charset="0"/>
@@ -16860,6 +17049,190 @@
                     <a:noFill/>
                   </a:tcPr>
                 </a:tc>
+                <a:tc>
+                  <a:txBody>
+                    <a:bodyPr/>
+                    <a:p>
+                      <a:pPr algn="ctr">
+                        <a:lnSpc>
+                          <a:spcPct val="150000"/>
+                        </a:lnSpc>
+                        <a:spcBef>
+                          <a:spcPct val="0"/>
+                        </a:spcBef>
+                        <a:spcAft>
+                          <a:spcPct val="0"/>
+                        </a:spcAft>
+                      </a:pPr>
+                      <a:r>
+                        <a:rPr sz="1800">
+                          <a:latin typeface="Times New Roman" panose="02020603050405020304" charset="0"/>
+                          <a:ea typeface="SimSun" panose="02010600030101010101" pitchFamily="2" charset="-122"/>
+                          <a:cs typeface="Times New Roman" panose="02020603050405020304" charset="0"/>
+                        </a:rPr>
+                        <a:t>5000.00</a:t>
+                      </a:r>
+                      <a:endParaRPr sz="1800">
+                        <a:latin typeface="Times New Roman" panose="02020603050405020304" charset="0"/>
+                        <a:ea typeface="SimSun" panose="02010600030101010101" pitchFamily="2" charset="-122"/>
+                        <a:cs typeface="Times New Roman" panose="02020603050405020304" charset="0"/>
+                      </a:endParaRPr>
+                    </a:p>
+                  </a:txBody>
+                  <a:tcPr marL="0" marR="0" marT="0" marB="0" anchor="ctr" anchorCtr="0">
+                    <a:lnL>
+                      <a:noFill/>
+                    </a:lnL>
+                    <a:lnR>
+                      <a:noFill/>
+                    </a:lnR>
+                    <a:lnT>
+                      <a:noFill/>
+                    </a:lnT>
+                    <a:lnB>
+                      <a:noFill/>
+                    </a:lnB>
+                    <a:noFill/>
+                  </a:tcPr>
+                </a:tc>
+                <a:tc>
+                  <a:txBody>
+                    <a:bodyPr/>
+                    <a:p>
+                      <a:pPr algn="ctr">
+                        <a:lnSpc>
+                          <a:spcPct val="150000"/>
+                        </a:lnSpc>
+                        <a:spcBef>
+                          <a:spcPct val="0"/>
+                        </a:spcBef>
+                        <a:spcAft>
+                          <a:spcPct val="0"/>
+                        </a:spcAft>
+                      </a:pPr>
+                      <a:r>
+                        <a:rPr sz="1800">
+                          <a:latin typeface="Times New Roman" panose="02020603050405020304" charset="0"/>
+                          <a:ea typeface="SimSun" panose="02010600030101010101" pitchFamily="2" charset="-122"/>
+                          <a:cs typeface="Times New Roman" panose="02020603050405020304" charset="0"/>
+                        </a:rPr>
+                        <a:t>4500.00</a:t>
+                      </a:r>
+                      <a:endParaRPr sz="1800">
+                        <a:latin typeface="Times New Roman" panose="02020603050405020304" charset="0"/>
+                        <a:ea typeface="SimSun" panose="02010600030101010101" pitchFamily="2" charset="-122"/>
+                        <a:cs typeface="Times New Roman" panose="02020603050405020304" charset="0"/>
+                      </a:endParaRPr>
+                    </a:p>
+                  </a:txBody>
+                  <a:tcPr marL="0" marR="0" marT="0" marB="0" anchor="ctr" anchorCtr="0">
+                    <a:lnL>
+                      <a:noFill/>
+                    </a:lnL>
+                    <a:lnR>
+                      <a:noFill/>
+                    </a:lnR>
+                    <a:lnT>
+                      <a:noFill/>
+                    </a:lnT>
+                    <a:lnB>
+                      <a:noFill/>
+                    </a:lnB>
+                    <a:noFill/>
+                  </a:tcPr>
+                </a:tc>
+                <a:tc>
+                  <a:txBody>
+                    <a:bodyPr/>
+                    <a:p>
+                      <a:pPr algn="ctr">
+                        <a:lnSpc>
+                          <a:spcPct val="150000"/>
+                        </a:lnSpc>
+                        <a:spcBef>
+                          <a:spcPct val="0"/>
+                        </a:spcBef>
+                        <a:spcAft>
+                          <a:spcPct val="0"/>
+                        </a:spcAft>
+                      </a:pPr>
+                      <a:r>
+                        <a:rPr sz="1800">
+                          <a:latin typeface="Times New Roman" panose="02020603050405020304" charset="0"/>
+                          <a:ea typeface="SimSun" panose="02010600030101010101" pitchFamily="2" charset="-122"/>
+                          <a:cs typeface="Times New Roman" panose="02020603050405020304" charset="0"/>
+                        </a:rPr>
+                        <a:t>500.00</a:t>
+                      </a:r>
+                      <a:endParaRPr sz="1800">
+                        <a:latin typeface="Times New Roman" panose="02020603050405020304" charset="0"/>
+                        <a:ea typeface="SimSun" panose="02010600030101010101" pitchFamily="2" charset="-122"/>
+                        <a:cs typeface="Times New Roman" panose="02020603050405020304" charset="0"/>
+                      </a:endParaRPr>
+                    </a:p>
+                  </a:txBody>
+                  <a:tcPr marL="0" marR="0" marT="0" marB="0" anchor="ctr" anchorCtr="0">
+                    <a:lnL>
+                      <a:noFill/>
+                    </a:lnL>
+                    <a:lnR>
+                      <a:noFill/>
+                    </a:lnR>
+                    <a:lnT>
+                      <a:noFill/>
+                    </a:lnT>
+                    <a:lnB>
+                      <a:noFill/>
+                    </a:lnB>
+                    <a:noFill/>
+                  </a:tcPr>
+                </a:tc>
+                <a:tc>
+                  <a:txBody>
+                    <a:bodyPr/>
+                    <a:p>
+                      <a:pPr algn="ctr">
+                        <a:lnSpc>
+                          <a:spcPct val="150000"/>
+                        </a:lnSpc>
+                        <a:spcBef>
+                          <a:spcPct val="0"/>
+                        </a:spcBef>
+                        <a:spcAft>
+                          <a:spcPct val="0"/>
+                        </a:spcAft>
+                      </a:pPr>
+                      <a:r>
+                        <a:rPr sz="1800">
+                          <a:latin typeface="Times New Roman" panose="02020603050405020304" charset="0"/>
+                          <a:ea typeface="SimSun" panose="02010600030101010101" pitchFamily="2" charset="-122"/>
+                          <a:cs typeface="Times New Roman" panose="02020603050405020304" charset="0"/>
+                        </a:rPr>
+                        <a:t>NOW()</a:t>
+                      </a:r>
+                      <a:endParaRPr sz="1800">
+                        <a:latin typeface="Times New Roman" panose="02020603050405020304" charset="0"/>
+                        <a:ea typeface="SimSun" panose="02010600030101010101" pitchFamily="2" charset="-122"/>
+                        <a:cs typeface="Times New Roman" panose="02020603050405020304" charset="0"/>
+                      </a:endParaRPr>
+                    </a:p>
+                  </a:txBody>
+                  <a:tcPr marL="0" marR="0" marT="0" marB="0" anchor="ctr" anchorCtr="0">
+                    <a:lnL>
+                      <a:noFill/>
+                    </a:lnL>
+                    <a:lnR>
+                      <a:noFill/>
+                    </a:lnR>
+                    <a:lnT>
+                      <a:noFill/>
+                    </a:lnT>
+                    <a:lnB>
+                      <a:noFill/>
+                    </a:lnB>
+                    <a:noFill/>
+                  </a:tcPr>
+                </a:tc>
               </a:tr>
               <a:tr h="0">
                 <a:tc>
@@ -16954,6 +17327,190 @@
                     <a:noFill/>
                   </a:tcPr>
                 </a:tc>
+                <a:tc>
+                  <a:txBody>
+                    <a:bodyPr/>
+                    <a:p>
+                      <a:pPr algn="ctr">
+                        <a:lnSpc>
+                          <a:spcPct val="150000"/>
+                        </a:lnSpc>
+                        <a:spcBef>
+                          <a:spcPct val="0"/>
+                        </a:spcBef>
+                        <a:spcAft>
+                          <a:spcPct val="0"/>
+                        </a:spcAft>
+                      </a:pPr>
+                      <a:r>
+                        <a:rPr sz="1800">
+                          <a:latin typeface="Times New Roman" panose="02020603050405020304" charset="0"/>
+                          <a:ea typeface="SimSun" panose="02010600030101010101" pitchFamily="2" charset="-122"/>
+                          <a:cs typeface="Times New Roman" panose="02020603050405020304" charset="0"/>
+                        </a:rPr>
+                        <a:t>7000.00</a:t>
+                      </a:r>
+                      <a:endParaRPr sz="1800">
+                        <a:latin typeface="Times New Roman" panose="02020603050405020304" charset="0"/>
+                        <a:ea typeface="SimSun" panose="02010600030101010101" pitchFamily="2" charset="-122"/>
+                        <a:cs typeface="Times New Roman" panose="02020603050405020304" charset="0"/>
+                      </a:endParaRPr>
+                    </a:p>
+                  </a:txBody>
+                  <a:tcPr marL="0" marR="0" marT="0" marB="0" anchor="ctr" anchorCtr="0">
+                    <a:lnL>
+                      <a:noFill/>
+                    </a:lnL>
+                    <a:lnR>
+                      <a:noFill/>
+                    </a:lnR>
+                    <a:lnT>
+                      <a:noFill/>
+                    </a:lnT>
+                    <a:lnB>
+                      <a:noFill/>
+                    </a:lnB>
+                    <a:noFill/>
+                  </a:tcPr>
+                </a:tc>
+                <a:tc>
+                  <a:txBody>
+                    <a:bodyPr/>
+                    <a:p>
+                      <a:pPr algn="ctr">
+                        <a:lnSpc>
+                          <a:spcPct val="150000"/>
+                        </a:lnSpc>
+                        <a:spcBef>
+                          <a:spcPct val="0"/>
+                        </a:spcBef>
+                        <a:spcAft>
+                          <a:spcPct val="0"/>
+                        </a:spcAft>
+                      </a:pPr>
+                      <a:r>
+                        <a:rPr sz="1800">
+                          <a:latin typeface="Times New Roman" panose="02020603050405020304" charset="0"/>
+                          <a:ea typeface="SimSun" panose="02010600030101010101" pitchFamily="2" charset="-122"/>
+                          <a:cs typeface="Times New Roman" panose="02020603050405020304" charset="0"/>
+                        </a:rPr>
+                        <a:t>6800.00</a:t>
+                      </a:r>
+                      <a:endParaRPr sz="1800">
+                        <a:latin typeface="Times New Roman" panose="02020603050405020304" charset="0"/>
+                        <a:ea typeface="SimSun" panose="02010600030101010101" pitchFamily="2" charset="-122"/>
+                        <a:cs typeface="Times New Roman" panose="02020603050405020304" charset="0"/>
+                      </a:endParaRPr>
+                    </a:p>
+                  </a:txBody>
+                  <a:tcPr marL="0" marR="0" marT="0" marB="0" anchor="ctr" anchorCtr="0">
+                    <a:lnL>
+                      <a:noFill/>
+                    </a:lnL>
+                    <a:lnR>
+                      <a:noFill/>
+                    </a:lnR>
+                    <a:lnT>
+                      <a:noFill/>
+                    </a:lnT>
+                    <a:lnB>
+                      <a:noFill/>
+                    </a:lnB>
+                    <a:noFill/>
+                  </a:tcPr>
+                </a:tc>
+                <a:tc>
+                  <a:txBody>
+                    <a:bodyPr/>
+                    <a:p>
+                      <a:pPr algn="ctr">
+                        <a:lnSpc>
+                          <a:spcPct val="150000"/>
+                        </a:lnSpc>
+                        <a:spcBef>
+                          <a:spcPct val="0"/>
+                        </a:spcBef>
+                        <a:spcAft>
+                          <a:spcPct val="0"/>
+                        </a:spcAft>
+                      </a:pPr>
+                      <a:r>
+                        <a:rPr sz="1800">
+                          <a:latin typeface="Times New Roman" panose="02020603050405020304" charset="0"/>
+                          <a:ea typeface="SimSun" panose="02010600030101010101" pitchFamily="2" charset="-122"/>
+                          <a:cs typeface="Times New Roman" panose="02020603050405020304" charset="0"/>
+                        </a:rPr>
+                        <a:t>200.00</a:t>
+                      </a:r>
+                      <a:endParaRPr sz="1800">
+                        <a:latin typeface="Times New Roman" panose="02020603050405020304" charset="0"/>
+                        <a:ea typeface="SimSun" panose="02010600030101010101" pitchFamily="2" charset="-122"/>
+                        <a:cs typeface="Times New Roman" panose="02020603050405020304" charset="0"/>
+                      </a:endParaRPr>
+                    </a:p>
+                  </a:txBody>
+                  <a:tcPr marL="0" marR="0" marT="0" marB="0" anchor="ctr" anchorCtr="0">
+                    <a:lnL>
+                      <a:noFill/>
+                    </a:lnL>
+                    <a:lnR>
+                      <a:noFill/>
+                    </a:lnR>
+                    <a:lnT>
+                      <a:noFill/>
+                    </a:lnT>
+                    <a:lnB>
+                      <a:noFill/>
+                    </a:lnB>
+                    <a:noFill/>
+                  </a:tcPr>
+                </a:tc>
+                <a:tc>
+                  <a:txBody>
+                    <a:bodyPr/>
+                    <a:p>
+                      <a:pPr algn="ctr">
+                        <a:lnSpc>
+                          <a:spcPct val="150000"/>
+                        </a:lnSpc>
+                        <a:spcBef>
+                          <a:spcPct val="0"/>
+                        </a:spcBef>
+                        <a:spcAft>
+                          <a:spcPct val="0"/>
+                        </a:spcAft>
+                      </a:pPr>
+                      <a:r>
+                        <a:rPr sz="1800">
+                          <a:latin typeface="Times New Roman" panose="02020603050405020304" charset="0"/>
+                          <a:ea typeface="SimSun" panose="02010600030101010101" pitchFamily="2" charset="-122"/>
+                          <a:cs typeface="Times New Roman" panose="02020603050405020304" charset="0"/>
+                        </a:rPr>
+                        <a:t>NOW()</a:t>
+                      </a:r>
+                      <a:endParaRPr sz="1800">
+                        <a:latin typeface="Times New Roman" panose="02020603050405020304" charset="0"/>
+                        <a:ea typeface="SimSun" panose="02010600030101010101" pitchFamily="2" charset="-122"/>
+                        <a:cs typeface="Times New Roman" panose="02020603050405020304" charset="0"/>
+                      </a:endParaRPr>
+                    </a:p>
+                  </a:txBody>
+                  <a:tcPr marL="0" marR="0" marT="0" marB="0" anchor="ctr" anchorCtr="0">
+                    <a:lnL>
+                      <a:noFill/>
+                    </a:lnL>
+                    <a:lnR>
+                      <a:noFill/>
+                    </a:lnR>
+                    <a:lnT>
+                      <a:noFill/>
+                    </a:lnT>
+                    <a:lnB>
+                      <a:noFill/>
+                    </a:lnB>
+                    <a:noFill/>
+                  </a:tcPr>
+                </a:tc>
               </a:tr>
               <a:tr h="0">
                 <a:tc>
@@ -17048,6 +17605,190 @@
                     <a:noFill/>
                   </a:tcPr>
                 </a:tc>
+                <a:tc>
+                  <a:txBody>
+                    <a:bodyPr/>
+                    <a:p>
+                      <a:pPr algn="ctr">
+                        <a:lnSpc>
+                          <a:spcPct val="150000"/>
+                        </a:lnSpc>
+                        <a:spcBef>
+                          <a:spcPct val="0"/>
+                        </a:spcBef>
+                        <a:spcAft>
+                          <a:spcPct val="0"/>
+                        </a:spcAft>
+                      </a:pPr>
+                      <a:r>
+                        <a:rPr sz="1800">
+                          <a:latin typeface="Times New Roman" panose="02020603050405020304" charset="0"/>
+                          <a:ea typeface="SimSun" panose="02010600030101010101" pitchFamily="2" charset="-122"/>
+                          <a:cs typeface="Times New Roman" panose="02020603050405020304" charset="0"/>
+                        </a:rPr>
+                        <a:t>8000.00</a:t>
+                      </a:r>
+                      <a:endParaRPr sz="1800">
+                        <a:latin typeface="Times New Roman" panose="02020603050405020304" charset="0"/>
+                        <a:ea typeface="SimSun" panose="02010600030101010101" pitchFamily="2" charset="-122"/>
+                        <a:cs typeface="Times New Roman" panose="02020603050405020304" charset="0"/>
+                      </a:endParaRPr>
+                    </a:p>
+                  </a:txBody>
+                  <a:tcPr marL="0" marR="0" marT="0" marB="0" anchor="ctr" anchorCtr="0">
+                    <a:lnL>
+                      <a:noFill/>
+                    </a:lnL>
+                    <a:lnR>
+                      <a:noFill/>
+                    </a:lnR>
+                    <a:lnT>
+                      <a:noFill/>
+                    </a:lnT>
+                    <a:lnB>
+                      <a:noFill/>
+                    </a:lnB>
+                    <a:noFill/>
+                  </a:tcPr>
+                </a:tc>
+                <a:tc>
+                  <a:txBody>
+                    <a:bodyPr/>
+                    <a:p>
+                      <a:pPr algn="ctr">
+                        <a:lnSpc>
+                          <a:spcPct val="150000"/>
+                        </a:lnSpc>
+                        <a:spcBef>
+                          <a:spcPct val="0"/>
+                        </a:spcBef>
+                        <a:spcAft>
+                          <a:spcPct val="0"/>
+                        </a:spcAft>
+                      </a:pPr>
+                      <a:r>
+                        <a:rPr sz="1800">
+                          <a:latin typeface="Times New Roman" panose="02020603050405020304" charset="0"/>
+                          <a:ea typeface="SimSun" panose="02010600030101010101" pitchFamily="2" charset="-122"/>
+                          <a:cs typeface="Times New Roman" panose="02020603050405020304" charset="0"/>
+                        </a:rPr>
+                        <a:t>7500.00</a:t>
+                      </a:r>
+                      <a:endParaRPr sz="1800">
+                        <a:latin typeface="Times New Roman" panose="02020603050405020304" charset="0"/>
+                        <a:ea typeface="SimSun" panose="02010600030101010101" pitchFamily="2" charset="-122"/>
+                        <a:cs typeface="Times New Roman" panose="02020603050405020304" charset="0"/>
+                      </a:endParaRPr>
+                    </a:p>
+                  </a:txBody>
+                  <a:tcPr marL="0" marR="0" marT="0" marB="0" anchor="ctr" anchorCtr="0">
+                    <a:lnL>
+                      <a:noFill/>
+                    </a:lnL>
+                    <a:lnR>
+                      <a:noFill/>
+                    </a:lnR>
+                    <a:lnT>
+                      <a:noFill/>
+                    </a:lnT>
+                    <a:lnB>
+                      <a:noFill/>
+                    </a:lnB>
+                    <a:noFill/>
+                  </a:tcPr>
+                </a:tc>
+                <a:tc>
+                  <a:txBody>
+                    <a:bodyPr/>
+                    <a:p>
+                      <a:pPr algn="ctr">
+                        <a:lnSpc>
+                          <a:spcPct val="150000"/>
+                        </a:lnSpc>
+                        <a:spcBef>
+                          <a:spcPct val="0"/>
+                        </a:spcBef>
+                        <a:spcAft>
+                          <a:spcPct val="0"/>
+                        </a:spcAft>
+                      </a:pPr>
+                      <a:r>
+                        <a:rPr sz="1800">
+                          <a:latin typeface="Times New Roman" panose="02020603050405020304" charset="0"/>
+                          <a:ea typeface="SimSun" panose="02010600030101010101" pitchFamily="2" charset="-122"/>
+                          <a:cs typeface="Times New Roman" panose="02020603050405020304" charset="0"/>
+                        </a:rPr>
+                        <a:t>500.00</a:t>
+                      </a:r>
+                      <a:endParaRPr sz="1800">
+                        <a:latin typeface="Times New Roman" panose="02020603050405020304" charset="0"/>
+                        <a:ea typeface="SimSun" panose="02010600030101010101" pitchFamily="2" charset="-122"/>
+                        <a:cs typeface="Times New Roman" panose="02020603050405020304" charset="0"/>
+                      </a:endParaRPr>
+                    </a:p>
+                  </a:txBody>
+                  <a:tcPr marL="0" marR="0" marT="0" marB="0" anchor="ctr" anchorCtr="0">
+                    <a:lnL>
+                      <a:noFill/>
+                    </a:lnL>
+                    <a:lnR>
+                      <a:noFill/>
+                    </a:lnR>
+                    <a:lnT>
+                      <a:noFill/>
+                    </a:lnT>
+                    <a:lnB>
+                      <a:noFill/>
+                    </a:lnB>
+                    <a:noFill/>
+                  </a:tcPr>
+                </a:tc>
+                <a:tc>
+                  <a:txBody>
+                    <a:bodyPr/>
+                    <a:p>
+                      <a:pPr algn="ctr">
+                        <a:lnSpc>
+                          <a:spcPct val="150000"/>
+                        </a:lnSpc>
+                        <a:spcBef>
+                          <a:spcPct val="0"/>
+                        </a:spcBef>
+                        <a:spcAft>
+                          <a:spcPct val="0"/>
+                        </a:spcAft>
+                      </a:pPr>
+                      <a:r>
+                        <a:rPr sz="1800">
+                          <a:latin typeface="Times New Roman" panose="02020603050405020304" charset="0"/>
+                          <a:ea typeface="SimSun" panose="02010600030101010101" pitchFamily="2" charset="-122"/>
+                          <a:cs typeface="Times New Roman" panose="02020603050405020304" charset="0"/>
+                        </a:rPr>
+                        <a:t>NOW()</a:t>
+                      </a:r>
+                      <a:endParaRPr sz="1800">
+                        <a:latin typeface="Times New Roman" panose="02020603050405020304" charset="0"/>
+                        <a:ea typeface="SimSun" panose="02010600030101010101" pitchFamily="2" charset="-122"/>
+                        <a:cs typeface="Times New Roman" panose="02020603050405020304" charset="0"/>
+                      </a:endParaRPr>
+                    </a:p>
+                  </a:txBody>
+                  <a:tcPr marL="0" marR="0" marT="0" marB="0" anchor="ctr" anchorCtr="0">
+                    <a:lnL>
+                      <a:noFill/>
+                    </a:lnL>
+                    <a:lnR>
+                      <a:noFill/>
+                    </a:lnR>
+                    <a:lnT>
+                      <a:noFill/>
+                    </a:lnT>
+                    <a:lnB>
+                      <a:noFill/>
+                    </a:lnB>
+                    <a:noFill/>
+                  </a:tcPr>
+                </a:tc>
               </a:tr>
               <a:tr h="0">
                 <a:tc>
@@ -17142,6 +17883,190 @@
                     <a:noFill/>
                   </a:tcPr>
                 </a:tc>
+                <a:tc>
+                  <a:txBody>
+                    <a:bodyPr/>
+                    <a:p>
+                      <a:pPr algn="ctr">
+                        <a:lnSpc>
+                          <a:spcPct val="150000"/>
+                        </a:lnSpc>
+                        <a:spcBef>
+                          <a:spcPct val="0"/>
+                        </a:spcBef>
+                        <a:spcAft>
+                          <a:spcPct val="0"/>
+                        </a:spcAft>
+                      </a:pPr>
+                      <a:r>
+                        <a:rPr sz="1800">
+                          <a:latin typeface="Times New Roman" panose="02020603050405020304" charset="0"/>
+                          <a:ea typeface="SimSun" panose="02010600030101010101" pitchFamily="2" charset="-122"/>
+                          <a:cs typeface="Times New Roman" panose="02020603050405020304" charset="0"/>
+                        </a:rPr>
+                        <a:t>6000.00</a:t>
+                      </a:r>
+                      <a:endParaRPr sz="1800">
+                        <a:latin typeface="Times New Roman" panose="02020603050405020304" charset="0"/>
+                        <a:ea typeface="SimSun" panose="02010600030101010101" pitchFamily="2" charset="-122"/>
+                        <a:cs typeface="Times New Roman" panose="02020603050405020304" charset="0"/>
+                      </a:endParaRPr>
+                    </a:p>
+                  </a:txBody>
+                  <a:tcPr marL="0" marR="0" marT="0" marB="0" anchor="ctr" anchorCtr="0">
+                    <a:lnL>
+                      <a:noFill/>
+                    </a:lnL>
+                    <a:lnR>
+                      <a:noFill/>
+                    </a:lnR>
+                    <a:lnT>
+                      <a:noFill/>
+                    </a:lnT>
+                    <a:lnB>
+                      <a:noFill/>
+                    </a:lnB>
+                    <a:noFill/>
+                  </a:tcPr>
+                </a:tc>
+                <a:tc>
+                  <a:txBody>
+                    <a:bodyPr/>
+                    <a:p>
+                      <a:pPr algn="ctr">
+                        <a:lnSpc>
+                          <a:spcPct val="150000"/>
+                        </a:lnSpc>
+                        <a:spcBef>
+                          <a:spcPct val="0"/>
+                        </a:spcBef>
+                        <a:spcAft>
+                          <a:spcPct val="0"/>
+                        </a:spcAft>
+                      </a:pPr>
+                      <a:r>
+                        <a:rPr sz="1800">
+                          <a:latin typeface="Times New Roman" panose="02020603050405020304" charset="0"/>
+                          <a:ea typeface="SimSun" panose="02010600030101010101" pitchFamily="2" charset="-122"/>
+                          <a:cs typeface="Times New Roman" panose="02020603050405020304" charset="0"/>
+                        </a:rPr>
+                        <a:t>5900.00</a:t>
+                      </a:r>
+                      <a:endParaRPr sz="1800">
+                        <a:latin typeface="Times New Roman" panose="02020603050405020304" charset="0"/>
+                        <a:ea typeface="SimSun" panose="02010600030101010101" pitchFamily="2" charset="-122"/>
+                        <a:cs typeface="Times New Roman" panose="02020603050405020304" charset="0"/>
+                      </a:endParaRPr>
+                    </a:p>
+                  </a:txBody>
+                  <a:tcPr marL="0" marR="0" marT="0" marB="0" anchor="ctr" anchorCtr="0">
+                    <a:lnL>
+                      <a:noFill/>
+                    </a:lnL>
+                    <a:lnR>
+                      <a:noFill/>
+                    </a:lnR>
+                    <a:lnT>
+                      <a:noFill/>
+                    </a:lnT>
+                    <a:lnB>
+                      <a:noFill/>
+                    </a:lnB>
+                    <a:noFill/>
+                  </a:tcPr>
+                </a:tc>
+                <a:tc>
+                  <a:txBody>
+                    <a:bodyPr/>
+                    <a:p>
+                      <a:pPr algn="ctr">
+                        <a:lnSpc>
+                          <a:spcPct val="150000"/>
+                        </a:lnSpc>
+                        <a:spcBef>
+                          <a:spcPct val="0"/>
+                        </a:spcBef>
+                        <a:spcAft>
+                          <a:spcPct val="0"/>
+                        </a:spcAft>
+                      </a:pPr>
+                      <a:r>
+                        <a:rPr sz="1800">
+                          <a:latin typeface="Times New Roman" panose="02020603050405020304" charset="0"/>
+                          <a:ea typeface="SimSun" panose="02010600030101010101" pitchFamily="2" charset="-122"/>
+                          <a:cs typeface="Times New Roman" panose="02020603050405020304" charset="0"/>
+                        </a:rPr>
+                        <a:t>100.00</a:t>
+                      </a:r>
+                      <a:endParaRPr sz="1800">
+                        <a:latin typeface="Times New Roman" panose="02020603050405020304" charset="0"/>
+                        <a:ea typeface="SimSun" panose="02010600030101010101" pitchFamily="2" charset="-122"/>
+                        <a:cs typeface="Times New Roman" panose="02020603050405020304" charset="0"/>
+                      </a:endParaRPr>
+                    </a:p>
+                  </a:txBody>
+                  <a:tcPr marL="0" marR="0" marT="0" marB="0" anchor="ctr" anchorCtr="0">
+                    <a:lnL>
+                      <a:noFill/>
+                    </a:lnL>
+                    <a:lnR>
+                      <a:noFill/>
+                    </a:lnR>
+                    <a:lnT>
+                      <a:noFill/>
+                    </a:lnT>
+                    <a:lnB>
+                      <a:noFill/>
+                    </a:lnB>
+                    <a:noFill/>
+                  </a:tcPr>
+                </a:tc>
+                <a:tc>
+                  <a:txBody>
+                    <a:bodyPr/>
+                    <a:p>
+                      <a:pPr algn="ctr">
+                        <a:lnSpc>
+                          <a:spcPct val="150000"/>
+                        </a:lnSpc>
+                        <a:spcBef>
+                          <a:spcPct val="0"/>
+                        </a:spcBef>
+                        <a:spcAft>
+                          <a:spcPct val="0"/>
+                        </a:spcAft>
+                      </a:pPr>
+                      <a:r>
+                        <a:rPr sz="1800">
+                          <a:latin typeface="Times New Roman" panose="02020603050405020304" charset="0"/>
+                          <a:ea typeface="SimSun" panose="02010600030101010101" pitchFamily="2" charset="-122"/>
+                          <a:cs typeface="Times New Roman" panose="02020603050405020304" charset="0"/>
+                        </a:rPr>
+                        <a:t>NOW()</a:t>
+                      </a:r>
+                      <a:endParaRPr sz="1800">
+                        <a:latin typeface="Times New Roman" panose="02020603050405020304" charset="0"/>
+                        <a:ea typeface="SimSun" panose="02010600030101010101" pitchFamily="2" charset="-122"/>
+                        <a:cs typeface="Times New Roman" panose="02020603050405020304" charset="0"/>
+                      </a:endParaRPr>
+                    </a:p>
+                  </a:txBody>
+                  <a:tcPr marL="0" marR="0" marT="0" marB="0" anchor="ctr" anchorCtr="0">
+                    <a:lnL>
+                      <a:noFill/>
+                    </a:lnL>
+                    <a:lnR>
+                      <a:noFill/>
+                    </a:lnR>
+                    <a:lnT>
+                      <a:noFill/>
+                    </a:lnT>
+                    <a:lnB>
+                      <a:noFill/>
+                    </a:lnB>
+                    <a:noFill/>
+                  </a:tcPr>
+                </a:tc>
               </a:tr>
               <a:tr h="0">
                 <a:tc>
@@ -17236,128 +18161,6 @@
                     <a:noFill/>
                   </a:tcPr>
                 </a:tc>
-              </a:tr>
-            </a:tbl>
-          </a:graphicData>
-        </a:graphic>
-      </p:graphicFrame>
-      <p:graphicFrame>
-        <p:nvGraphicFramePr>
-          <p:cNvPr id="11" name="Tabela 10"/>
-          <p:cNvGraphicFramePr/>
-          <p:nvPr>
-            <p:custDataLst>
-              <p:tags r:id="rId1"/>
-            </p:custDataLst>
-          </p:nvPr>
-        </p:nvGraphicFramePr>
-        <p:xfrm>
-          <a:off x="5814060" y="2259965"/>
-          <a:ext cx="5024120" cy="2468880"/>
-        </p:xfrm>
-        <a:graphic>
-          <a:graphicData uri="http://schemas.openxmlformats.org/drawingml/2006/table">
-            <a:tbl>
-              <a:tblPr/>
-              <a:tblGrid>
-                <a:gridCol w="2101850"/>
-                <a:gridCol w="2922270"/>
-              </a:tblGrid>
-              <a:tr h="0">
-                <a:tc>
-                  <a:txBody>
-                    <a:bodyPr/>
-                    <a:p>
-                      <a:pPr algn="ctr">
-                        <a:lnSpc>
-                          <a:spcPct val="150000"/>
-                        </a:lnSpc>
-                        <a:spcBef>
-                          <a:spcPct val="0"/>
-                        </a:spcBef>
-                        <a:spcAft>
-                          <a:spcPct val="0"/>
-                        </a:spcAft>
-                      </a:pPr>
-                      <a:r>
-                        <a:rPr sz="1800" b="1">
-                          <a:latin typeface="Times New Roman" panose="02020603050405020304" charset="0"/>
-                          <a:ea typeface="SimSun" panose="02010600030101010101" pitchFamily="2" charset="-122"/>
-                          <a:cs typeface="Times New Roman" panose="02020603050405020304" charset="0"/>
-                        </a:rPr>
-                        <a:t>Quantidade</a:t>
-                      </a:r>
-                      <a:endParaRPr sz="1800" b="1">
-                        <a:latin typeface="Times New Roman" panose="02020603050405020304" charset="0"/>
-                        <a:ea typeface="SimSun" panose="02010600030101010101" pitchFamily="2" charset="-122"/>
-                        <a:cs typeface="Times New Roman" panose="02020603050405020304" charset="0"/>
-                      </a:endParaRPr>
-                    </a:p>
-                  </a:txBody>
-                  <a:tcPr marL="0" marR="0" marT="0" marB="0" anchor="ctr" anchorCtr="0">
-                    <a:lnL>
-                      <a:noFill/>
-                    </a:lnL>
-                    <a:lnR>
-                      <a:noFill/>
-                    </a:lnR>
-                    <a:lnT>
-                      <a:noFill/>
-                    </a:lnT>
-                    <a:lnB>
-                      <a:noFill/>
-                    </a:lnB>
-                    <a:noFill/>
-                  </a:tcPr>
-                </a:tc>
-                <a:tc>
-                  <a:txBody>
-                    <a:bodyPr/>
-                    <a:p>
-                      <a:pPr algn="ctr">
-                        <a:lnSpc>
-                          <a:spcPct val="150000"/>
-                        </a:lnSpc>
-                        <a:spcBef>
-                          <a:spcPct val="0"/>
-                        </a:spcBef>
-                        <a:spcAft>
-                          <a:spcPct val="0"/>
-                        </a:spcAft>
-                      </a:pPr>
-                      <a:r>
-                        <a:rPr sz="1800" b="1">
-                          <a:latin typeface="Times New Roman" panose="02020603050405020304" charset="0"/>
-                          <a:ea typeface="SimSun" panose="02010600030101010101" pitchFamily="2" charset="-122"/>
-                          <a:cs typeface="Times New Roman" panose="02020603050405020304" charset="0"/>
-                        </a:rPr>
-                        <a:t>Preço Unitário</a:t>
-                      </a:r>
-                      <a:endParaRPr sz="1800" b="1">
-                        <a:latin typeface="Times New Roman" panose="02020603050405020304" charset="0"/>
-                        <a:ea typeface="SimSun" panose="02010600030101010101" pitchFamily="2" charset="-122"/>
-                        <a:cs typeface="Times New Roman" panose="02020603050405020304" charset="0"/>
-                      </a:endParaRPr>
-                    </a:p>
-                  </a:txBody>
-                  <a:tcPr marL="0" marR="0" marT="0" marB="0" anchor="ctr" anchorCtr="0">
-                    <a:lnL>
-                      <a:noFill/>
-                    </a:lnL>
-                    <a:lnR>
-                      <a:noFill/>
-                    </a:lnR>
-                    <a:lnT>
-                      <a:noFill/>
-                    </a:lnT>
-                    <a:lnB>
-                      <a:noFill/>
-                    </a:lnB>
-                    <a:noFill/>
-                  </a:tcPr>
-                </a:tc>
-              </a:tr>
-              <a:tr h="0">
                 <a:tc>
                   <a:txBody>
                     <a:bodyPr/>
@@ -17379,7 +18182,7 @@
                           <a:ea typeface="SimSun" panose="02010600030101010101" pitchFamily="2" charset="-122"/>
                           <a:cs typeface="Times New Roman" panose="02020603050405020304" charset="0"/>
                         </a:rPr>
-                        <a:t>2</a:t>
+                        <a:t>4000.00</a:t>
                       </a:r>
                       <a:endParaRPr sz="1800">
                         <a:latin typeface="Times New Roman" panose="02020603050405020304" charset="0"/>
@@ -17425,7 +18228,7 @@
                           <a:ea typeface="SimSun" panose="02010600030101010101" pitchFamily="2" charset="-122"/>
                           <a:cs typeface="Times New Roman" panose="02020603050405020304" charset="0"/>
                         </a:rPr>
-                        <a:t>1200.00</a:t>
+                        <a:t>3500.00</a:t>
                       </a:r>
                       <a:endParaRPr sz="1800">
                         <a:latin typeface="Times New Roman" panose="02020603050405020304" charset="0"/>
@@ -17450,8 +18253,6 @@
                     <a:noFill/>
                   </a:tcPr>
                 </a:tc>
-              </a:tr>
-              <a:tr h="0">
                 <a:tc>
                   <a:txBody>
                     <a:bodyPr/>
@@ -17473,7 +18274,7 @@
                           <a:ea typeface="SimSun" panose="02010600030101010101" pitchFamily="2" charset="-122"/>
                           <a:cs typeface="Times New Roman" panose="02020603050405020304" charset="0"/>
                         </a:rPr>
-                        <a:t>1</a:t>
+                        <a:t>500.00</a:t>
                       </a:r>
                       <a:endParaRPr sz="1800">
                         <a:latin typeface="Times New Roman" panose="02020603050405020304" charset="0"/>
@@ -17519,289 +18320,7 @@
                           <a:ea typeface="SimSun" panose="02010600030101010101" pitchFamily="2" charset="-122"/>
                           <a:cs typeface="Times New Roman" panose="02020603050405020304" charset="0"/>
                         </a:rPr>
-                        <a:t>2500.00</a:t>
-                      </a:r>
-                      <a:endParaRPr sz="1800">
-                        <a:latin typeface="Times New Roman" panose="02020603050405020304" charset="0"/>
-                        <a:ea typeface="SimSun" panose="02010600030101010101" pitchFamily="2" charset="-122"/>
-                        <a:cs typeface="Times New Roman" panose="02020603050405020304" charset="0"/>
-                      </a:endParaRPr>
-                    </a:p>
-                  </a:txBody>
-                  <a:tcPr marL="0" marR="0" marT="0" marB="0" anchor="ctr" anchorCtr="0">
-                    <a:lnL>
-                      <a:noFill/>
-                    </a:lnL>
-                    <a:lnR>
-                      <a:noFill/>
-                    </a:lnR>
-                    <a:lnT>
-                      <a:noFill/>
-                    </a:lnT>
-                    <a:lnB>
-                      <a:noFill/>
-                    </a:lnB>
-                    <a:noFill/>
-                  </a:tcPr>
-                </a:tc>
-              </a:tr>
-              <a:tr h="0">
-                <a:tc>
-                  <a:txBody>
-                    <a:bodyPr/>
-                    <a:p>
-                      <a:pPr algn="ctr">
-                        <a:lnSpc>
-                          <a:spcPct val="150000"/>
-                        </a:lnSpc>
-                        <a:spcBef>
-                          <a:spcPct val="0"/>
-                        </a:spcBef>
-                        <a:spcAft>
-                          <a:spcPct val="0"/>
-                        </a:spcAft>
-                      </a:pPr>
-                      <a:r>
-                        <a:rPr sz="1800">
-                          <a:latin typeface="Times New Roman" panose="02020603050405020304" charset="0"/>
-                          <a:ea typeface="SimSun" panose="02010600030101010101" pitchFamily="2" charset="-122"/>
-                          <a:cs typeface="Times New Roman" panose="02020603050405020304" charset="0"/>
-                        </a:rPr>
-                        <a:t>3</a:t>
-                      </a:r>
-                      <a:endParaRPr sz="1800">
-                        <a:latin typeface="Times New Roman" panose="02020603050405020304" charset="0"/>
-                        <a:ea typeface="SimSun" panose="02010600030101010101" pitchFamily="2" charset="-122"/>
-                        <a:cs typeface="Times New Roman" panose="02020603050405020304" charset="0"/>
-                      </a:endParaRPr>
-                    </a:p>
-                  </a:txBody>
-                  <a:tcPr marL="0" marR="0" marT="0" marB="0" anchor="ctr" anchorCtr="0">
-                    <a:lnL>
-                      <a:noFill/>
-                    </a:lnL>
-                    <a:lnR>
-                      <a:noFill/>
-                    </a:lnR>
-                    <a:lnT>
-                      <a:noFill/>
-                    </a:lnT>
-                    <a:lnB>
-                      <a:noFill/>
-                    </a:lnB>
-                    <a:noFill/>
-                  </a:tcPr>
-                </a:tc>
-                <a:tc>
-                  <a:txBody>
-                    <a:bodyPr/>
-                    <a:p>
-                      <a:pPr algn="ctr">
-                        <a:lnSpc>
-                          <a:spcPct val="150000"/>
-                        </a:lnSpc>
-                        <a:spcBef>
-                          <a:spcPct val="0"/>
-                        </a:spcBef>
-                        <a:spcAft>
-                          <a:spcPct val="0"/>
-                        </a:spcAft>
-                      </a:pPr>
-                      <a:r>
-                        <a:rPr sz="1800">
-                          <a:latin typeface="Times New Roman" panose="02020603050405020304" charset="0"/>
-                          <a:ea typeface="SimSun" panose="02010600030101010101" pitchFamily="2" charset="-122"/>
-                          <a:cs typeface="Times New Roman" panose="02020603050405020304" charset="0"/>
-                        </a:rPr>
-                        <a:t>1800.00</a:t>
-                      </a:r>
-                      <a:endParaRPr sz="1800">
-                        <a:latin typeface="Times New Roman" panose="02020603050405020304" charset="0"/>
-                        <a:ea typeface="SimSun" panose="02010600030101010101" pitchFamily="2" charset="-122"/>
-                        <a:cs typeface="Times New Roman" panose="02020603050405020304" charset="0"/>
-                      </a:endParaRPr>
-                    </a:p>
-                  </a:txBody>
-                  <a:tcPr marL="0" marR="0" marT="0" marB="0" anchor="ctr" anchorCtr="0">
-                    <a:lnL>
-                      <a:noFill/>
-                    </a:lnL>
-                    <a:lnR>
-                      <a:noFill/>
-                    </a:lnR>
-                    <a:lnT>
-                      <a:noFill/>
-                    </a:lnT>
-                    <a:lnB>
-                      <a:noFill/>
-                    </a:lnB>
-                    <a:noFill/>
-                  </a:tcPr>
-                </a:tc>
-              </a:tr>
-              <a:tr h="0">
-                <a:tc>
-                  <a:txBody>
-                    <a:bodyPr/>
-                    <a:p>
-                      <a:pPr algn="ctr">
-                        <a:lnSpc>
-                          <a:spcPct val="150000"/>
-                        </a:lnSpc>
-                        <a:spcBef>
-                          <a:spcPct val="0"/>
-                        </a:spcBef>
-                        <a:spcAft>
-                          <a:spcPct val="0"/>
-                        </a:spcAft>
-                      </a:pPr>
-                      <a:r>
-                        <a:rPr sz="1800">
-                          <a:latin typeface="Times New Roman" panose="02020603050405020304" charset="0"/>
-                          <a:ea typeface="SimSun" panose="02010600030101010101" pitchFamily="2" charset="-122"/>
-                          <a:cs typeface="Times New Roman" panose="02020603050405020304" charset="0"/>
-                        </a:rPr>
-                        <a:t>2</a:t>
-                      </a:r>
-                      <a:endParaRPr sz="1800">
-                        <a:latin typeface="Times New Roman" panose="02020603050405020304" charset="0"/>
-                        <a:ea typeface="SimSun" panose="02010600030101010101" pitchFamily="2" charset="-122"/>
-                        <a:cs typeface="Times New Roman" panose="02020603050405020304" charset="0"/>
-                      </a:endParaRPr>
-                    </a:p>
-                  </a:txBody>
-                  <a:tcPr marL="0" marR="0" marT="0" marB="0" anchor="ctr" anchorCtr="0">
-                    <a:lnL>
-                      <a:noFill/>
-                    </a:lnL>
-                    <a:lnR>
-                      <a:noFill/>
-                    </a:lnR>
-                    <a:lnT>
-                      <a:noFill/>
-                    </a:lnT>
-                    <a:lnB>
-                      <a:noFill/>
-                    </a:lnB>
-                    <a:noFill/>
-                  </a:tcPr>
-                </a:tc>
-                <a:tc>
-                  <a:txBody>
-                    <a:bodyPr/>
-                    <a:p>
-                      <a:pPr algn="ctr">
-                        <a:lnSpc>
-                          <a:spcPct val="150000"/>
-                        </a:lnSpc>
-                        <a:spcBef>
-                          <a:spcPct val="0"/>
-                        </a:spcBef>
-                        <a:spcAft>
-                          <a:spcPct val="0"/>
-                        </a:spcAft>
-                      </a:pPr>
-                      <a:r>
-                        <a:rPr sz="1800">
-                          <a:latin typeface="Times New Roman" panose="02020603050405020304" charset="0"/>
-                          <a:ea typeface="SimSun" panose="02010600030101010101" pitchFamily="2" charset="-122"/>
-                          <a:cs typeface="Times New Roman" panose="02020603050405020304" charset="0"/>
-                        </a:rPr>
-                        <a:t>2200.00</a:t>
-                      </a:r>
-                      <a:endParaRPr sz="1800">
-                        <a:latin typeface="Times New Roman" panose="02020603050405020304" charset="0"/>
-                        <a:ea typeface="SimSun" panose="02010600030101010101" pitchFamily="2" charset="-122"/>
-                        <a:cs typeface="Times New Roman" panose="02020603050405020304" charset="0"/>
-                      </a:endParaRPr>
-                    </a:p>
-                  </a:txBody>
-                  <a:tcPr marL="0" marR="0" marT="0" marB="0" anchor="ctr" anchorCtr="0">
-                    <a:lnL>
-                      <a:noFill/>
-                    </a:lnL>
-                    <a:lnR>
-                      <a:noFill/>
-                    </a:lnR>
-                    <a:lnT>
-                      <a:noFill/>
-                    </a:lnT>
-                    <a:lnB>
-                      <a:noFill/>
-                    </a:lnB>
-                    <a:noFill/>
-                  </a:tcPr>
-                </a:tc>
-              </a:tr>
-              <a:tr h="0">
-                <a:tc>
-                  <a:txBody>
-                    <a:bodyPr/>
-                    <a:p>
-                      <a:pPr algn="ctr">
-                        <a:lnSpc>
-                          <a:spcPct val="150000"/>
-                        </a:lnSpc>
-                        <a:spcBef>
-                          <a:spcPct val="0"/>
-                        </a:spcBef>
-                        <a:spcAft>
-                          <a:spcPct val="0"/>
-                        </a:spcAft>
-                      </a:pPr>
-                      <a:r>
-                        <a:rPr sz="1800">
-                          <a:latin typeface="Times New Roman" panose="02020603050405020304" charset="0"/>
-                          <a:ea typeface="SimSun" panose="02010600030101010101" pitchFamily="2" charset="-122"/>
-                          <a:cs typeface="Times New Roman" panose="02020603050405020304" charset="0"/>
-                        </a:rPr>
-                        <a:t>4</a:t>
-                      </a:r>
-                      <a:endParaRPr sz="1800">
-                        <a:latin typeface="Times New Roman" panose="02020603050405020304" charset="0"/>
-                        <a:ea typeface="SimSun" panose="02010600030101010101" pitchFamily="2" charset="-122"/>
-                        <a:cs typeface="Times New Roman" panose="02020603050405020304" charset="0"/>
-                      </a:endParaRPr>
-                    </a:p>
-                  </a:txBody>
-                  <a:tcPr marL="0" marR="0" marT="0" marB="0" anchor="ctr" anchorCtr="0">
-                    <a:lnL>
-                      <a:noFill/>
-                    </a:lnL>
-                    <a:lnR>
-                      <a:noFill/>
-                    </a:lnR>
-                    <a:lnT>
-                      <a:noFill/>
-                    </a:lnT>
-                    <a:lnB>
-                      <a:noFill/>
-                    </a:lnB>
-                    <a:noFill/>
-                  </a:tcPr>
-                </a:tc>
-                <a:tc>
-                  <a:txBody>
-                    <a:bodyPr/>
-                    <a:p>
-                      <a:pPr algn="ctr">
-                        <a:lnSpc>
-                          <a:spcPct val="150000"/>
-                        </a:lnSpc>
-                        <a:spcBef>
-                          <a:spcPct val="0"/>
-                        </a:spcBef>
-                        <a:spcAft>
-                          <a:spcPct val="0"/>
-                        </a:spcAft>
-                      </a:pPr>
-                      <a:r>
-                        <a:rPr sz="1800">
-                          <a:latin typeface="Times New Roman" panose="02020603050405020304" charset="0"/>
-                          <a:ea typeface="SimSun" panose="02010600030101010101" pitchFamily="2" charset="-122"/>
-                          <a:cs typeface="Times New Roman" panose="02020603050405020304" charset="0"/>
-                        </a:rPr>
-                        <a:t>1500.00</a:t>
+                        <a:t>NOW()</a:t>
                       </a:r>
                       <a:endParaRPr sz="1800">
                         <a:latin typeface="Times New Roman" panose="02020603050405020304" charset="0"/>
@@ -17870,417 +18389,6 @@
       </p:grpSpPr>
       <p:sp>
         <p:nvSpPr>
-          <p:cNvPr id="6" name="Caixa de Texto 5"/>
-          <p:cNvSpPr txBox="1"/>
-          <p:nvPr/>
-        </p:nvSpPr>
-        <p:spPr>
-          <a:xfrm>
-            <a:off x="680720" y="1164590"/>
-            <a:ext cx="10828655" cy="3546475"/>
-          </a:xfrm>
-          <a:prstGeom prst="rect">
-            <a:avLst/>
-          </a:prstGeom>
-        </p:spPr>
-        <p:txBody>
-          <a:bodyPr wrap="square">
-            <a:noAutofit/>
-          </a:bodyPr>
-          <a:p>
-            <a:pPr marL="0" indent="0" algn="just" defTabSz="266700">
-              <a:spcBef>
-                <a:spcPct val="0"/>
-              </a:spcBef>
-              <a:spcAft>
-                <a:spcPct val="0"/>
-              </a:spcAft>
-            </a:pPr>
-            <a:r>
-              <a:rPr lang="en-US" altLang="pt-PT" b="1">
-                <a:latin typeface="Roboto" charset="0"/>
-                <a:ea typeface="SimSun" panose="02010600030101010101" pitchFamily="2" charset="-122"/>
-                <a:cs typeface="Roboto" charset="0"/>
-              </a:rPr>
-              <a:t>1</a:t>
-            </a:r>
-            <a:r>
-              <a:rPr lang="en-US" altLang="en-US" b="1">
-                <a:latin typeface="Roboto" charset="0"/>
-                <a:ea typeface="SimSun" panose="02010600030101010101" pitchFamily="2" charset="-122"/>
-                <a:cs typeface="Roboto" charset="0"/>
-              </a:rPr>
-              <a:t>ª</a:t>
-            </a:r>
-            <a:r>
-              <a:rPr lang="en-US" altLang="pt-PT" b="1">
-                <a:latin typeface="Roboto" charset="0"/>
-                <a:ea typeface="SimSun" panose="02010600030101010101" pitchFamily="2" charset="-122"/>
-                <a:cs typeface="Roboto" charset="0"/>
-              </a:rPr>
-              <a:t> Forma Normal (1FN) - Sem grupos repetitivos</a:t>
-            </a:r>
-            <a:endParaRPr lang="en-US" altLang="pt-PT" b="1">
-              <a:latin typeface="Roboto" charset="0"/>
-              <a:ea typeface="SimSun" panose="02010600030101010101" pitchFamily="2" charset="-122"/>
-              <a:cs typeface="Roboto" charset="0"/>
-            </a:endParaRPr>
-          </a:p>
-          <a:p>
-            <a:pPr marL="0" indent="0" algn="just" defTabSz="266700">
-              <a:spcBef>
-                <a:spcPct val="0"/>
-              </a:spcBef>
-              <a:spcAft>
-                <a:spcPct val="0"/>
-              </a:spcAft>
-            </a:pPr>
-            <a:r>
-              <a:rPr lang="en-US" altLang="pt-PT">
-                <a:latin typeface="Roboto" charset="0"/>
-                <a:ea typeface="SimSun" panose="02010600030101010101" pitchFamily="2" charset="-122"/>
-                <a:cs typeface="Roboto" charset="0"/>
-              </a:rPr>
-              <a:t>	A </a:t>
-            </a:r>
-            <a:r>
-              <a:rPr lang="en-US" altLang="pt-PT" b="1">
-                <a:latin typeface="Roboto" charset="0"/>
-                <a:ea typeface="SimSun" panose="02010600030101010101" pitchFamily="2" charset="-122"/>
-                <a:cs typeface="Roboto" charset="0"/>
-              </a:rPr>
-              <a:t>1FN</a:t>
-            </a:r>
-            <a:r>
-              <a:rPr lang="en-US" altLang="pt-PT">
-                <a:latin typeface="Roboto" charset="0"/>
-                <a:ea typeface="SimSun" panose="02010600030101010101" pitchFamily="2" charset="-122"/>
-                <a:cs typeface="Roboto" charset="0"/>
-              </a:rPr>
-              <a:t> exige que cada coluna armazene apenas </a:t>
-            </a:r>
-            <a:r>
-              <a:rPr lang="en-US" altLang="pt-PT" b="1">
-                <a:latin typeface="Roboto" charset="0"/>
-                <a:ea typeface="SimSun" panose="02010600030101010101" pitchFamily="2" charset="-122"/>
-                <a:cs typeface="Roboto" charset="0"/>
-              </a:rPr>
-              <a:t>valores atômicos</a:t>
-            </a:r>
-            <a:r>
-              <a:rPr lang="en-US" altLang="pt-PT">
-                <a:latin typeface="Roboto" charset="0"/>
-                <a:ea typeface="SimSun" panose="02010600030101010101" pitchFamily="2" charset="-122"/>
-                <a:cs typeface="Roboto" charset="0"/>
-              </a:rPr>
-              <a:t> e que n</a:t>
-            </a:r>
-            <a:r>
-              <a:rPr lang="en-US" altLang="en-US">
-                <a:latin typeface="Roboto" charset="0"/>
-                <a:ea typeface="SimSun" panose="02010600030101010101" pitchFamily="2" charset="-122"/>
-                <a:cs typeface="Roboto" charset="0"/>
-              </a:rPr>
-              <a:t>ã</a:t>
-            </a:r>
-            <a:r>
-              <a:rPr lang="en-US" altLang="pt-PT">
-                <a:latin typeface="Roboto" charset="0"/>
-                <a:ea typeface="SimSun" panose="02010600030101010101" pitchFamily="2" charset="-122"/>
-                <a:cs typeface="Roboto" charset="0"/>
-              </a:rPr>
-              <a:t>o existam grupos repetitivos.  </a:t>
-            </a:r>
-            <a:endParaRPr lang="en-US" altLang="pt-PT">
-              <a:latin typeface="Roboto" charset="0"/>
-              <a:ea typeface="SimSun" panose="02010600030101010101" pitchFamily="2" charset="-122"/>
-              <a:cs typeface="Roboto" charset="0"/>
-            </a:endParaRPr>
-          </a:p>
-          <a:p>
-            <a:pPr marL="0" indent="0" algn="just" defTabSz="266700">
-              <a:spcBef>
-                <a:spcPct val="0"/>
-              </a:spcBef>
-              <a:spcAft>
-                <a:spcPct val="0"/>
-              </a:spcAft>
-            </a:pPr>
-            <a:endParaRPr lang="en-US" altLang="pt-PT">
-              <a:latin typeface="Roboto" charset="0"/>
-              <a:ea typeface="SimSun" panose="02010600030101010101" pitchFamily="2" charset="-122"/>
-              <a:cs typeface="Roboto" charset="0"/>
-            </a:endParaRPr>
-          </a:p>
-          <a:p>
-            <a:pPr marL="0" indent="0" algn="just" defTabSz="266700">
-              <a:spcBef>
-                <a:spcPct val="0"/>
-              </a:spcBef>
-              <a:spcAft>
-                <a:spcPct val="0"/>
-              </a:spcAft>
-            </a:pPr>
-            <a:r>
-              <a:rPr lang="en-US" altLang="pt-PT">
-                <a:latin typeface="Roboto" charset="0"/>
-                <a:ea typeface="SimSun" panose="02010600030101010101" pitchFamily="2" charset="-122"/>
-                <a:cs typeface="Roboto" charset="0"/>
-              </a:rPr>
-              <a:t>Como as tabelas atendem à 1FN?</a:t>
-            </a:r>
-            <a:endParaRPr lang="en-US" altLang="pt-PT">
-              <a:latin typeface="Roboto" charset="0"/>
-              <a:ea typeface="SimSun" panose="02010600030101010101" pitchFamily="2" charset="-122"/>
-              <a:cs typeface="Roboto" charset="0"/>
-            </a:endParaRPr>
-          </a:p>
-          <a:p>
-            <a:pPr marL="0" indent="0" algn="just" defTabSz="266700">
-              <a:spcBef>
-                <a:spcPct val="0"/>
-              </a:spcBef>
-              <a:spcAft>
-                <a:spcPct val="0"/>
-              </a:spcAft>
-            </a:pPr>
-            <a:endParaRPr lang="en-US" altLang="pt-PT">
-              <a:latin typeface="Roboto" charset="0"/>
-              <a:ea typeface="SimSun" panose="02010600030101010101" pitchFamily="2" charset="-122"/>
-              <a:cs typeface="Roboto" charset="0"/>
-            </a:endParaRPr>
-          </a:p>
-          <a:p>
-            <a:pPr marL="0" indent="457200" algn="just" defTabSz="266700">
-              <a:spcBef>
-                <a:spcPct val="0"/>
-              </a:spcBef>
-              <a:spcAft>
-                <a:spcPct val="0"/>
-              </a:spcAft>
-            </a:pPr>
-            <a:r>
-              <a:rPr lang="en-US" altLang="pt-PT">
-                <a:latin typeface="Roboto" charset="0"/>
-                <a:ea typeface="SimSun" panose="02010600030101010101" pitchFamily="2" charset="-122"/>
-                <a:cs typeface="Roboto" charset="0"/>
-              </a:rPr>
-              <a:t>- Cada campo armazena apenas um </a:t>
-            </a:r>
-            <a:r>
-              <a:rPr lang="en-US" altLang="en-US">
-                <a:latin typeface="Roboto" charset="0"/>
-                <a:ea typeface="SimSun" panose="02010600030101010101" pitchFamily="2" charset="-122"/>
-                <a:cs typeface="Roboto" charset="0"/>
-              </a:rPr>
-              <a:t>ú</a:t>
-            </a:r>
-            <a:r>
-              <a:rPr lang="en-US" altLang="pt-PT">
-                <a:latin typeface="Roboto" charset="0"/>
-                <a:ea typeface="SimSun" panose="02010600030101010101" pitchFamily="2" charset="-122"/>
-                <a:cs typeface="Roboto" charset="0"/>
-              </a:rPr>
-              <a:t>nico valor por linha</a:t>
-            </a:r>
-            <a:r>
-              <a:rPr lang="pt-PT" altLang="en-US">
-                <a:latin typeface="Roboto" charset="0"/>
-                <a:ea typeface="SimSun" panose="02010600030101010101" pitchFamily="2" charset="-122"/>
-                <a:cs typeface="Roboto" charset="0"/>
-              </a:rPr>
-              <a:t>;</a:t>
-            </a:r>
-            <a:endParaRPr lang="pt-PT" altLang="en-US">
-              <a:latin typeface="Roboto" charset="0"/>
-              <a:ea typeface="SimSun" panose="02010600030101010101" pitchFamily="2" charset="-122"/>
-              <a:cs typeface="Roboto" charset="0"/>
-            </a:endParaRPr>
-          </a:p>
-          <a:p>
-            <a:pPr marL="0" indent="457200" algn="just" defTabSz="266700">
-              <a:spcBef>
-                <a:spcPct val="0"/>
-              </a:spcBef>
-              <a:spcAft>
-                <a:spcPct val="0"/>
-              </a:spcAft>
-            </a:pPr>
-            <a:endParaRPr lang="en-US" altLang="pt-PT">
-              <a:latin typeface="Roboto" charset="0"/>
-              <a:ea typeface="SimSun" panose="02010600030101010101" pitchFamily="2" charset="-122"/>
-              <a:cs typeface="Roboto" charset="0"/>
-            </a:endParaRPr>
-          </a:p>
-          <a:p>
-            <a:pPr marL="0" indent="457200" algn="just" defTabSz="266700">
-              <a:spcBef>
-                <a:spcPct val="0"/>
-              </a:spcBef>
-              <a:spcAft>
-                <a:spcPct val="0"/>
-              </a:spcAft>
-            </a:pPr>
-            <a:r>
-              <a:rPr lang="en-US" altLang="pt-PT">
-                <a:latin typeface="Roboto" charset="0"/>
-                <a:ea typeface="SimSun" panose="02010600030101010101" pitchFamily="2" charset="-122"/>
-                <a:cs typeface="Roboto" charset="0"/>
-              </a:rPr>
-              <a:t>- Telefones de funcion</a:t>
-            </a:r>
-            <a:r>
-              <a:rPr lang="en-US" altLang="en-US">
-                <a:latin typeface="Roboto" charset="0"/>
-                <a:ea typeface="SimSun" panose="02010600030101010101" pitchFamily="2" charset="-122"/>
-                <a:cs typeface="Roboto" charset="0"/>
-              </a:rPr>
-              <a:t>á</a:t>
-            </a:r>
-            <a:r>
-              <a:rPr lang="en-US" altLang="pt-PT">
-                <a:latin typeface="Roboto" charset="0"/>
-                <a:ea typeface="SimSun" panose="02010600030101010101" pitchFamily="2" charset="-122"/>
-                <a:cs typeface="Roboto" charset="0"/>
-              </a:rPr>
-              <a:t>rios, clientes e fornecedores foram colocados em tabelas separadas (`telefoneFuncionarios`, `telefoneClientes` e `telefoneFornecedores`), em vez de permitir m</a:t>
-            </a:r>
-            <a:r>
-              <a:rPr lang="en-US" altLang="en-US">
-                <a:latin typeface="Roboto" charset="0"/>
-                <a:ea typeface="SimSun" panose="02010600030101010101" pitchFamily="2" charset="-122"/>
-                <a:cs typeface="Roboto" charset="0"/>
-              </a:rPr>
-              <a:t>ú</a:t>
-            </a:r>
-            <a:r>
-              <a:rPr lang="en-US" altLang="pt-PT">
-                <a:latin typeface="Roboto" charset="0"/>
-                <a:ea typeface="SimSun" panose="02010600030101010101" pitchFamily="2" charset="-122"/>
-                <a:cs typeface="Roboto" charset="0"/>
-              </a:rPr>
-              <a:t>ltiplos</a:t>
-            </a:r>
-            <a:r>
-              <a:rPr lang="pt-PT" altLang="en-US">
-                <a:latin typeface="Roboto" charset="0"/>
-                <a:ea typeface="SimSun" panose="02010600030101010101" pitchFamily="2" charset="-122"/>
-                <a:cs typeface="Roboto" charset="0"/>
-              </a:rPr>
-              <a:t> </a:t>
-            </a:r>
-            <a:r>
-              <a:rPr lang="en-US" altLang="pt-PT">
-                <a:latin typeface="Roboto" charset="0"/>
-                <a:ea typeface="SimSun" panose="02010600030101010101" pitchFamily="2" charset="-122"/>
-                <a:cs typeface="Roboto" charset="0"/>
-              </a:rPr>
-              <a:t>n</a:t>
-            </a:r>
-            <a:r>
-              <a:rPr lang="en-US" altLang="en-US">
-                <a:latin typeface="Roboto" charset="0"/>
-                <a:ea typeface="SimSun" panose="02010600030101010101" pitchFamily="2" charset="-122"/>
-                <a:cs typeface="Roboto" charset="0"/>
-              </a:rPr>
-              <a:t>ú</a:t>
-            </a:r>
-            <a:r>
-              <a:rPr lang="en-US" altLang="pt-PT">
-                <a:latin typeface="Roboto" charset="0"/>
-                <a:ea typeface="SimSun" panose="02010600030101010101" pitchFamily="2" charset="-122"/>
-                <a:cs typeface="Roboto" charset="0"/>
-              </a:rPr>
-              <a:t>meros numa </a:t>
-            </a:r>
-            <a:r>
-              <a:rPr lang="en-US" altLang="en-US">
-                <a:latin typeface="Roboto" charset="0"/>
-                <a:ea typeface="SimSun" panose="02010600030101010101" pitchFamily="2" charset="-122"/>
-                <a:cs typeface="Roboto" charset="0"/>
-              </a:rPr>
-              <a:t>ú</a:t>
-            </a:r>
-            <a:r>
-              <a:rPr lang="en-US" altLang="pt-PT">
-                <a:latin typeface="Roboto" charset="0"/>
-                <a:ea typeface="SimSun" panose="02010600030101010101" pitchFamily="2" charset="-122"/>
-                <a:cs typeface="Roboto" charset="0"/>
-              </a:rPr>
-              <a:t>nica c</a:t>
-            </a:r>
-            <a:r>
-              <a:rPr lang="en-US" altLang="en-US">
-                <a:latin typeface="Roboto" charset="0"/>
-                <a:ea typeface="SimSun" panose="02010600030101010101" pitchFamily="2" charset="-122"/>
-                <a:cs typeface="Roboto" charset="0"/>
-              </a:rPr>
-              <a:t>é</a:t>
-            </a:r>
-            <a:r>
-              <a:rPr lang="en-US" altLang="pt-PT">
-                <a:latin typeface="Roboto" charset="0"/>
-                <a:ea typeface="SimSun" panose="02010600030101010101" pitchFamily="2" charset="-122"/>
-                <a:cs typeface="Roboto" charset="0"/>
-              </a:rPr>
-              <a:t>lula</a:t>
-            </a:r>
-            <a:r>
-              <a:rPr lang="pt-PT" altLang="en-US">
-                <a:latin typeface="Roboto" charset="0"/>
-                <a:ea typeface="SimSun" panose="02010600030101010101" pitchFamily="2" charset="-122"/>
-                <a:cs typeface="Roboto" charset="0"/>
-              </a:rPr>
-              <a:t>;</a:t>
-            </a:r>
-            <a:endParaRPr lang="en-US" altLang="pt-PT">
-              <a:latin typeface="Roboto" charset="0"/>
-              <a:ea typeface="SimSun" panose="02010600030101010101" pitchFamily="2" charset="-122"/>
-              <a:cs typeface="Roboto" charset="0"/>
-            </a:endParaRPr>
-          </a:p>
-          <a:p>
-            <a:pPr marL="0" indent="457200" algn="just" defTabSz="266700">
-              <a:spcBef>
-                <a:spcPct val="0"/>
-              </a:spcBef>
-              <a:spcAft>
-                <a:spcPct val="0"/>
-              </a:spcAft>
-            </a:pPr>
-            <a:endParaRPr lang="en-US" altLang="pt-PT">
-              <a:latin typeface="Roboto" charset="0"/>
-              <a:ea typeface="SimSun" panose="02010600030101010101" pitchFamily="2" charset="-122"/>
-              <a:cs typeface="Roboto" charset="0"/>
-            </a:endParaRPr>
-          </a:p>
-          <a:p>
-            <a:pPr marL="0" indent="457200" algn="just" defTabSz="266700">
-              <a:spcBef>
-                <a:spcPct val="0"/>
-              </a:spcBef>
-              <a:spcAft>
-                <a:spcPct val="0"/>
-              </a:spcAft>
-            </a:pPr>
-            <a:r>
-              <a:rPr lang="en-US" altLang="pt-PT">
-                <a:latin typeface="Roboto" charset="0"/>
-                <a:ea typeface="SimSun" panose="02010600030101010101" pitchFamily="2" charset="-122"/>
-                <a:cs typeface="Roboto" charset="0"/>
-              </a:rPr>
-              <a:t>- A tabela `vendaProduto` foi criada para evitar listas de produtos dentro da `vendas`. </a:t>
-            </a:r>
-            <a:endParaRPr lang="en-US" altLang="pt-PT">
-              <a:latin typeface="Roboto" charset="0"/>
-              <a:ea typeface="SimSun" panose="02010600030101010101" pitchFamily="2" charset="-122"/>
-              <a:cs typeface="Roboto" charset="0"/>
-            </a:endParaRPr>
-          </a:p>
-        </p:txBody>
-      </p:sp>
-      <p:sp>
-        <p:nvSpPr>
           <p:cNvPr id="7" name="Caixa de Texto 6"/>
           <p:cNvSpPr txBox="1"/>
           <p:nvPr/>
@@ -18316,7 +18424,7 @@
                 <a:ea typeface="SimSun" panose="02010600030101010101" pitchFamily="2" charset="-122"/>
                 <a:cs typeface="Roboto" charset="0"/>
               </a:rPr>
-              <a:t>Normalização</a:t>
+              <a:t>Modelo Relacional (MR)</a:t>
             </a:r>
             <a:endParaRPr lang="pt-PT" altLang="en-US" sz="2400" b="1">
               <a:solidFill>
@@ -18329,6 +18437,1217 @@
           </a:p>
         </p:txBody>
       </p:sp>
+      <p:sp>
+        <p:nvSpPr>
+          <p:cNvPr id="6" name="Caixa de Texto 5"/>
+          <p:cNvSpPr txBox="1"/>
+          <p:nvPr/>
+        </p:nvSpPr>
+        <p:spPr>
+          <a:xfrm>
+            <a:off x="734060" y="1212533"/>
+            <a:ext cx="5080000" cy="521970"/>
+          </a:xfrm>
+          <a:prstGeom prst="rect">
+            <a:avLst/>
+          </a:prstGeom>
+        </p:spPr>
+        <p:txBody>
+          <a:bodyPr>
+            <a:spAutoFit/>
+          </a:bodyPr>
+          <a:p>
+            <a:pPr defTabSz="266700"/>
+            <a:r>
+              <a:rPr lang="en-US" altLang="pt-PT" sz="2800" b="1">
+                <a:latin typeface="Times New Roman" panose="02020603050405020304"/>
+                <a:ea typeface="Times New Roman" panose="02020603050405020304"/>
+              </a:rPr>
+              <a:t>Venda Produto</a:t>
+            </a:r>
+            <a:endParaRPr lang="en-US" altLang="pt-PT" sz="2800" b="1">
+              <a:latin typeface="Times New Roman" panose="02020603050405020304"/>
+              <a:ea typeface="Times New Roman" panose="02020603050405020304"/>
+            </a:endParaRPr>
+          </a:p>
+        </p:txBody>
+      </p:sp>
+      <p:graphicFrame>
+        <p:nvGraphicFramePr>
+          <p:cNvPr id="10" name="Tabela 9"/>
+          <p:cNvGraphicFramePr/>
+          <p:nvPr/>
+        </p:nvGraphicFramePr>
+        <p:xfrm>
+          <a:off x="1031875" y="2257425"/>
+          <a:ext cx="5024755" cy="1508760"/>
+        </p:xfrm>
+        <a:graphic>
+          <a:graphicData uri="http://schemas.openxmlformats.org/drawingml/2006/table">
+            <a:tbl>
+              <a:tblPr/>
+              <a:tblGrid>
+                <a:gridCol w="2502535"/>
+                <a:gridCol w="2522220"/>
+              </a:tblGrid>
+              <a:tr h="0">
+                <a:tc>
+                  <a:txBody>
+                    <a:bodyPr/>
+                    <a:p>
+                      <a:pPr algn="ctr">
+                        <a:lnSpc>
+                          <a:spcPct val="150000"/>
+                        </a:lnSpc>
+                        <a:spcBef>
+                          <a:spcPct val="0"/>
+                        </a:spcBef>
+                        <a:spcAft>
+                          <a:spcPct val="0"/>
+                        </a:spcAft>
+                      </a:pPr>
+                      <a:r>
+                        <a:rPr sz="1800" b="1">
+                          <a:latin typeface="Times New Roman" panose="02020603050405020304" charset="0"/>
+                          <a:ea typeface="SimSun" panose="02010600030101010101" pitchFamily="2" charset="-122"/>
+                          <a:cs typeface="Times New Roman" panose="02020603050405020304" charset="0"/>
+                        </a:rPr>
+                        <a:t>ID Venda</a:t>
+                      </a:r>
+                      <a:endParaRPr sz="1800" b="1">
+                        <a:latin typeface="Times New Roman" panose="02020603050405020304" charset="0"/>
+                        <a:ea typeface="SimSun" panose="02010600030101010101" pitchFamily="2" charset="-122"/>
+                        <a:cs typeface="Times New Roman" panose="02020603050405020304" charset="0"/>
+                      </a:endParaRPr>
+                    </a:p>
+                  </a:txBody>
+                  <a:tcPr marL="0" marR="0" marT="0" marB="0" anchor="ctr" anchorCtr="0">
+                    <a:lnL>
+                      <a:noFill/>
+                    </a:lnL>
+                    <a:lnR>
+                      <a:noFill/>
+                    </a:lnR>
+                    <a:lnT>
+                      <a:noFill/>
+                    </a:lnT>
+                    <a:lnB>
+                      <a:noFill/>
+                    </a:lnB>
+                    <a:noFill/>
+                  </a:tcPr>
+                </a:tc>
+                <a:tc>
+                  <a:txBody>
+                    <a:bodyPr/>
+                    <a:p>
+                      <a:pPr algn="ctr">
+                        <a:lnSpc>
+                          <a:spcPct val="150000"/>
+                        </a:lnSpc>
+                        <a:spcBef>
+                          <a:spcPct val="0"/>
+                        </a:spcBef>
+                        <a:spcAft>
+                          <a:spcPct val="0"/>
+                        </a:spcAft>
+                      </a:pPr>
+                      <a:r>
+                        <a:rPr sz="1800" b="1">
+                          <a:latin typeface="Times New Roman" panose="02020603050405020304" charset="0"/>
+                          <a:ea typeface="SimSun" panose="02010600030101010101" pitchFamily="2" charset="-122"/>
+                          <a:cs typeface="Times New Roman" panose="02020603050405020304" charset="0"/>
+                        </a:rPr>
+                        <a:t>ID Produto</a:t>
+                      </a:r>
+                      <a:endParaRPr sz="1800" b="1">
+                        <a:latin typeface="Times New Roman" panose="02020603050405020304" charset="0"/>
+                        <a:ea typeface="SimSun" panose="02010600030101010101" pitchFamily="2" charset="-122"/>
+                        <a:cs typeface="Times New Roman" panose="02020603050405020304" charset="0"/>
+                      </a:endParaRPr>
+                    </a:p>
+                  </a:txBody>
+                  <a:tcPr marL="0" marR="0" marT="0" marB="0" anchor="ctr" anchorCtr="0">
+                    <a:lnL>
+                      <a:noFill/>
+                    </a:lnL>
+                    <a:lnR>
+                      <a:noFill/>
+                    </a:lnR>
+                    <a:lnT>
+                      <a:noFill/>
+                    </a:lnT>
+                    <a:lnB>
+                      <a:noFill/>
+                    </a:lnB>
+                    <a:noFill/>
+                  </a:tcPr>
+                </a:tc>
+              </a:tr>
+              <a:tr h="0">
+                <a:tc>
+                  <a:txBody>
+                    <a:bodyPr/>
+                    <a:p>
+                      <a:pPr algn="ctr">
+                        <a:lnSpc>
+                          <a:spcPct val="150000"/>
+                        </a:lnSpc>
+                        <a:spcBef>
+                          <a:spcPct val="0"/>
+                        </a:spcBef>
+                        <a:spcAft>
+                          <a:spcPct val="0"/>
+                        </a:spcAft>
+                      </a:pPr>
+                      <a:r>
+                        <a:rPr sz="1800">
+                          <a:latin typeface="Times New Roman" panose="02020603050405020304" charset="0"/>
+                          <a:ea typeface="SimSun" panose="02010600030101010101" pitchFamily="2" charset="-122"/>
+                          <a:cs typeface="Times New Roman" panose="02020603050405020304" charset="0"/>
+                        </a:rPr>
+                        <a:t>1</a:t>
+                      </a:r>
+                      <a:endParaRPr sz="1800">
+                        <a:latin typeface="Times New Roman" panose="02020603050405020304" charset="0"/>
+                        <a:ea typeface="SimSun" panose="02010600030101010101" pitchFamily="2" charset="-122"/>
+                        <a:cs typeface="Times New Roman" panose="02020603050405020304" charset="0"/>
+                      </a:endParaRPr>
+                    </a:p>
+                  </a:txBody>
+                  <a:tcPr marL="0" marR="0" marT="0" marB="0" anchor="ctr" anchorCtr="0">
+                    <a:lnL>
+                      <a:noFill/>
+                    </a:lnL>
+                    <a:lnR>
+                      <a:noFill/>
+                    </a:lnR>
+                    <a:lnT>
+                      <a:noFill/>
+                    </a:lnT>
+                    <a:lnB>
+                      <a:noFill/>
+                    </a:lnB>
+                    <a:noFill/>
+                  </a:tcPr>
+                </a:tc>
+                <a:tc>
+                  <a:txBody>
+                    <a:bodyPr/>
+                    <a:p>
+                      <a:pPr algn="ctr">
+                        <a:lnSpc>
+                          <a:spcPct val="150000"/>
+                        </a:lnSpc>
+                        <a:spcBef>
+                          <a:spcPct val="0"/>
+                        </a:spcBef>
+                        <a:spcAft>
+                          <a:spcPct val="0"/>
+                        </a:spcAft>
+                      </a:pPr>
+                      <a:r>
+                        <a:rPr sz="1800">
+                          <a:latin typeface="Times New Roman" panose="02020603050405020304" charset="0"/>
+                          <a:ea typeface="SimSun" panose="02010600030101010101" pitchFamily="2" charset="-122"/>
+                          <a:cs typeface="Times New Roman" panose="02020603050405020304" charset="0"/>
+                        </a:rPr>
+                        <a:t>1</a:t>
+                      </a:r>
+                      <a:endParaRPr sz="1800">
+                        <a:latin typeface="Times New Roman" panose="02020603050405020304" charset="0"/>
+                        <a:ea typeface="SimSun" panose="02010600030101010101" pitchFamily="2" charset="-122"/>
+                        <a:cs typeface="Times New Roman" panose="02020603050405020304" charset="0"/>
+                      </a:endParaRPr>
+                    </a:p>
+                  </a:txBody>
+                  <a:tcPr marL="0" marR="0" marT="0" marB="0" anchor="ctr" anchorCtr="0">
+                    <a:lnL>
+                      <a:noFill/>
+                    </a:lnL>
+                    <a:lnR>
+                      <a:noFill/>
+                    </a:lnR>
+                    <a:lnT>
+                      <a:noFill/>
+                    </a:lnT>
+                    <a:lnB>
+                      <a:noFill/>
+                    </a:lnB>
+                    <a:noFill/>
+                  </a:tcPr>
+                </a:tc>
+              </a:tr>
+              <a:tr h="0">
+                <a:tc>
+                  <a:txBody>
+                    <a:bodyPr/>
+                    <a:p>
+                      <a:pPr algn="ctr">
+                        <a:lnSpc>
+                          <a:spcPct val="150000"/>
+                        </a:lnSpc>
+                        <a:spcBef>
+                          <a:spcPct val="0"/>
+                        </a:spcBef>
+                        <a:spcAft>
+                          <a:spcPct val="0"/>
+                        </a:spcAft>
+                      </a:pPr>
+                      <a:r>
+                        <a:rPr sz="1800">
+                          <a:latin typeface="Times New Roman" panose="02020603050405020304" charset="0"/>
+                          <a:ea typeface="SimSun" panose="02010600030101010101" pitchFamily="2" charset="-122"/>
+                          <a:cs typeface="Times New Roman" panose="02020603050405020304" charset="0"/>
+                        </a:rPr>
+                        <a:t>2</a:t>
+                      </a:r>
+                      <a:endParaRPr sz="1800">
+                        <a:latin typeface="Times New Roman" panose="02020603050405020304" charset="0"/>
+                        <a:ea typeface="SimSun" panose="02010600030101010101" pitchFamily="2" charset="-122"/>
+                        <a:cs typeface="Times New Roman" panose="02020603050405020304" charset="0"/>
+                      </a:endParaRPr>
+                    </a:p>
+                  </a:txBody>
+                  <a:tcPr marL="0" marR="0" marT="0" marB="0" anchor="ctr" anchorCtr="0">
+                    <a:lnL>
+                      <a:noFill/>
+                    </a:lnL>
+                    <a:lnR>
+                      <a:noFill/>
+                    </a:lnR>
+                    <a:lnT>
+                      <a:noFill/>
+                    </a:lnT>
+                    <a:lnB>
+                      <a:noFill/>
+                    </a:lnB>
+                    <a:noFill/>
+                  </a:tcPr>
+                </a:tc>
+                <a:tc>
+                  <a:txBody>
+                    <a:bodyPr/>
+                    <a:p>
+                      <a:pPr algn="ctr">
+                        <a:lnSpc>
+                          <a:spcPct val="150000"/>
+                        </a:lnSpc>
+                        <a:spcBef>
+                          <a:spcPct val="0"/>
+                        </a:spcBef>
+                        <a:spcAft>
+                          <a:spcPct val="0"/>
+                        </a:spcAft>
+                      </a:pPr>
+                      <a:r>
+                        <a:rPr sz="1800">
+                          <a:latin typeface="Times New Roman" panose="02020603050405020304" charset="0"/>
+                          <a:ea typeface="SimSun" panose="02010600030101010101" pitchFamily="2" charset="-122"/>
+                          <a:cs typeface="Times New Roman" panose="02020603050405020304" charset="0"/>
+                        </a:rPr>
+                        <a:t>2</a:t>
+                      </a:r>
+                      <a:endParaRPr sz="1800">
+                        <a:latin typeface="Times New Roman" panose="02020603050405020304" charset="0"/>
+                        <a:ea typeface="SimSun" panose="02010600030101010101" pitchFamily="2" charset="-122"/>
+                        <a:cs typeface="Times New Roman" panose="02020603050405020304" charset="0"/>
+                      </a:endParaRPr>
+                    </a:p>
+                  </a:txBody>
+                  <a:tcPr marL="0" marR="0" marT="0" marB="0" anchor="ctr" anchorCtr="0">
+                    <a:lnL>
+                      <a:noFill/>
+                    </a:lnL>
+                    <a:lnR>
+                      <a:noFill/>
+                    </a:lnR>
+                    <a:lnT>
+                      <a:noFill/>
+                    </a:lnT>
+                    <a:lnB>
+                      <a:noFill/>
+                    </a:lnB>
+                    <a:noFill/>
+                  </a:tcPr>
+                </a:tc>
+              </a:tr>
+              <a:tr h="0">
+                <a:tc>
+                  <a:txBody>
+                    <a:bodyPr/>
+                    <a:p>
+                      <a:pPr algn="ctr">
+                        <a:lnSpc>
+                          <a:spcPct val="150000"/>
+                        </a:lnSpc>
+                        <a:spcBef>
+                          <a:spcPct val="0"/>
+                        </a:spcBef>
+                        <a:spcAft>
+                          <a:spcPct val="0"/>
+                        </a:spcAft>
+                      </a:pPr>
+                      <a:r>
+                        <a:rPr sz="1800">
+                          <a:latin typeface="Times New Roman" panose="02020603050405020304" charset="0"/>
+                          <a:ea typeface="SimSun" panose="02010600030101010101" pitchFamily="2" charset="-122"/>
+                          <a:cs typeface="Times New Roman" panose="02020603050405020304" charset="0"/>
+                        </a:rPr>
+                        <a:t>3</a:t>
+                      </a:r>
+                      <a:endParaRPr sz="1800">
+                        <a:latin typeface="Times New Roman" panose="02020603050405020304" charset="0"/>
+                        <a:ea typeface="SimSun" panose="02010600030101010101" pitchFamily="2" charset="-122"/>
+                        <a:cs typeface="Times New Roman" panose="02020603050405020304" charset="0"/>
+                      </a:endParaRPr>
+                    </a:p>
+                  </a:txBody>
+                  <a:tcPr marL="0" marR="0" marT="0" marB="0" anchor="ctr" anchorCtr="0">
+                    <a:lnL>
+                      <a:noFill/>
+                    </a:lnL>
+                    <a:lnR>
+                      <a:noFill/>
+                    </a:lnR>
+                    <a:lnT>
+                      <a:noFill/>
+                    </a:lnT>
+                    <a:lnB>
+                      <a:noFill/>
+                    </a:lnB>
+                    <a:noFill/>
+                  </a:tcPr>
+                </a:tc>
+                <a:tc>
+                  <a:txBody>
+                    <a:bodyPr/>
+                    <a:p>
+                      <a:pPr algn="ctr">
+                        <a:lnSpc>
+                          <a:spcPct val="150000"/>
+                        </a:lnSpc>
+                        <a:spcBef>
+                          <a:spcPct val="0"/>
+                        </a:spcBef>
+                        <a:spcAft>
+                          <a:spcPct val="0"/>
+                        </a:spcAft>
+                      </a:pPr>
+                      <a:r>
+                        <a:rPr sz="1800">
+                          <a:latin typeface="Times New Roman" panose="02020603050405020304" charset="0"/>
+                          <a:ea typeface="SimSun" panose="02010600030101010101" pitchFamily="2" charset="-122"/>
+                          <a:cs typeface="Times New Roman" panose="02020603050405020304" charset="0"/>
+                        </a:rPr>
+                        <a:t>3</a:t>
+                      </a:r>
+                      <a:endParaRPr sz="1800">
+                        <a:latin typeface="Times New Roman" panose="02020603050405020304" charset="0"/>
+                        <a:ea typeface="SimSun" panose="02010600030101010101" pitchFamily="2" charset="-122"/>
+                        <a:cs typeface="Times New Roman" panose="02020603050405020304" charset="0"/>
+                      </a:endParaRPr>
+                    </a:p>
+                  </a:txBody>
+                  <a:tcPr marL="0" marR="0" marT="0" marB="0" anchor="ctr" anchorCtr="0">
+                    <a:lnL>
+                      <a:noFill/>
+                    </a:lnL>
+                    <a:lnR>
+                      <a:noFill/>
+                    </a:lnR>
+                    <a:lnT>
+                      <a:noFill/>
+                    </a:lnT>
+                    <a:lnB>
+                      <a:noFill/>
+                    </a:lnB>
+                    <a:noFill/>
+                  </a:tcPr>
+                </a:tc>
+              </a:tr>
+              <a:tr h="0">
+                <a:tc>
+                  <a:txBody>
+                    <a:bodyPr/>
+                    <a:p>
+                      <a:pPr algn="ctr">
+                        <a:lnSpc>
+                          <a:spcPct val="150000"/>
+                        </a:lnSpc>
+                        <a:spcBef>
+                          <a:spcPct val="0"/>
+                        </a:spcBef>
+                        <a:spcAft>
+                          <a:spcPct val="0"/>
+                        </a:spcAft>
+                      </a:pPr>
+                      <a:r>
+                        <a:rPr sz="1800">
+                          <a:latin typeface="Times New Roman" panose="02020603050405020304" charset="0"/>
+                          <a:ea typeface="SimSun" panose="02010600030101010101" pitchFamily="2" charset="-122"/>
+                          <a:cs typeface="Times New Roman" panose="02020603050405020304" charset="0"/>
+                        </a:rPr>
+                        <a:t>4</a:t>
+                      </a:r>
+                      <a:endParaRPr sz="1800">
+                        <a:latin typeface="Times New Roman" panose="02020603050405020304" charset="0"/>
+                        <a:ea typeface="SimSun" panose="02010600030101010101" pitchFamily="2" charset="-122"/>
+                        <a:cs typeface="Times New Roman" panose="02020603050405020304" charset="0"/>
+                      </a:endParaRPr>
+                    </a:p>
+                  </a:txBody>
+                  <a:tcPr marL="0" marR="0" marT="0" marB="0" anchor="ctr" anchorCtr="0">
+                    <a:lnL>
+                      <a:noFill/>
+                    </a:lnL>
+                    <a:lnR>
+                      <a:noFill/>
+                    </a:lnR>
+                    <a:lnT>
+                      <a:noFill/>
+                    </a:lnT>
+                    <a:lnB>
+                      <a:noFill/>
+                    </a:lnB>
+                    <a:noFill/>
+                  </a:tcPr>
+                </a:tc>
+                <a:tc>
+                  <a:txBody>
+                    <a:bodyPr/>
+                    <a:p>
+                      <a:pPr algn="ctr">
+                        <a:lnSpc>
+                          <a:spcPct val="150000"/>
+                        </a:lnSpc>
+                        <a:spcBef>
+                          <a:spcPct val="0"/>
+                        </a:spcBef>
+                        <a:spcAft>
+                          <a:spcPct val="0"/>
+                        </a:spcAft>
+                      </a:pPr>
+                      <a:r>
+                        <a:rPr sz="1800">
+                          <a:latin typeface="Times New Roman" panose="02020603050405020304" charset="0"/>
+                          <a:ea typeface="SimSun" panose="02010600030101010101" pitchFamily="2" charset="-122"/>
+                          <a:cs typeface="Times New Roman" panose="02020603050405020304" charset="0"/>
+                        </a:rPr>
+                        <a:t>4</a:t>
+                      </a:r>
+                      <a:endParaRPr sz="1800">
+                        <a:latin typeface="Times New Roman" panose="02020603050405020304" charset="0"/>
+                        <a:ea typeface="SimSun" panose="02010600030101010101" pitchFamily="2" charset="-122"/>
+                        <a:cs typeface="Times New Roman" panose="02020603050405020304" charset="0"/>
+                      </a:endParaRPr>
+                    </a:p>
+                  </a:txBody>
+                  <a:tcPr marL="0" marR="0" marT="0" marB="0" anchor="ctr" anchorCtr="0">
+                    <a:lnL>
+                      <a:noFill/>
+                    </a:lnL>
+                    <a:lnR>
+                      <a:noFill/>
+                    </a:lnR>
+                    <a:lnT>
+                      <a:noFill/>
+                    </a:lnT>
+                    <a:lnB>
+                      <a:noFill/>
+                    </a:lnB>
+                    <a:noFill/>
+                  </a:tcPr>
+                </a:tc>
+              </a:tr>
+              <a:tr h="0">
+                <a:tc>
+                  <a:txBody>
+                    <a:bodyPr/>
+                    <a:p>
+                      <a:pPr algn="ctr">
+                        <a:lnSpc>
+                          <a:spcPct val="150000"/>
+                        </a:lnSpc>
+                        <a:spcBef>
+                          <a:spcPct val="0"/>
+                        </a:spcBef>
+                        <a:spcAft>
+                          <a:spcPct val="0"/>
+                        </a:spcAft>
+                      </a:pPr>
+                      <a:r>
+                        <a:rPr sz="1800">
+                          <a:latin typeface="Times New Roman" panose="02020603050405020304" charset="0"/>
+                          <a:ea typeface="SimSun" panose="02010600030101010101" pitchFamily="2" charset="-122"/>
+                          <a:cs typeface="Times New Roman" panose="02020603050405020304" charset="0"/>
+                        </a:rPr>
+                        <a:t>5</a:t>
+                      </a:r>
+                      <a:endParaRPr sz="1800">
+                        <a:latin typeface="Times New Roman" panose="02020603050405020304" charset="0"/>
+                        <a:ea typeface="SimSun" panose="02010600030101010101" pitchFamily="2" charset="-122"/>
+                        <a:cs typeface="Times New Roman" panose="02020603050405020304" charset="0"/>
+                      </a:endParaRPr>
+                    </a:p>
+                  </a:txBody>
+                  <a:tcPr marL="0" marR="0" marT="0" marB="0" anchor="ctr" anchorCtr="0">
+                    <a:lnL>
+                      <a:noFill/>
+                    </a:lnL>
+                    <a:lnR>
+                      <a:noFill/>
+                    </a:lnR>
+                    <a:lnT>
+                      <a:noFill/>
+                    </a:lnT>
+                    <a:lnB>
+                      <a:noFill/>
+                    </a:lnB>
+                    <a:noFill/>
+                  </a:tcPr>
+                </a:tc>
+                <a:tc>
+                  <a:txBody>
+                    <a:bodyPr/>
+                    <a:p>
+                      <a:pPr algn="ctr">
+                        <a:lnSpc>
+                          <a:spcPct val="150000"/>
+                        </a:lnSpc>
+                        <a:spcBef>
+                          <a:spcPct val="0"/>
+                        </a:spcBef>
+                        <a:spcAft>
+                          <a:spcPct val="0"/>
+                        </a:spcAft>
+                      </a:pPr>
+                      <a:r>
+                        <a:rPr sz="1800">
+                          <a:latin typeface="Times New Roman" panose="02020603050405020304" charset="0"/>
+                          <a:ea typeface="SimSun" panose="02010600030101010101" pitchFamily="2" charset="-122"/>
+                          <a:cs typeface="Times New Roman" panose="02020603050405020304" charset="0"/>
+                        </a:rPr>
+                        <a:t>5</a:t>
+                      </a:r>
+                      <a:endParaRPr sz="1800">
+                        <a:latin typeface="Times New Roman" panose="02020603050405020304" charset="0"/>
+                        <a:ea typeface="SimSun" panose="02010600030101010101" pitchFamily="2" charset="-122"/>
+                        <a:cs typeface="Times New Roman" panose="02020603050405020304" charset="0"/>
+                      </a:endParaRPr>
+                    </a:p>
+                  </a:txBody>
+                  <a:tcPr marL="0" marR="0" marT="0" marB="0" anchor="ctr" anchorCtr="0">
+                    <a:lnL>
+                      <a:noFill/>
+                    </a:lnL>
+                    <a:lnR>
+                      <a:noFill/>
+                    </a:lnR>
+                    <a:lnT>
+                      <a:noFill/>
+                    </a:lnT>
+                    <a:lnB>
+                      <a:noFill/>
+                    </a:lnB>
+                    <a:noFill/>
+                  </a:tcPr>
+                </a:tc>
+              </a:tr>
+            </a:tbl>
+          </a:graphicData>
+        </a:graphic>
+      </p:graphicFrame>
+      <p:graphicFrame>
+        <p:nvGraphicFramePr>
+          <p:cNvPr id="11" name="Tabela 10"/>
+          <p:cNvGraphicFramePr/>
+          <p:nvPr>
+            <p:custDataLst>
+              <p:tags r:id="rId1"/>
+            </p:custDataLst>
+          </p:nvPr>
+        </p:nvGraphicFramePr>
+        <p:xfrm>
+          <a:off x="5814060" y="2259965"/>
+          <a:ext cx="5024120" cy="2468880"/>
+        </p:xfrm>
+        <a:graphic>
+          <a:graphicData uri="http://schemas.openxmlformats.org/drawingml/2006/table">
+            <a:tbl>
+              <a:tblPr/>
+              <a:tblGrid>
+                <a:gridCol w="2101850"/>
+                <a:gridCol w="2922270"/>
+              </a:tblGrid>
+              <a:tr h="0">
+                <a:tc>
+                  <a:txBody>
+                    <a:bodyPr/>
+                    <a:p>
+                      <a:pPr algn="ctr">
+                        <a:lnSpc>
+                          <a:spcPct val="150000"/>
+                        </a:lnSpc>
+                        <a:spcBef>
+                          <a:spcPct val="0"/>
+                        </a:spcBef>
+                        <a:spcAft>
+                          <a:spcPct val="0"/>
+                        </a:spcAft>
+                      </a:pPr>
+                      <a:r>
+                        <a:rPr sz="1800" b="1">
+                          <a:latin typeface="Times New Roman" panose="02020603050405020304" charset="0"/>
+                          <a:ea typeface="SimSun" panose="02010600030101010101" pitchFamily="2" charset="-122"/>
+                          <a:cs typeface="Times New Roman" panose="02020603050405020304" charset="0"/>
+                        </a:rPr>
+                        <a:t>Quantidade</a:t>
+                      </a:r>
+                      <a:endParaRPr sz="1800" b="1">
+                        <a:latin typeface="Times New Roman" panose="02020603050405020304" charset="0"/>
+                        <a:ea typeface="SimSun" panose="02010600030101010101" pitchFamily="2" charset="-122"/>
+                        <a:cs typeface="Times New Roman" panose="02020603050405020304" charset="0"/>
+                      </a:endParaRPr>
+                    </a:p>
+                  </a:txBody>
+                  <a:tcPr marL="0" marR="0" marT="0" marB="0" anchor="ctr" anchorCtr="0">
+                    <a:lnL>
+                      <a:noFill/>
+                    </a:lnL>
+                    <a:lnR>
+                      <a:noFill/>
+                    </a:lnR>
+                    <a:lnT>
+                      <a:noFill/>
+                    </a:lnT>
+                    <a:lnB>
+                      <a:noFill/>
+                    </a:lnB>
+                    <a:noFill/>
+                  </a:tcPr>
+                </a:tc>
+                <a:tc>
+                  <a:txBody>
+                    <a:bodyPr/>
+                    <a:p>
+                      <a:pPr algn="ctr">
+                        <a:lnSpc>
+                          <a:spcPct val="150000"/>
+                        </a:lnSpc>
+                        <a:spcBef>
+                          <a:spcPct val="0"/>
+                        </a:spcBef>
+                        <a:spcAft>
+                          <a:spcPct val="0"/>
+                        </a:spcAft>
+                      </a:pPr>
+                      <a:r>
+                        <a:rPr sz="1800" b="1">
+                          <a:latin typeface="Times New Roman" panose="02020603050405020304" charset="0"/>
+                          <a:ea typeface="SimSun" panose="02010600030101010101" pitchFamily="2" charset="-122"/>
+                          <a:cs typeface="Times New Roman" panose="02020603050405020304" charset="0"/>
+                        </a:rPr>
+                        <a:t>Preço Unitário</a:t>
+                      </a:r>
+                      <a:endParaRPr sz="1800" b="1">
+                        <a:latin typeface="Times New Roman" panose="02020603050405020304" charset="0"/>
+                        <a:ea typeface="SimSun" panose="02010600030101010101" pitchFamily="2" charset="-122"/>
+                        <a:cs typeface="Times New Roman" panose="02020603050405020304" charset="0"/>
+                      </a:endParaRPr>
+                    </a:p>
+                  </a:txBody>
+                  <a:tcPr marL="0" marR="0" marT="0" marB="0" anchor="ctr" anchorCtr="0">
+                    <a:lnL>
+                      <a:noFill/>
+                    </a:lnL>
+                    <a:lnR>
+                      <a:noFill/>
+                    </a:lnR>
+                    <a:lnT>
+                      <a:noFill/>
+                    </a:lnT>
+                    <a:lnB>
+                      <a:noFill/>
+                    </a:lnB>
+                    <a:noFill/>
+                  </a:tcPr>
+                </a:tc>
+              </a:tr>
+              <a:tr h="0">
+                <a:tc>
+                  <a:txBody>
+                    <a:bodyPr/>
+                    <a:p>
+                      <a:pPr algn="ctr">
+                        <a:lnSpc>
+                          <a:spcPct val="150000"/>
+                        </a:lnSpc>
+                        <a:spcBef>
+                          <a:spcPct val="0"/>
+                        </a:spcBef>
+                        <a:spcAft>
+                          <a:spcPct val="0"/>
+                        </a:spcAft>
+                      </a:pPr>
+                      <a:r>
+                        <a:rPr sz="1800">
+                          <a:latin typeface="Times New Roman" panose="02020603050405020304" charset="0"/>
+                          <a:ea typeface="SimSun" panose="02010600030101010101" pitchFamily="2" charset="-122"/>
+                          <a:cs typeface="Times New Roman" panose="02020603050405020304" charset="0"/>
+                        </a:rPr>
+                        <a:t>2</a:t>
+                      </a:r>
+                      <a:endParaRPr sz="1800">
+                        <a:latin typeface="Times New Roman" panose="02020603050405020304" charset="0"/>
+                        <a:ea typeface="SimSun" panose="02010600030101010101" pitchFamily="2" charset="-122"/>
+                        <a:cs typeface="Times New Roman" panose="02020603050405020304" charset="0"/>
+                      </a:endParaRPr>
+                    </a:p>
+                  </a:txBody>
+                  <a:tcPr marL="0" marR="0" marT="0" marB="0" anchor="ctr" anchorCtr="0">
+                    <a:lnL>
+                      <a:noFill/>
+                    </a:lnL>
+                    <a:lnR>
+                      <a:noFill/>
+                    </a:lnR>
+                    <a:lnT>
+                      <a:noFill/>
+                    </a:lnT>
+                    <a:lnB>
+                      <a:noFill/>
+                    </a:lnB>
+                    <a:noFill/>
+                  </a:tcPr>
+                </a:tc>
+                <a:tc>
+                  <a:txBody>
+                    <a:bodyPr/>
+                    <a:p>
+                      <a:pPr algn="ctr">
+                        <a:lnSpc>
+                          <a:spcPct val="150000"/>
+                        </a:lnSpc>
+                        <a:spcBef>
+                          <a:spcPct val="0"/>
+                        </a:spcBef>
+                        <a:spcAft>
+                          <a:spcPct val="0"/>
+                        </a:spcAft>
+                      </a:pPr>
+                      <a:r>
+                        <a:rPr sz="1800">
+                          <a:latin typeface="Times New Roman" panose="02020603050405020304" charset="0"/>
+                          <a:ea typeface="SimSun" panose="02010600030101010101" pitchFamily="2" charset="-122"/>
+                          <a:cs typeface="Times New Roman" panose="02020603050405020304" charset="0"/>
+                        </a:rPr>
+                        <a:t>1200.00</a:t>
+                      </a:r>
+                      <a:endParaRPr sz="1800">
+                        <a:latin typeface="Times New Roman" panose="02020603050405020304" charset="0"/>
+                        <a:ea typeface="SimSun" panose="02010600030101010101" pitchFamily="2" charset="-122"/>
+                        <a:cs typeface="Times New Roman" panose="02020603050405020304" charset="0"/>
+                      </a:endParaRPr>
+                    </a:p>
+                  </a:txBody>
+                  <a:tcPr marL="0" marR="0" marT="0" marB="0" anchor="ctr" anchorCtr="0">
+                    <a:lnL>
+                      <a:noFill/>
+                    </a:lnL>
+                    <a:lnR>
+                      <a:noFill/>
+                    </a:lnR>
+                    <a:lnT>
+                      <a:noFill/>
+                    </a:lnT>
+                    <a:lnB>
+                      <a:noFill/>
+                    </a:lnB>
+                    <a:noFill/>
+                  </a:tcPr>
+                </a:tc>
+              </a:tr>
+              <a:tr h="0">
+                <a:tc>
+                  <a:txBody>
+                    <a:bodyPr/>
+                    <a:p>
+                      <a:pPr algn="ctr">
+                        <a:lnSpc>
+                          <a:spcPct val="150000"/>
+                        </a:lnSpc>
+                        <a:spcBef>
+                          <a:spcPct val="0"/>
+                        </a:spcBef>
+                        <a:spcAft>
+                          <a:spcPct val="0"/>
+                        </a:spcAft>
+                      </a:pPr>
+                      <a:r>
+                        <a:rPr sz="1800">
+                          <a:latin typeface="Times New Roman" panose="02020603050405020304" charset="0"/>
+                          <a:ea typeface="SimSun" panose="02010600030101010101" pitchFamily="2" charset="-122"/>
+                          <a:cs typeface="Times New Roman" panose="02020603050405020304" charset="0"/>
+                        </a:rPr>
+                        <a:t>1</a:t>
+                      </a:r>
+                      <a:endParaRPr sz="1800">
+                        <a:latin typeface="Times New Roman" panose="02020603050405020304" charset="0"/>
+                        <a:ea typeface="SimSun" panose="02010600030101010101" pitchFamily="2" charset="-122"/>
+                        <a:cs typeface="Times New Roman" panose="02020603050405020304" charset="0"/>
+                      </a:endParaRPr>
+                    </a:p>
+                  </a:txBody>
+                  <a:tcPr marL="0" marR="0" marT="0" marB="0" anchor="ctr" anchorCtr="0">
+                    <a:lnL>
+                      <a:noFill/>
+                    </a:lnL>
+                    <a:lnR>
+                      <a:noFill/>
+                    </a:lnR>
+                    <a:lnT>
+                      <a:noFill/>
+                    </a:lnT>
+                    <a:lnB>
+                      <a:noFill/>
+                    </a:lnB>
+                    <a:noFill/>
+                  </a:tcPr>
+                </a:tc>
+                <a:tc>
+                  <a:txBody>
+                    <a:bodyPr/>
+                    <a:p>
+                      <a:pPr algn="ctr">
+                        <a:lnSpc>
+                          <a:spcPct val="150000"/>
+                        </a:lnSpc>
+                        <a:spcBef>
+                          <a:spcPct val="0"/>
+                        </a:spcBef>
+                        <a:spcAft>
+                          <a:spcPct val="0"/>
+                        </a:spcAft>
+                      </a:pPr>
+                      <a:r>
+                        <a:rPr sz="1800">
+                          <a:latin typeface="Times New Roman" panose="02020603050405020304" charset="0"/>
+                          <a:ea typeface="SimSun" panose="02010600030101010101" pitchFamily="2" charset="-122"/>
+                          <a:cs typeface="Times New Roman" panose="02020603050405020304" charset="0"/>
+                        </a:rPr>
+                        <a:t>2500.00</a:t>
+                      </a:r>
+                      <a:endParaRPr sz="1800">
+                        <a:latin typeface="Times New Roman" panose="02020603050405020304" charset="0"/>
+                        <a:ea typeface="SimSun" panose="02010600030101010101" pitchFamily="2" charset="-122"/>
+                        <a:cs typeface="Times New Roman" panose="02020603050405020304" charset="0"/>
+                      </a:endParaRPr>
+                    </a:p>
+                  </a:txBody>
+                  <a:tcPr marL="0" marR="0" marT="0" marB="0" anchor="ctr" anchorCtr="0">
+                    <a:lnL>
+                      <a:noFill/>
+                    </a:lnL>
+                    <a:lnR>
+                      <a:noFill/>
+                    </a:lnR>
+                    <a:lnT>
+                      <a:noFill/>
+                    </a:lnT>
+                    <a:lnB>
+                      <a:noFill/>
+                    </a:lnB>
+                    <a:noFill/>
+                  </a:tcPr>
+                </a:tc>
+              </a:tr>
+              <a:tr h="0">
+                <a:tc>
+                  <a:txBody>
+                    <a:bodyPr/>
+                    <a:p>
+                      <a:pPr algn="ctr">
+                        <a:lnSpc>
+                          <a:spcPct val="150000"/>
+                        </a:lnSpc>
+                        <a:spcBef>
+                          <a:spcPct val="0"/>
+                        </a:spcBef>
+                        <a:spcAft>
+                          <a:spcPct val="0"/>
+                        </a:spcAft>
+                      </a:pPr>
+                      <a:r>
+                        <a:rPr sz="1800">
+                          <a:latin typeface="Times New Roman" panose="02020603050405020304" charset="0"/>
+                          <a:ea typeface="SimSun" panose="02010600030101010101" pitchFamily="2" charset="-122"/>
+                          <a:cs typeface="Times New Roman" panose="02020603050405020304" charset="0"/>
+                        </a:rPr>
+                        <a:t>3</a:t>
+                      </a:r>
+                      <a:endParaRPr sz="1800">
+                        <a:latin typeface="Times New Roman" panose="02020603050405020304" charset="0"/>
+                        <a:ea typeface="SimSun" panose="02010600030101010101" pitchFamily="2" charset="-122"/>
+                        <a:cs typeface="Times New Roman" panose="02020603050405020304" charset="0"/>
+                      </a:endParaRPr>
+                    </a:p>
+                  </a:txBody>
+                  <a:tcPr marL="0" marR="0" marT="0" marB="0" anchor="ctr" anchorCtr="0">
+                    <a:lnL>
+                      <a:noFill/>
+                    </a:lnL>
+                    <a:lnR>
+                      <a:noFill/>
+                    </a:lnR>
+                    <a:lnT>
+                      <a:noFill/>
+                    </a:lnT>
+                    <a:lnB>
+                      <a:noFill/>
+                    </a:lnB>
+                    <a:noFill/>
+                  </a:tcPr>
+                </a:tc>
+                <a:tc>
+                  <a:txBody>
+                    <a:bodyPr/>
+                    <a:p>
+                      <a:pPr algn="ctr">
+                        <a:lnSpc>
+                          <a:spcPct val="150000"/>
+                        </a:lnSpc>
+                        <a:spcBef>
+                          <a:spcPct val="0"/>
+                        </a:spcBef>
+                        <a:spcAft>
+                          <a:spcPct val="0"/>
+                        </a:spcAft>
+                      </a:pPr>
+                      <a:r>
+                        <a:rPr sz="1800">
+                          <a:latin typeface="Times New Roman" panose="02020603050405020304" charset="0"/>
+                          <a:ea typeface="SimSun" panose="02010600030101010101" pitchFamily="2" charset="-122"/>
+                          <a:cs typeface="Times New Roman" panose="02020603050405020304" charset="0"/>
+                        </a:rPr>
+                        <a:t>1800.00</a:t>
+                      </a:r>
+                      <a:endParaRPr sz="1800">
+                        <a:latin typeface="Times New Roman" panose="02020603050405020304" charset="0"/>
+                        <a:ea typeface="SimSun" panose="02010600030101010101" pitchFamily="2" charset="-122"/>
+                        <a:cs typeface="Times New Roman" panose="02020603050405020304" charset="0"/>
+                      </a:endParaRPr>
+                    </a:p>
+                  </a:txBody>
+                  <a:tcPr marL="0" marR="0" marT="0" marB="0" anchor="ctr" anchorCtr="0">
+                    <a:lnL>
+                      <a:noFill/>
+                    </a:lnL>
+                    <a:lnR>
+                      <a:noFill/>
+                    </a:lnR>
+                    <a:lnT>
+                      <a:noFill/>
+                    </a:lnT>
+                    <a:lnB>
+                      <a:noFill/>
+                    </a:lnB>
+                    <a:noFill/>
+                  </a:tcPr>
+                </a:tc>
+              </a:tr>
+              <a:tr h="0">
+                <a:tc>
+                  <a:txBody>
+                    <a:bodyPr/>
+                    <a:p>
+                      <a:pPr algn="ctr">
+                        <a:lnSpc>
+                          <a:spcPct val="150000"/>
+                        </a:lnSpc>
+                        <a:spcBef>
+                          <a:spcPct val="0"/>
+                        </a:spcBef>
+                        <a:spcAft>
+                          <a:spcPct val="0"/>
+                        </a:spcAft>
+                      </a:pPr>
+                      <a:r>
+                        <a:rPr sz="1800">
+                          <a:latin typeface="Times New Roman" panose="02020603050405020304" charset="0"/>
+                          <a:ea typeface="SimSun" panose="02010600030101010101" pitchFamily="2" charset="-122"/>
+                          <a:cs typeface="Times New Roman" panose="02020603050405020304" charset="0"/>
+                        </a:rPr>
+                        <a:t>2</a:t>
+                      </a:r>
+                      <a:endParaRPr sz="1800">
+                        <a:latin typeface="Times New Roman" panose="02020603050405020304" charset="0"/>
+                        <a:ea typeface="SimSun" panose="02010600030101010101" pitchFamily="2" charset="-122"/>
+                        <a:cs typeface="Times New Roman" panose="02020603050405020304" charset="0"/>
+                      </a:endParaRPr>
+                    </a:p>
+                  </a:txBody>
+                  <a:tcPr marL="0" marR="0" marT="0" marB="0" anchor="ctr" anchorCtr="0">
+                    <a:lnL>
+                      <a:noFill/>
+                    </a:lnL>
+                    <a:lnR>
+                      <a:noFill/>
+                    </a:lnR>
+                    <a:lnT>
+                      <a:noFill/>
+                    </a:lnT>
+                    <a:lnB>
+                      <a:noFill/>
+                    </a:lnB>
+                    <a:noFill/>
+                  </a:tcPr>
+                </a:tc>
+                <a:tc>
+                  <a:txBody>
+                    <a:bodyPr/>
+                    <a:p>
+                      <a:pPr algn="ctr">
+                        <a:lnSpc>
+                          <a:spcPct val="150000"/>
+                        </a:lnSpc>
+                        <a:spcBef>
+                          <a:spcPct val="0"/>
+                        </a:spcBef>
+                        <a:spcAft>
+                          <a:spcPct val="0"/>
+                        </a:spcAft>
+                      </a:pPr>
+                      <a:r>
+                        <a:rPr sz="1800">
+                          <a:latin typeface="Times New Roman" panose="02020603050405020304" charset="0"/>
+                          <a:ea typeface="SimSun" panose="02010600030101010101" pitchFamily="2" charset="-122"/>
+                          <a:cs typeface="Times New Roman" panose="02020603050405020304" charset="0"/>
+                        </a:rPr>
+                        <a:t>2200.00</a:t>
+                      </a:r>
+                      <a:endParaRPr sz="1800">
+                        <a:latin typeface="Times New Roman" panose="02020603050405020304" charset="0"/>
+                        <a:ea typeface="SimSun" panose="02010600030101010101" pitchFamily="2" charset="-122"/>
+                        <a:cs typeface="Times New Roman" panose="02020603050405020304" charset="0"/>
+                      </a:endParaRPr>
+                    </a:p>
+                  </a:txBody>
+                  <a:tcPr marL="0" marR="0" marT="0" marB="0" anchor="ctr" anchorCtr="0">
+                    <a:lnL>
+                      <a:noFill/>
+                    </a:lnL>
+                    <a:lnR>
+                      <a:noFill/>
+                    </a:lnR>
+                    <a:lnT>
+                      <a:noFill/>
+                    </a:lnT>
+                    <a:lnB>
+                      <a:noFill/>
+                    </a:lnB>
+                    <a:noFill/>
+                  </a:tcPr>
+                </a:tc>
+              </a:tr>
+              <a:tr h="0">
+                <a:tc>
+                  <a:txBody>
+                    <a:bodyPr/>
+                    <a:p>
+                      <a:pPr algn="ctr">
+                        <a:lnSpc>
+                          <a:spcPct val="150000"/>
+                        </a:lnSpc>
+                        <a:spcBef>
+                          <a:spcPct val="0"/>
+                        </a:spcBef>
+                        <a:spcAft>
+                          <a:spcPct val="0"/>
+                        </a:spcAft>
+                      </a:pPr>
+                      <a:r>
+                        <a:rPr sz="1800">
+                          <a:latin typeface="Times New Roman" panose="02020603050405020304" charset="0"/>
+                          <a:ea typeface="SimSun" panose="02010600030101010101" pitchFamily="2" charset="-122"/>
+                          <a:cs typeface="Times New Roman" panose="02020603050405020304" charset="0"/>
+                        </a:rPr>
+                        <a:t>4</a:t>
+                      </a:r>
+                      <a:endParaRPr sz="1800">
+                        <a:latin typeface="Times New Roman" panose="02020603050405020304" charset="0"/>
+                        <a:ea typeface="SimSun" panose="02010600030101010101" pitchFamily="2" charset="-122"/>
+                        <a:cs typeface="Times New Roman" panose="02020603050405020304" charset="0"/>
+                      </a:endParaRPr>
+                    </a:p>
+                  </a:txBody>
+                  <a:tcPr marL="0" marR="0" marT="0" marB="0" anchor="ctr" anchorCtr="0">
+                    <a:lnL>
+                      <a:noFill/>
+                    </a:lnL>
+                    <a:lnR>
+                      <a:noFill/>
+                    </a:lnR>
+                    <a:lnT>
+                      <a:noFill/>
+                    </a:lnT>
+                    <a:lnB>
+                      <a:noFill/>
+                    </a:lnB>
+                    <a:noFill/>
+                  </a:tcPr>
+                </a:tc>
+                <a:tc>
+                  <a:txBody>
+                    <a:bodyPr/>
+                    <a:p>
+                      <a:pPr algn="ctr">
+                        <a:lnSpc>
+                          <a:spcPct val="150000"/>
+                        </a:lnSpc>
+                        <a:spcBef>
+                          <a:spcPct val="0"/>
+                        </a:spcBef>
+                        <a:spcAft>
+                          <a:spcPct val="0"/>
+                        </a:spcAft>
+                      </a:pPr>
+                      <a:r>
+                        <a:rPr sz="1800">
+                          <a:latin typeface="Times New Roman" panose="02020603050405020304" charset="0"/>
+                          <a:ea typeface="SimSun" panose="02010600030101010101" pitchFamily="2" charset="-122"/>
+                          <a:cs typeface="Times New Roman" panose="02020603050405020304" charset="0"/>
+                        </a:rPr>
+                        <a:t>1500.00</a:t>
+                      </a:r>
+                      <a:endParaRPr sz="1800">
+                        <a:latin typeface="Times New Roman" panose="02020603050405020304" charset="0"/>
+                        <a:ea typeface="SimSun" panose="02010600030101010101" pitchFamily="2" charset="-122"/>
+                        <a:cs typeface="Times New Roman" panose="02020603050405020304" charset="0"/>
+                      </a:endParaRPr>
+                    </a:p>
+                  </a:txBody>
+                  <a:tcPr marL="0" marR="0" marT="0" marB="0" anchor="ctr" anchorCtr="0">
+                    <a:lnL>
+                      <a:noFill/>
+                    </a:lnL>
+                    <a:lnR>
+                      <a:noFill/>
+                    </a:lnR>
+                    <a:lnT>
+                      <a:noFill/>
+                    </a:lnT>
+                    <a:lnB>
+                      <a:noFill/>
+                    </a:lnB>
+                    <a:noFill/>
+                  </a:tcPr>
+                </a:tc>
+              </a:tr>
+            </a:tbl>
+          </a:graphicData>
+        </a:graphic>
+      </p:graphicFrame>
     </p:spTree>
   </p:cSld>
   <p:clrMapOvr>
@@ -18375,7 +19694,7 @@
         <p:spPr>
           <a:xfrm>
             <a:off x="680720" y="1164590"/>
-            <a:ext cx="10828655" cy="4794885"/>
+            <a:ext cx="10828655" cy="3546475"/>
           </a:xfrm>
           <a:prstGeom prst="rect">
             <a:avLst/>
@@ -18400,7 +19719,7 @@
                 <a:ea typeface="SimSun" panose="02010600030101010101" pitchFamily="2" charset="-122"/>
                 <a:cs typeface="Roboto" charset="0"/>
               </a:rPr>
-              <a:t>2</a:t>
+              <a:t>1</a:t>
             </a:r>
             <a:r>
               <a:rPr lang="en-US" altLang="en-US" b="1">
@@ -18416,39 +19735,7 @@
                 <a:ea typeface="SimSun" panose="02010600030101010101" pitchFamily="2" charset="-122"/>
                 <a:cs typeface="Roboto" charset="0"/>
               </a:rPr>
-              <a:t> Forma Normal (2FN) - Sem depend</a:t>
-            </a:r>
-            <a:r>
-              <a:rPr lang="en-US" altLang="en-US" b="1">
-                <a:latin typeface="Roboto" charset="0"/>
-                <a:ea typeface="SimSun" panose="02010600030101010101" pitchFamily="2" charset="-122"/>
-                <a:cs typeface="Roboto" charset="0"/>
-              </a:rPr>
-              <a:t>ê</a:t>
-            </a:r>
-            <a:r>
-              <a:rPr lang="en-US" altLang="pt-PT" b="1">
-                <a:latin typeface="Roboto" charset="0"/>
-                <a:ea typeface="SimSun" panose="02010600030101010101" pitchFamily="2" charset="-122"/>
-                <a:cs typeface="Roboto" charset="0"/>
-              </a:rPr>
-              <a:t>ncias parciais da chave prim</a:t>
-            </a:r>
-            <a:r>
-              <a:rPr lang="en-US" altLang="en-US" b="1">
-                <a:latin typeface="Roboto" charset="0"/>
-                <a:ea typeface="SimSun" panose="02010600030101010101" pitchFamily="2" charset="-122"/>
-                <a:cs typeface="Roboto" charset="0"/>
-              </a:rPr>
-              <a:t>á</a:t>
-            </a:r>
-            <a:r>
-              <a:rPr lang="en-US" altLang="pt-PT" b="1">
-                <a:latin typeface="Roboto" charset="0"/>
-                <a:ea typeface="SimSun" panose="02010600030101010101" pitchFamily="2" charset="-122"/>
-                <a:cs typeface="Roboto" charset="0"/>
-              </a:rPr>
-              <a:t>ria</a:t>
+              <a:t> Forma Normal (1FN) - Sem grupos repetitivos</a:t>
             </a:r>
             <a:endParaRPr lang="en-US" altLang="pt-PT" b="1">
               <a:latin typeface="Roboto" charset="0"/>
@@ -18465,28 +19752,13 @@
                 <a:spcPct val="0"/>
               </a:spcAft>
             </a:pPr>
-            <a:endParaRPr lang="en-US" altLang="pt-PT" b="1">
-              <a:latin typeface="Roboto" charset="0"/>
-              <a:ea typeface="SimSun" panose="02010600030101010101" pitchFamily="2" charset="-122"/>
-              <a:cs typeface="Roboto" charset="0"/>
-            </a:endParaRPr>
-          </a:p>
-          <a:p>
-            <a:pPr marL="0" indent="457200" algn="just" defTabSz="266700">
-              <a:spcBef>
-                <a:spcPct val="0"/>
-              </a:spcBef>
-              <a:spcAft>
-                <a:spcPct val="0"/>
-              </a:spcAft>
-            </a:pPr>
             <a:r>
               <a:rPr lang="en-US" altLang="pt-PT">
                 <a:latin typeface="Roboto" charset="0"/>
                 <a:ea typeface="SimSun" panose="02010600030101010101" pitchFamily="2" charset="-122"/>
                 <a:cs typeface="Roboto" charset="0"/>
               </a:rPr>
-              <a:t>A </a:t>
+              <a:t>	A </a:t>
             </a:r>
             <a:r>
               <a:rPr lang="en-US" altLang="pt-PT" b="1">
@@ -18494,7 +19766,7 @@
                 <a:ea typeface="SimSun" panose="02010600030101010101" pitchFamily="2" charset="-122"/>
                 <a:cs typeface="Roboto" charset="0"/>
               </a:rPr>
-              <a:t>2FN</a:t>
+              <a:t>1FN</a:t>
             </a:r>
             <a:r>
               <a:rPr lang="en-US" altLang="pt-PT">
@@ -18502,7 +19774,7 @@
                 <a:ea typeface="SimSun" panose="02010600030101010101" pitchFamily="2" charset="-122"/>
                 <a:cs typeface="Roboto" charset="0"/>
               </a:rPr>
-              <a:t> exige que todas as colunas </a:t>
+              <a:t> exige que cada coluna armazene apenas </a:t>
             </a:r>
             <a:r>
               <a:rPr lang="en-US" altLang="pt-PT" b="1">
@@ -18510,10 +19782,18 @@
                 <a:ea typeface="SimSun" panose="02010600030101010101" pitchFamily="2" charset="-122"/>
                 <a:cs typeface="Roboto" charset="0"/>
               </a:rPr>
-              <a:t>n</a:t>
-            </a:r>
-            <a:r>
-              <a:rPr lang="en-US" altLang="en-US" b="1">
+              <a:t>valores atômicos</a:t>
+            </a:r>
+            <a:r>
+              <a:rPr lang="en-US" altLang="pt-PT">
+                <a:latin typeface="Roboto" charset="0"/>
+                <a:ea typeface="SimSun" panose="02010600030101010101" pitchFamily="2" charset="-122"/>
+                <a:cs typeface="Roboto" charset="0"/>
+              </a:rPr>
+              <a:t> e que n</a:t>
+            </a:r>
+            <a:r>
+              <a:rPr lang="en-US" altLang="en-US">
                 <a:latin typeface="Roboto" charset="0"/>
                 <a:ea typeface="SimSun" panose="02010600030101010101" pitchFamily="2" charset="-122"/>
                 <a:cs typeface="Roboto" charset="0"/>
@@ -18521,36 +19801,12 @@
               <a:t>ã</a:t>
             </a:r>
             <a:r>
-              <a:rPr lang="en-US" altLang="pt-PT" b="1">
-                <a:latin typeface="Roboto" charset="0"/>
-                <a:ea typeface="SimSun" panose="02010600030101010101" pitchFamily="2" charset="-122"/>
-                <a:cs typeface="Roboto" charset="0"/>
-              </a:rPr>
-              <a:t>o-chave dependam completamente da chave prim</a:t>
-            </a:r>
-            <a:r>
-              <a:rPr lang="en-US" altLang="en-US" b="1">
-                <a:latin typeface="Roboto" charset="0"/>
-                <a:ea typeface="SimSun" panose="02010600030101010101" pitchFamily="2" charset="-122"/>
-                <a:cs typeface="Roboto" charset="0"/>
-              </a:rPr>
-              <a:t>á</a:t>
-            </a:r>
-            <a:r>
-              <a:rPr lang="en-US" altLang="pt-PT" b="1">
-                <a:latin typeface="Roboto" charset="0"/>
-                <a:ea typeface="SimSun" panose="02010600030101010101" pitchFamily="2" charset="-122"/>
-                <a:cs typeface="Roboto" charset="0"/>
-              </a:rPr>
-              <a:t>ria.</a:t>
-            </a:r>
-            <a:r>
               <a:rPr lang="en-US" altLang="pt-PT">
                 <a:latin typeface="Roboto" charset="0"/>
                 <a:ea typeface="SimSun" panose="02010600030101010101" pitchFamily="2" charset="-122"/>
                 <a:cs typeface="Roboto" charset="0"/>
               </a:rPr>
-              <a:t>  </a:t>
+              <a:t>o existam grupos repetitivos.  </a:t>
             </a:r>
             <a:endParaRPr lang="en-US" altLang="pt-PT">
               <a:latin typeface="Roboto" charset="0"/>
@@ -18559,7 +19815,7 @@
             </a:endParaRPr>
           </a:p>
           <a:p>
-            <a:pPr marL="0" indent="457200" algn="just" defTabSz="266700">
+            <a:pPr marL="0" indent="0" algn="just" defTabSz="266700">
               <a:spcBef>
                 <a:spcPct val="0"/>
               </a:spcBef>
@@ -18588,7 +19844,7 @@
                 <a:ea typeface="SimSun" panose="02010600030101010101" pitchFamily="2" charset="-122"/>
                 <a:cs typeface="Roboto" charset="0"/>
               </a:rPr>
-              <a:t>Como as tabelas atendem à 2FN?  </a:t>
+              <a:t>Como as tabelas atendem à 1FN?</a:t>
             </a:r>
             <a:endParaRPr lang="en-US" altLang="pt-PT">
               <a:latin typeface="Roboto" charset="0"/>
@@ -18626,15 +19882,15 @@
                 <a:ea typeface="SimSun" panose="02010600030101010101" pitchFamily="2" charset="-122"/>
                 <a:cs typeface="Roboto" charset="0"/>
               </a:rPr>
-              <a:t>- `telefoneFuncionarios`, `telefoneClientes` e `telefoneFornecedores` possuem </a:t>
-            </a:r>
-            <a:r>
-              <a:rPr lang="en-US" altLang="pt-PT" b="1">
-                <a:latin typeface="Roboto" charset="0"/>
-                <a:ea typeface="SimSun" panose="02010600030101010101" pitchFamily="2" charset="-122"/>
-                <a:cs typeface="Roboto" charset="0"/>
-              </a:rPr>
-              <a:t>chaves estrangeiras</a:t>
+              <a:t>- Cada campo armazena apenas um </a:t>
+            </a:r>
+            <a:r>
+              <a:rPr lang="en-US" altLang="en-US">
+                <a:latin typeface="Roboto" charset="0"/>
+                <a:ea typeface="SimSun" panose="02010600030101010101" pitchFamily="2" charset="-122"/>
+                <a:cs typeface="Roboto" charset="0"/>
+              </a:rPr>
+              <a:t>ú</a:t>
             </a:r>
             <a:r>
               <a:rPr lang="en-US" altLang="pt-PT">
@@ -18642,7 +19898,7 @@
                 <a:ea typeface="SimSun" panose="02010600030101010101" pitchFamily="2" charset="-122"/>
                 <a:cs typeface="Roboto" charset="0"/>
               </a:rPr>
-              <a:t> (`idFuncionario`, `idCliente`, `idFornecedor`), garantindo que os telefones pertencem exatamente a um registro principal</a:t>
+              <a:t>nico valor por linha</a:t>
             </a:r>
             <a:r>
               <a:rPr lang="pt-PT" altLang="en-US">
@@ -18688,7 +19944,39 @@
                 <a:ea typeface="SimSun" panose="02010600030101010101" pitchFamily="2" charset="-122"/>
                 <a:cs typeface="Roboto" charset="0"/>
               </a:rPr>
-              <a:t>- `vendaProduto` relaciona `vendas` e `produtos`, evitando que os produtos fiquem diretamente na tabela `vendas`</a:t>
+              <a:t>- Telefones de funcion</a:t>
+            </a:r>
+            <a:r>
+              <a:rPr lang="en-US" altLang="en-US">
+                <a:latin typeface="Roboto" charset="0"/>
+                <a:ea typeface="SimSun" panose="02010600030101010101" pitchFamily="2" charset="-122"/>
+                <a:cs typeface="Roboto" charset="0"/>
+              </a:rPr>
+              <a:t>á</a:t>
+            </a:r>
+            <a:r>
+              <a:rPr lang="en-US" altLang="pt-PT">
+                <a:latin typeface="Roboto" charset="0"/>
+                <a:ea typeface="SimSun" panose="02010600030101010101" pitchFamily="2" charset="-122"/>
+                <a:cs typeface="Roboto" charset="0"/>
+              </a:rPr>
+              <a:t>rios, clientes e fornecedores foram colocados em tabelas separadas (`telefoneFuncionarios`, `telefoneClientes` e `telefoneFornecedores`), em vez de permitir m</a:t>
+            </a:r>
+            <a:r>
+              <a:rPr lang="en-US" altLang="en-US">
+                <a:latin typeface="Roboto" charset="0"/>
+                <a:ea typeface="SimSun" panose="02010600030101010101" pitchFamily="2" charset="-122"/>
+                <a:cs typeface="Roboto" charset="0"/>
+              </a:rPr>
+              <a:t>ú</a:t>
+            </a:r>
+            <a:r>
+              <a:rPr lang="en-US" altLang="pt-PT">
+                <a:latin typeface="Roboto" charset="0"/>
+                <a:ea typeface="SimSun" panose="02010600030101010101" pitchFamily="2" charset="-122"/>
+                <a:cs typeface="Roboto" charset="0"/>
+              </a:rPr>
+              <a:t>ltiplos</a:t>
             </a:r>
             <a:r>
               <a:rPr lang="pt-PT" altLang="en-US">
@@ -18696,117 +19984,71 @@
                 <a:ea typeface="SimSun" panose="02010600030101010101" pitchFamily="2" charset="-122"/>
                 <a:cs typeface="Roboto" charset="0"/>
               </a:rPr>
+              <a:t> </a:t>
+            </a:r>
+            <a:r>
+              <a:rPr lang="en-US" altLang="pt-PT">
+                <a:latin typeface="Roboto" charset="0"/>
+                <a:ea typeface="SimSun" panose="02010600030101010101" pitchFamily="2" charset="-122"/>
+                <a:cs typeface="Roboto" charset="0"/>
+              </a:rPr>
+              <a:t>n</a:t>
+            </a:r>
+            <a:r>
+              <a:rPr lang="en-US" altLang="en-US">
+                <a:latin typeface="Roboto" charset="0"/>
+                <a:ea typeface="SimSun" panose="02010600030101010101" pitchFamily="2" charset="-122"/>
+                <a:cs typeface="Roboto" charset="0"/>
+              </a:rPr>
+              <a:t>ú</a:t>
+            </a:r>
+            <a:r>
+              <a:rPr lang="en-US" altLang="pt-PT">
+                <a:latin typeface="Roboto" charset="0"/>
+                <a:ea typeface="SimSun" panose="02010600030101010101" pitchFamily="2" charset="-122"/>
+                <a:cs typeface="Roboto" charset="0"/>
+              </a:rPr>
+              <a:t>meros numa </a:t>
+            </a:r>
+            <a:r>
+              <a:rPr lang="en-US" altLang="en-US">
+                <a:latin typeface="Roboto" charset="0"/>
+                <a:ea typeface="SimSun" panose="02010600030101010101" pitchFamily="2" charset="-122"/>
+                <a:cs typeface="Roboto" charset="0"/>
+              </a:rPr>
+              <a:t>ú</a:t>
+            </a:r>
+            <a:r>
+              <a:rPr lang="en-US" altLang="pt-PT">
+                <a:latin typeface="Roboto" charset="0"/>
+                <a:ea typeface="SimSun" panose="02010600030101010101" pitchFamily="2" charset="-122"/>
+                <a:cs typeface="Roboto" charset="0"/>
+              </a:rPr>
+              <a:t>nica c</a:t>
+            </a:r>
+            <a:r>
+              <a:rPr lang="en-US" altLang="en-US">
+                <a:latin typeface="Roboto" charset="0"/>
+                <a:ea typeface="SimSun" panose="02010600030101010101" pitchFamily="2" charset="-122"/>
+                <a:cs typeface="Roboto" charset="0"/>
+              </a:rPr>
+              <a:t>é</a:t>
+            </a:r>
+            <a:r>
+              <a:rPr lang="en-US" altLang="pt-PT">
+                <a:latin typeface="Roboto" charset="0"/>
+                <a:ea typeface="SimSun" panose="02010600030101010101" pitchFamily="2" charset="-122"/>
+                <a:cs typeface="Roboto" charset="0"/>
+              </a:rPr>
+              <a:t>lula</a:t>
+            </a:r>
+            <a:r>
+              <a:rPr lang="pt-PT" altLang="en-US">
+                <a:latin typeface="Roboto" charset="0"/>
+                <a:ea typeface="SimSun" panose="02010600030101010101" pitchFamily="2" charset="-122"/>
+                <a:cs typeface="Roboto" charset="0"/>
+              </a:rPr>
               <a:t>;</a:t>
-            </a:r>
-            <a:endParaRPr lang="pt-PT" altLang="en-US">
-              <a:latin typeface="Roboto" charset="0"/>
-              <a:ea typeface="SimSun" panose="02010600030101010101" pitchFamily="2" charset="-122"/>
-              <a:cs typeface="Roboto" charset="0"/>
-            </a:endParaRPr>
-          </a:p>
-          <a:p>
-            <a:pPr marL="0" indent="457200" algn="just" defTabSz="266700">
-              <a:spcBef>
-                <a:spcPct val="0"/>
-              </a:spcBef>
-              <a:spcAft>
-                <a:spcPct val="0"/>
-              </a:spcAft>
-            </a:pPr>
-            <a:endParaRPr lang="en-US" altLang="pt-PT">
-              <a:latin typeface="Roboto" charset="0"/>
-              <a:ea typeface="SimSun" panose="02010600030101010101" pitchFamily="2" charset="-122"/>
-              <a:cs typeface="Roboto" charset="0"/>
-            </a:endParaRPr>
-          </a:p>
-          <a:p>
-            <a:pPr marL="0" indent="457200" algn="just" defTabSz="266700">
-              <a:spcBef>
-                <a:spcPct val="0"/>
-              </a:spcBef>
-              <a:spcAft>
-                <a:spcPct val="0"/>
-              </a:spcAft>
-            </a:pPr>
-            <a:r>
-              <a:rPr lang="en-US" altLang="pt-PT">
-                <a:latin typeface="Roboto" charset="0"/>
-                <a:ea typeface="SimSun" panose="02010600030101010101" pitchFamily="2" charset="-122"/>
-                <a:cs typeface="Roboto" charset="0"/>
-              </a:rPr>
-              <a:t>- `estoques`, `entradas` e `saidas` t</a:t>
-            </a:r>
-            <a:r>
-              <a:rPr lang="en-US" altLang="en-US">
-                <a:latin typeface="Roboto" charset="0"/>
-                <a:ea typeface="SimSun" panose="02010600030101010101" pitchFamily="2" charset="-122"/>
-                <a:cs typeface="Roboto" charset="0"/>
-              </a:rPr>
-              <a:t>ê</a:t>
-            </a:r>
-            <a:r>
-              <a:rPr lang="en-US" altLang="pt-PT">
-                <a:latin typeface="Roboto" charset="0"/>
-                <a:ea typeface="SimSun" panose="02010600030101010101" pitchFamily="2" charset="-122"/>
-                <a:cs typeface="Roboto" charset="0"/>
-              </a:rPr>
-              <a:t>m rela</a:t>
-            </a:r>
-            <a:r>
-              <a:rPr lang="" altLang="en-US">
-                <a:latin typeface="Roboto" charset="0"/>
-                <a:ea typeface="SimSun" panose="02010600030101010101" pitchFamily="2" charset="-122"/>
-                <a:cs typeface="Roboto" charset="0"/>
-              </a:rPr>
-              <a:t>ç</a:t>
-            </a:r>
-            <a:r>
-              <a:rPr lang="en-US" altLang="en-US">
-                <a:latin typeface="Roboto" charset="0"/>
-                <a:ea typeface="SimSun" panose="02010600030101010101" pitchFamily="2" charset="-122"/>
-                <a:cs typeface="Roboto" charset="0"/>
-              </a:rPr>
-              <a:t>ã</a:t>
-            </a:r>
-            <a:r>
-              <a:rPr lang="en-US" altLang="pt-PT">
-                <a:latin typeface="Roboto" charset="0"/>
-                <a:ea typeface="SimSun" panose="02010600030101010101" pitchFamily="2" charset="-122"/>
-                <a:cs typeface="Roboto" charset="0"/>
-              </a:rPr>
-              <a:t>o direta com `produtos` e armazenam apenas dados necess</a:t>
-            </a:r>
-            <a:r>
-              <a:rPr lang="en-US" altLang="en-US">
-                <a:latin typeface="Roboto" charset="0"/>
-                <a:ea typeface="SimSun" panose="02010600030101010101" pitchFamily="2" charset="-122"/>
-                <a:cs typeface="Roboto" charset="0"/>
-              </a:rPr>
-              <a:t>á</a:t>
-            </a:r>
-            <a:r>
-              <a:rPr lang="en-US" altLang="pt-PT">
-                <a:latin typeface="Roboto" charset="0"/>
-                <a:ea typeface="SimSun" panose="02010600030101010101" pitchFamily="2" charset="-122"/>
-                <a:cs typeface="Roboto" charset="0"/>
-              </a:rPr>
-              <a:t>rios, evitando informa</a:t>
-            </a:r>
-            <a:r>
-              <a:rPr lang="" altLang="en-US">
-                <a:latin typeface="Roboto" charset="0"/>
-                <a:ea typeface="SimSun" panose="02010600030101010101" pitchFamily="2" charset="-122"/>
-                <a:cs typeface="Roboto" charset="0"/>
-              </a:rPr>
-              <a:t>çõ</a:t>
-            </a:r>
-            <a:r>
-              <a:rPr lang="en-US" altLang="pt-PT">
-                <a:latin typeface="Roboto" charset="0"/>
-                <a:ea typeface="SimSun" panose="02010600030101010101" pitchFamily="2" charset="-122"/>
-                <a:cs typeface="Roboto" charset="0"/>
-              </a:rPr>
-              <a:t>es duplicadas.  </a:t>
             </a:r>
             <a:endParaRPr lang="en-US" altLang="pt-PT">
               <a:latin typeface="Roboto" charset="0"/>
@@ -18844,55 +20086,7 @@
                 <a:ea typeface="SimSun" panose="02010600030101010101" pitchFamily="2" charset="-122"/>
                 <a:cs typeface="Roboto" charset="0"/>
               </a:rPr>
-              <a:t>Nenhuma tabela cont</a:t>
-            </a:r>
-            <a:r>
-              <a:rPr lang="en-US" altLang="en-US">
-                <a:latin typeface="Roboto" charset="0"/>
-                <a:ea typeface="SimSun" panose="02010600030101010101" pitchFamily="2" charset="-122"/>
-                <a:cs typeface="Roboto" charset="0"/>
-              </a:rPr>
-              <a:t>é</a:t>
-            </a:r>
-            <a:r>
-              <a:rPr lang="en-US" altLang="pt-PT">
-                <a:latin typeface="Roboto" charset="0"/>
-                <a:ea typeface="SimSun" panose="02010600030101010101" pitchFamily="2" charset="-122"/>
-                <a:cs typeface="Roboto" charset="0"/>
-              </a:rPr>
-              <a:t>m colunas que s</a:t>
-            </a:r>
-            <a:r>
-              <a:rPr lang="en-US" altLang="en-US">
-                <a:latin typeface="Roboto" charset="0"/>
-                <a:ea typeface="SimSun" panose="02010600030101010101" pitchFamily="2" charset="-122"/>
-                <a:cs typeface="Roboto" charset="0"/>
-              </a:rPr>
-              <a:t>ó</a:t>
-            </a:r>
-            <a:r>
-              <a:rPr lang="en-US" altLang="pt-PT">
-                <a:latin typeface="Roboto" charset="0"/>
-                <a:ea typeface="SimSun" panose="02010600030101010101" pitchFamily="2" charset="-122"/>
-                <a:cs typeface="Roboto" charset="0"/>
-              </a:rPr>
-              <a:t> fazem sentido para parte da chave prim</a:t>
-            </a:r>
-            <a:r>
-              <a:rPr lang="en-US" altLang="en-US">
-                <a:latin typeface="Roboto" charset="0"/>
-                <a:ea typeface="SimSun" panose="02010600030101010101" pitchFamily="2" charset="-122"/>
-                <a:cs typeface="Roboto" charset="0"/>
-              </a:rPr>
-              <a:t>á</a:t>
-            </a:r>
-            <a:r>
-              <a:rPr lang="en-US" altLang="pt-PT">
-                <a:latin typeface="Roboto" charset="0"/>
-                <a:ea typeface="SimSun" panose="02010600030101010101" pitchFamily="2" charset="-122"/>
-                <a:cs typeface="Roboto" charset="0"/>
-              </a:rPr>
-              <a:t>ria. </a:t>
+              <a:t>- A tabela `vendaProduto` foi criada para evitar listas de produtos dentro da `vendas`. </a:t>
             </a:r>
             <a:endParaRPr lang="en-US" altLang="pt-PT">
               <a:latin typeface="Roboto" charset="0"/>
@@ -18998,7 +20192,7 @@
         <p:spPr>
           <a:xfrm>
             <a:off x="680720" y="1164590"/>
-            <a:ext cx="10828655" cy="5360670"/>
+            <a:ext cx="10828655" cy="4794885"/>
           </a:xfrm>
           <a:prstGeom prst="rect">
             <a:avLst/>
@@ -19023,7 +20217,7 @@
                 <a:ea typeface="SimSun" panose="02010600030101010101" pitchFamily="2" charset="-122"/>
                 <a:cs typeface="Roboto" charset="0"/>
               </a:rPr>
-              <a:t>3</a:t>
+              <a:t>2</a:t>
             </a:r>
             <a:r>
               <a:rPr lang="en-US" altLang="en-US" b="1">
@@ -19039,7 +20233,7 @@
                 <a:ea typeface="SimSun" panose="02010600030101010101" pitchFamily="2" charset="-122"/>
                 <a:cs typeface="Roboto" charset="0"/>
               </a:rPr>
-              <a:t> Forma Normal (3FN) - Sem depend</a:t>
+              <a:t> Forma Normal (2FN) - Sem depend</a:t>
             </a:r>
             <a:r>
               <a:rPr lang="en-US" altLang="en-US" b="1">
@@ -19055,7 +20249,23 @@
                 <a:ea typeface="SimSun" panose="02010600030101010101" pitchFamily="2" charset="-122"/>
                 <a:cs typeface="Roboto" charset="0"/>
               </a:rPr>
-              <a:t>ncias transitivas</a:t>
+              <a:t>ncias parciais da chave prim</a:t>
+            </a:r>
+            <a:r>
+              <a:rPr lang="en-US" altLang="en-US" b="1">
+                <a:latin typeface="Roboto" charset="0"/>
+                <a:ea typeface="SimSun" panose="02010600030101010101" pitchFamily="2" charset="-122"/>
+                <a:cs typeface="Roboto" charset="0"/>
+              </a:rPr>
+              <a:t>á</a:t>
+            </a:r>
+            <a:r>
+              <a:rPr lang="en-US" altLang="pt-PT" b="1">
+                <a:latin typeface="Roboto" charset="0"/>
+                <a:ea typeface="SimSun" panose="02010600030101010101" pitchFamily="2" charset="-122"/>
+                <a:cs typeface="Roboto" charset="0"/>
+              </a:rPr>
+              <a:t>ria</a:t>
             </a:r>
             <a:endParaRPr lang="en-US" altLang="pt-PT" b="1">
               <a:latin typeface="Roboto" charset="0"/>
@@ -19101,7 +20311,7 @@
                 <a:ea typeface="SimSun" panose="02010600030101010101" pitchFamily="2" charset="-122"/>
                 <a:cs typeface="Roboto" charset="0"/>
               </a:rPr>
-              <a:t>3FN</a:t>
+              <a:t>2FN</a:t>
             </a:r>
             <a:r>
               <a:rPr lang="en-US" altLang="pt-PT">
@@ -19109,15 +20319,47 @@
                 <a:ea typeface="SimSun" panose="02010600030101010101" pitchFamily="2" charset="-122"/>
                 <a:cs typeface="Roboto" charset="0"/>
               </a:rPr>
-              <a:t> elimina depend</a:t>
-            </a:r>
-            <a:r>
-              <a:rPr lang="en-US" altLang="en-US">
-                <a:latin typeface="Roboto" charset="0"/>
-                <a:ea typeface="SimSun" panose="02010600030101010101" pitchFamily="2" charset="-122"/>
-                <a:cs typeface="Roboto" charset="0"/>
-              </a:rPr>
-              <a:t>ê</a:t>
+              <a:t> exige que todas as colunas </a:t>
+            </a:r>
+            <a:r>
+              <a:rPr lang="en-US" altLang="pt-PT" b="1">
+                <a:latin typeface="Roboto" charset="0"/>
+                <a:ea typeface="SimSun" panose="02010600030101010101" pitchFamily="2" charset="-122"/>
+                <a:cs typeface="Roboto" charset="0"/>
+              </a:rPr>
+              <a:t>n</a:t>
+            </a:r>
+            <a:r>
+              <a:rPr lang="en-US" altLang="en-US" b="1">
+                <a:latin typeface="Roboto" charset="0"/>
+                <a:ea typeface="SimSun" panose="02010600030101010101" pitchFamily="2" charset="-122"/>
+                <a:cs typeface="Roboto" charset="0"/>
+              </a:rPr>
+              <a:t>ã</a:t>
+            </a:r>
+            <a:r>
+              <a:rPr lang="en-US" altLang="pt-PT" b="1">
+                <a:latin typeface="Roboto" charset="0"/>
+                <a:ea typeface="SimSun" panose="02010600030101010101" pitchFamily="2" charset="-122"/>
+                <a:cs typeface="Roboto" charset="0"/>
+              </a:rPr>
+              <a:t>o-chave dependam completamente da chave prim</a:t>
+            </a:r>
+            <a:r>
+              <a:rPr lang="en-US" altLang="en-US" b="1">
+                <a:latin typeface="Roboto" charset="0"/>
+                <a:ea typeface="SimSun" panose="02010600030101010101" pitchFamily="2" charset="-122"/>
+                <a:cs typeface="Roboto" charset="0"/>
+              </a:rPr>
+              <a:t>á</a:t>
+            </a:r>
+            <a:r>
+              <a:rPr lang="en-US" altLang="pt-PT" b="1">
+                <a:latin typeface="Roboto" charset="0"/>
+                <a:ea typeface="SimSun" panose="02010600030101010101" pitchFamily="2" charset="-122"/>
+                <a:cs typeface="Roboto" charset="0"/>
+              </a:rPr>
+              <a:t>ria.</a:t>
             </a:r>
             <a:r>
               <a:rPr lang="en-US" altLang="pt-PT">
@@ -19125,71 +20367,7 @@
                 <a:ea typeface="SimSun" panose="02010600030101010101" pitchFamily="2" charset="-122"/>
                 <a:cs typeface="Roboto" charset="0"/>
               </a:rPr>
-              <a:t>ncias transitivas, ou seja, </a:t>
-            </a:r>
-            <a:r>
-              <a:rPr lang="en-US" altLang="pt-PT" b="1">
-                <a:latin typeface="Roboto" charset="0"/>
-                <a:ea typeface="SimSun" panose="02010600030101010101" pitchFamily="2" charset="-122"/>
-                <a:cs typeface="Roboto" charset="0"/>
-              </a:rPr>
-              <a:t>uma coluna n</a:t>
-            </a:r>
-            <a:r>
-              <a:rPr lang="en-US" altLang="en-US" b="1">
-                <a:latin typeface="Roboto" charset="0"/>
-                <a:ea typeface="SimSun" panose="02010600030101010101" pitchFamily="2" charset="-122"/>
-                <a:cs typeface="Roboto" charset="0"/>
-              </a:rPr>
-              <a:t>ã</a:t>
-            </a:r>
-            <a:r>
-              <a:rPr lang="en-US" altLang="pt-PT" b="1">
-                <a:latin typeface="Roboto" charset="0"/>
-                <a:ea typeface="SimSun" panose="02010600030101010101" pitchFamily="2" charset="-122"/>
-                <a:cs typeface="Roboto" charset="0"/>
-              </a:rPr>
-              <a:t>o pode depender de outra coluna que n</a:t>
-            </a:r>
-            <a:r>
-              <a:rPr lang="en-US" altLang="en-US" b="1">
-                <a:latin typeface="Roboto" charset="0"/>
-                <a:ea typeface="SimSun" panose="02010600030101010101" pitchFamily="2" charset="-122"/>
-                <a:cs typeface="Roboto" charset="0"/>
-              </a:rPr>
-              <a:t>ã</a:t>
-            </a:r>
-            <a:r>
-              <a:rPr lang="en-US" altLang="pt-PT" b="1">
-                <a:latin typeface="Roboto" charset="0"/>
-                <a:ea typeface="SimSun" panose="02010600030101010101" pitchFamily="2" charset="-122"/>
-                <a:cs typeface="Roboto" charset="0"/>
-              </a:rPr>
-              <a:t>o seja a chave prim</a:t>
-            </a:r>
-            <a:r>
-              <a:rPr lang="en-US" altLang="en-US" b="1">
-                <a:latin typeface="Roboto" charset="0"/>
-                <a:ea typeface="SimSun" panose="02010600030101010101" pitchFamily="2" charset="-122"/>
-                <a:cs typeface="Roboto" charset="0"/>
-              </a:rPr>
-              <a:t>á</a:t>
-            </a:r>
-            <a:r>
-              <a:rPr lang="en-US" altLang="pt-PT" b="1">
-                <a:latin typeface="Roboto" charset="0"/>
-                <a:ea typeface="SimSun" panose="02010600030101010101" pitchFamily="2" charset="-122"/>
-                <a:cs typeface="Roboto" charset="0"/>
-              </a:rPr>
-              <a:t>ria. </a:t>
-            </a:r>
-            <a:r>
-              <a:rPr lang="en-US" altLang="pt-PT">
-                <a:latin typeface="Roboto" charset="0"/>
-                <a:ea typeface="SimSun" panose="02010600030101010101" pitchFamily="2" charset="-122"/>
-                <a:cs typeface="Roboto" charset="0"/>
-              </a:rPr>
-              <a:t> </a:t>
+              <a:t>  </a:t>
             </a:r>
             <a:endParaRPr lang="en-US" altLang="pt-PT">
               <a:latin typeface="Roboto" charset="0"/>
@@ -19227,7 +20405,7 @@
                 <a:ea typeface="SimSun" panose="02010600030101010101" pitchFamily="2" charset="-122"/>
                 <a:cs typeface="Roboto" charset="0"/>
               </a:rPr>
-              <a:t>Como as tabelas atendem à 3FN?  </a:t>
+              <a:t>Como as tabelas atendem à 2FN?  </a:t>
             </a:r>
             <a:endParaRPr lang="en-US" altLang="pt-PT">
               <a:latin typeface="Roboto" charset="0"/>
@@ -19265,15 +20443,15 @@
                 <a:ea typeface="SimSun" panose="02010600030101010101" pitchFamily="2" charset="-122"/>
                 <a:cs typeface="Roboto" charset="0"/>
               </a:rPr>
-              <a:t>- `produtos` faz refer</a:t>
-            </a:r>
-            <a:r>
-              <a:rPr lang="en-US" altLang="en-US">
-                <a:latin typeface="Roboto" charset="0"/>
-                <a:ea typeface="SimSun" panose="02010600030101010101" pitchFamily="2" charset="-122"/>
-                <a:cs typeface="Roboto" charset="0"/>
-              </a:rPr>
-              <a:t>ê</a:t>
+              <a:t>- `telefoneFuncionarios`, `telefoneClientes` e `telefoneFornecedores` possuem </a:t>
+            </a:r>
+            <a:r>
+              <a:rPr lang="en-US" altLang="pt-PT" b="1">
+                <a:latin typeface="Roboto" charset="0"/>
+                <a:ea typeface="SimSun" panose="02010600030101010101" pitchFamily="2" charset="-122"/>
+                <a:cs typeface="Roboto" charset="0"/>
+              </a:rPr>
+              <a:t>chaves estrangeiras</a:t>
             </a:r>
             <a:r>
               <a:rPr lang="en-US" altLang="pt-PT">
@@ -19281,47 +20459,7 @@
                 <a:ea typeface="SimSun" panose="02010600030101010101" pitchFamily="2" charset="-122"/>
                 <a:cs typeface="Roboto" charset="0"/>
               </a:rPr>
-              <a:t>ncia a `categorias` por meio do `idCategoria`. Assim, se precisar mudar o nome ou descri</a:t>
-            </a:r>
-            <a:r>
-              <a:rPr lang="" altLang="en-US">
-                <a:latin typeface="Roboto" charset="0"/>
-                <a:ea typeface="SimSun" panose="02010600030101010101" pitchFamily="2" charset="-122"/>
-                <a:cs typeface="Roboto" charset="0"/>
-              </a:rPr>
-              <a:t>ç</a:t>
-            </a:r>
-            <a:r>
-              <a:rPr lang="en-US" altLang="en-US">
-                <a:latin typeface="Roboto" charset="0"/>
-                <a:ea typeface="SimSun" panose="02010600030101010101" pitchFamily="2" charset="-122"/>
-                <a:cs typeface="Roboto" charset="0"/>
-              </a:rPr>
-              <a:t>ã</a:t>
-            </a:r>
-            <a:r>
-              <a:rPr lang="en-US" altLang="pt-PT">
-                <a:latin typeface="Roboto" charset="0"/>
-                <a:ea typeface="SimSun" panose="02010600030101010101" pitchFamily="2" charset="-122"/>
-                <a:cs typeface="Roboto" charset="0"/>
-              </a:rPr>
-              <a:t>o de uma categoria, basta editar um </a:t>
-            </a:r>
-            <a:r>
-              <a:rPr lang="en-US" altLang="en-US">
-                <a:latin typeface="Roboto" charset="0"/>
-                <a:ea typeface="SimSun" panose="02010600030101010101" pitchFamily="2" charset="-122"/>
-                <a:cs typeface="Roboto" charset="0"/>
-              </a:rPr>
-              <a:t>ú</a:t>
-            </a:r>
-            <a:r>
-              <a:rPr lang="en-US" altLang="pt-PT">
-                <a:latin typeface="Roboto" charset="0"/>
-                <a:ea typeface="SimSun" panose="02010600030101010101" pitchFamily="2" charset="-122"/>
-                <a:cs typeface="Roboto" charset="0"/>
-              </a:rPr>
-              <a:t>nico local, sem precisar repetir esse dado em cada produto</a:t>
+              <a:t> (`idFuncionario`, `idCliente`, `idFornecedor`), garantindo que os telefones pertencem exatamente a um registro principal</a:t>
             </a:r>
             <a:r>
               <a:rPr lang="pt-PT" altLang="en-US">
@@ -19331,14 +20469,14 @@
               </a:rPr>
               <a:t>;</a:t>
             </a:r>
-            <a:endParaRPr lang="en-US" altLang="pt-PT">
+            <a:endParaRPr lang="pt-PT" altLang="en-US">
               <a:latin typeface="Roboto" charset="0"/>
               <a:ea typeface="SimSun" panose="02010600030101010101" pitchFamily="2" charset="-122"/>
               <a:cs typeface="Roboto" charset="0"/>
             </a:endParaRPr>
           </a:p>
           <a:p>
-            <a:pPr marL="0" indent="0" algn="just" defTabSz="266700">
+            <a:pPr marL="0" indent="457200" algn="just" defTabSz="266700">
               <a:spcBef>
                 <a:spcPct val="0"/>
               </a:spcBef>
@@ -19353,7 +20491,7 @@
             </a:endParaRPr>
           </a:p>
           <a:p>
-            <a:pPr marL="0" indent="0" algn="just" defTabSz="266700">
+            <a:pPr marL="0" indent="457200" algn="just" defTabSz="266700">
               <a:spcBef>
                 <a:spcPct val="0"/>
               </a:spcBef>
@@ -19367,23 +20505,7 @@
                 <a:ea typeface="SimSun" panose="02010600030101010101" pitchFamily="2" charset="-122"/>
                 <a:cs typeface="Roboto" charset="0"/>
               </a:rPr>
-              <a:t>- `vendas` guarda apenas `idFuncionario` e `idCliente`, sem armazenar os nomes diretamente (que j</a:t>
-            </a:r>
-            <a:r>
-              <a:rPr lang="en-US" altLang="en-US">
-                <a:latin typeface="Roboto" charset="0"/>
-                <a:ea typeface="SimSun" panose="02010600030101010101" pitchFamily="2" charset="-122"/>
-                <a:cs typeface="Roboto" charset="0"/>
-              </a:rPr>
-              <a:t>á</a:t>
-            </a:r>
-            <a:r>
-              <a:rPr lang="en-US" altLang="pt-PT">
-                <a:latin typeface="Roboto" charset="0"/>
-                <a:ea typeface="SimSun" panose="02010600030101010101" pitchFamily="2" charset="-122"/>
-                <a:cs typeface="Roboto" charset="0"/>
-              </a:rPr>
-              <a:t> existem nas tabelas `funcionarios` e `clientes`)</a:t>
+              <a:t>- `vendaProduto` relaciona `vendas` e `produtos`, evitando que os produtos fiquem diretamente na tabela `vendas`</a:t>
             </a:r>
             <a:r>
               <a:rPr lang="pt-PT" altLang="en-US">
@@ -19393,14 +20515,14 @@
               </a:rPr>
               <a:t>;</a:t>
             </a:r>
-            <a:endParaRPr lang="en-US" altLang="pt-PT">
+            <a:endParaRPr lang="pt-PT" altLang="en-US">
               <a:latin typeface="Roboto" charset="0"/>
               <a:ea typeface="SimSun" panose="02010600030101010101" pitchFamily="2" charset="-122"/>
               <a:cs typeface="Roboto" charset="0"/>
             </a:endParaRPr>
           </a:p>
           <a:p>
-            <a:pPr marL="0" indent="0" algn="just" defTabSz="266700">
+            <a:pPr marL="0" indent="457200" algn="just" defTabSz="266700">
               <a:spcBef>
                 <a:spcPct val="0"/>
               </a:spcBef>
@@ -19415,7 +20537,7 @@
             </a:endParaRPr>
           </a:p>
           <a:p>
-            <a:pPr marL="0" indent="0" algn="just" defTabSz="266700">
+            <a:pPr marL="0" indent="457200" algn="just" defTabSz="266700">
               <a:spcBef>
                 <a:spcPct val="0"/>
               </a:spcBef>
@@ -19429,7 +20551,23 @@
                 <a:ea typeface="SimSun" panose="02010600030101010101" pitchFamily="2" charset="-122"/>
                 <a:cs typeface="Roboto" charset="0"/>
               </a:rPr>
-              <a:t>- `estoques`, `entradas` e `saidas` relacionam apenas `idProduto`, sem armazenar nome ou pre</a:t>
+              <a:t>- `estoques`, `entradas` e `saidas` t</a:t>
+            </a:r>
+            <a:r>
+              <a:rPr lang="en-US" altLang="en-US">
+                <a:latin typeface="Roboto" charset="0"/>
+                <a:ea typeface="SimSun" panose="02010600030101010101" pitchFamily="2" charset="-122"/>
+                <a:cs typeface="Roboto" charset="0"/>
+              </a:rPr>
+              <a:t>ê</a:t>
+            </a:r>
+            <a:r>
+              <a:rPr lang="en-US" altLang="pt-PT">
+                <a:latin typeface="Roboto" charset="0"/>
+                <a:ea typeface="SimSun" panose="02010600030101010101" pitchFamily="2" charset="-122"/>
+                <a:cs typeface="Roboto" charset="0"/>
+              </a:rPr>
+              <a:t>m rela</a:t>
             </a:r>
             <a:r>
               <a:rPr lang="" altLang="en-US">
@@ -19440,12 +20578,20 @@
               <a:t>ç</a:t>
             </a:r>
             <a:r>
+              <a:rPr lang="en-US" altLang="en-US">
+                <a:latin typeface="Roboto" charset="0"/>
+                <a:ea typeface="SimSun" panose="02010600030101010101" pitchFamily="2" charset="-122"/>
+                <a:cs typeface="Roboto" charset="0"/>
+              </a:rPr>
+              <a:t>ã</a:t>
+            </a:r>
+            <a:r>
               <a:rPr lang="en-US" altLang="pt-PT">
                 <a:latin typeface="Roboto" charset="0"/>
                 <a:ea typeface="SimSun" panose="02010600030101010101" pitchFamily="2" charset="-122"/>
                 <a:cs typeface="Roboto" charset="0"/>
               </a:rPr>
-              <a:t>o, pois esses dados j</a:t>
+              <a:t>o direta com `produtos` e armazenam apenas dados necess</a:t>
             </a:r>
             <a:r>
               <a:rPr lang="en-US" altLang="en-US">
@@ -19461,7 +20607,61 @@
                 <a:ea typeface="SimSun" panose="02010600030101010101" pitchFamily="2" charset="-122"/>
                 <a:cs typeface="Roboto" charset="0"/>
               </a:rPr>
-              <a:t> est</a:t>
+              <a:t>rios, evitando informa</a:t>
+            </a:r>
+            <a:r>
+              <a:rPr lang="" altLang="en-US">
+                <a:latin typeface="Roboto" charset="0"/>
+                <a:ea typeface="SimSun" panose="02010600030101010101" pitchFamily="2" charset="-122"/>
+                <a:cs typeface="Roboto" charset="0"/>
+              </a:rPr>
+              <a:t>çõ</a:t>
+            </a:r>
+            <a:r>
+              <a:rPr lang="en-US" altLang="pt-PT">
+                <a:latin typeface="Roboto" charset="0"/>
+                <a:ea typeface="SimSun" panose="02010600030101010101" pitchFamily="2" charset="-122"/>
+                <a:cs typeface="Roboto" charset="0"/>
+              </a:rPr>
+              <a:t>es duplicadas.  </a:t>
+            </a:r>
+            <a:endParaRPr lang="en-US" altLang="pt-PT">
+              <a:latin typeface="Roboto" charset="0"/>
+              <a:ea typeface="SimSun" panose="02010600030101010101" pitchFamily="2" charset="-122"/>
+              <a:cs typeface="Roboto" charset="0"/>
+            </a:endParaRPr>
+          </a:p>
+          <a:p>
+            <a:pPr marL="0" indent="457200" algn="just" defTabSz="266700">
+              <a:spcBef>
+                <a:spcPct val="0"/>
+              </a:spcBef>
+              <a:spcAft>
+                <a:spcPct val="0"/>
+              </a:spcAft>
+            </a:pPr>
+            <a:endParaRPr lang="en-US" altLang="pt-PT">
+              <a:latin typeface="Roboto" charset="0"/>
+              <a:ea typeface="SimSun" panose="02010600030101010101" pitchFamily="2" charset="-122"/>
+              <a:cs typeface="Roboto" charset="0"/>
+            </a:endParaRPr>
+          </a:p>
+          <a:p>
+            <a:pPr marL="0" indent="457200" algn="just" defTabSz="266700">
+              <a:spcBef>
+                <a:spcPct val="0"/>
+              </a:spcBef>
+              <a:spcAft>
+                <a:spcPct val="0"/>
+              </a:spcAft>
+            </a:pPr>
+            <a:r>
+              <a:rPr lang="en-US" altLang="pt-PT">
+                <a:latin typeface="Roboto" charset="0"/>
+                <a:ea typeface="SimSun" panose="02010600030101010101" pitchFamily="2" charset="-122"/>
+                <a:cs typeface="Roboto" charset="0"/>
+              </a:rPr>
+              <a:t>Nenhuma tabela cont</a:t>
             </a:r>
             <a:r>
               <a:rPr lang="en-US" altLang="en-US">
@@ -19469,7 +20669,7 @@
                 <a:ea typeface="SimSun" panose="02010600030101010101" pitchFamily="2" charset="-122"/>
                 <a:cs typeface="Roboto" charset="0"/>
               </a:rPr>
-              <a:t>ã</a:t>
+              <a:t>é</a:t>
             </a:r>
             <a:r>
               <a:rPr lang="en-US" altLang="pt-PT">
@@ -19477,7 +20677,15 @@
                 <a:ea typeface="SimSun" panose="02010600030101010101" pitchFamily="2" charset="-122"/>
                 <a:cs typeface="Roboto" charset="0"/>
               </a:rPr>
-              <a:t>o em `produtos`.  </a:t>
+              <a:t>m colunas que s</a:t>
+            </a:r>
+            <a:r>
+              <a:rPr lang="en-US" altLang="en-US">
+                <a:latin typeface="Roboto" charset="0"/>
+                <a:ea typeface="SimSun" panose="02010600030101010101" pitchFamily="2" charset="-122"/>
+                <a:cs typeface="Roboto" charset="0"/>
+              </a:rPr>
+              <a:t>ó</a:t>
             </a:r>
             <a:r>
               <a:rPr lang="en-US" altLang="pt-PT">
@@ -19485,7 +20693,23 @@
                 <a:ea typeface="SimSun" panose="02010600030101010101" pitchFamily="2" charset="-122"/>
                 <a:cs typeface="Roboto" charset="0"/>
               </a:rPr>
-              <a:t> </a:t>
+              <a:t> fazem sentido para parte da chave prim</a:t>
+            </a:r>
+            <a:r>
+              <a:rPr lang="en-US" altLang="en-US">
+                <a:latin typeface="Roboto" charset="0"/>
+                <a:ea typeface="SimSun" panose="02010600030101010101" pitchFamily="2" charset="-122"/>
+                <a:cs typeface="Roboto" charset="0"/>
+              </a:rPr>
+              <a:t>á</a:t>
+            </a:r>
+            <a:r>
+              <a:rPr lang="en-US" altLang="pt-PT">
+                <a:latin typeface="Roboto" charset="0"/>
+                <a:ea typeface="SimSun" panose="02010600030101010101" pitchFamily="2" charset="-122"/>
+                <a:cs typeface="Roboto" charset="0"/>
+              </a:rPr>
+              <a:t>ria. </a:t>
             </a:r>
             <a:endParaRPr lang="en-US" altLang="pt-PT">
               <a:latin typeface="Roboto" charset="0"/>
@@ -19591,7 +20815,7 @@
         <p:spPr>
           <a:xfrm>
             <a:off x="680720" y="1164590"/>
-            <a:ext cx="10828655" cy="1249680"/>
+            <a:ext cx="10828655" cy="5360670"/>
           </a:xfrm>
           <a:prstGeom prst="rect">
             <a:avLst/>
@@ -19611,12 +20835,98 @@
               </a:spcAft>
             </a:pPr>
             <a:r>
+              <a:rPr lang="en-US" altLang="pt-PT" b="1">
+                <a:latin typeface="Roboto" charset="0"/>
+                <a:ea typeface="SimSun" panose="02010600030101010101" pitchFamily="2" charset="-122"/>
+                <a:cs typeface="Roboto" charset="0"/>
+              </a:rPr>
+              <a:t>3</a:t>
+            </a:r>
+            <a:r>
+              <a:rPr lang="en-US" altLang="en-US" b="1">
+                <a:latin typeface="Roboto" charset="0"/>
+                <a:ea typeface="SimSun" panose="02010600030101010101" pitchFamily="2" charset="-122"/>
+                <a:cs typeface="Roboto" charset="0"/>
+              </a:rPr>
+              <a:t>ª</a:t>
+            </a:r>
+            <a:r>
+              <a:rPr lang="en-US" altLang="pt-PT" b="1">
+                <a:latin typeface="Roboto" charset="0"/>
+                <a:ea typeface="SimSun" panose="02010600030101010101" pitchFamily="2" charset="-122"/>
+                <a:cs typeface="Roboto" charset="0"/>
+              </a:rPr>
+              <a:t> Forma Normal (3FN) - Sem depend</a:t>
+            </a:r>
+            <a:r>
+              <a:rPr lang="en-US" altLang="en-US" b="1">
+                <a:latin typeface="Roboto" charset="0"/>
+                <a:ea typeface="SimSun" panose="02010600030101010101" pitchFamily="2" charset="-122"/>
+                <a:cs typeface="Roboto" charset="0"/>
+              </a:rPr>
+              <a:t>ê</a:t>
+            </a:r>
+            <a:r>
+              <a:rPr lang="en-US" altLang="pt-PT" b="1">
+                <a:latin typeface="Roboto" charset="0"/>
+                <a:ea typeface="SimSun" panose="02010600030101010101" pitchFamily="2" charset="-122"/>
+                <a:cs typeface="Roboto" charset="0"/>
+              </a:rPr>
+              <a:t>ncias transitivas</a:t>
+            </a:r>
+            <a:endParaRPr lang="en-US" altLang="pt-PT" b="1">
+              <a:latin typeface="Roboto" charset="0"/>
+              <a:ea typeface="SimSun" panose="02010600030101010101" pitchFamily="2" charset="-122"/>
+              <a:cs typeface="Roboto" charset="0"/>
+            </a:endParaRPr>
+          </a:p>
+          <a:p>
+            <a:pPr marL="0" indent="0" algn="just" defTabSz="266700">
+              <a:spcBef>
+                <a:spcPct val="0"/>
+              </a:spcBef>
+              <a:spcAft>
+                <a:spcPct val="0"/>
+              </a:spcAft>
+            </a:pPr>
+            <a:endParaRPr lang="en-US" altLang="pt-PT" b="1">
+              <a:latin typeface="Roboto" charset="0"/>
+              <a:ea typeface="SimSun" panose="02010600030101010101" pitchFamily="2" charset="-122"/>
+              <a:cs typeface="Roboto" charset="0"/>
+            </a:endParaRPr>
+          </a:p>
+          <a:p>
+            <a:pPr marL="0" indent="457200" algn="just" defTabSz="266700">
+              <a:spcBef>
+                <a:spcPct val="0"/>
+              </a:spcBef>
+              <a:spcAft>
+                <a:spcPct val="0"/>
+              </a:spcAft>
+            </a:pPr>
+            <a:r>
               <a:rPr lang="en-US" altLang="pt-PT">
                 <a:latin typeface="Roboto" charset="0"/>
                 <a:ea typeface="SimSun" panose="02010600030101010101" pitchFamily="2" charset="-122"/>
                 <a:cs typeface="Roboto" charset="0"/>
               </a:rPr>
-              <a:t>Esta consulta retorna a quantidade total do produto "Paracetamol" vendido pelo funcion</a:t>
+              <a:t>A </a:t>
+            </a:r>
+            <a:r>
+              <a:rPr lang="en-US" altLang="pt-PT" b="1">
+                <a:latin typeface="Roboto" charset="0"/>
+                <a:ea typeface="SimSun" panose="02010600030101010101" pitchFamily="2" charset="-122"/>
+                <a:cs typeface="Roboto" charset="0"/>
+              </a:rPr>
+              <a:t>3FN</a:t>
+            </a:r>
+            <a:r>
+              <a:rPr lang="en-US" altLang="pt-PT">
+                <a:latin typeface="Roboto" charset="0"/>
+                <a:ea typeface="SimSun" panose="02010600030101010101" pitchFamily="2" charset="-122"/>
+                <a:cs typeface="Roboto" charset="0"/>
+              </a:rPr>
+              <a:t> elimina depend</a:t>
             </a:r>
             <a:r>
               <a:rPr lang="en-US" altLang="en-US">
@@ -19624,15 +20934,155 @@
                 <a:ea typeface="SimSun" panose="02010600030101010101" pitchFamily="2" charset="-122"/>
                 <a:cs typeface="Roboto" charset="0"/>
               </a:rPr>
+              <a:t>ê</a:t>
+            </a:r>
+            <a:r>
+              <a:rPr lang="en-US" altLang="pt-PT">
+                <a:latin typeface="Roboto" charset="0"/>
+                <a:ea typeface="SimSun" panose="02010600030101010101" pitchFamily="2" charset="-122"/>
+                <a:cs typeface="Roboto" charset="0"/>
+              </a:rPr>
+              <a:t>ncias transitivas, ou seja, </a:t>
+            </a:r>
+            <a:r>
+              <a:rPr lang="en-US" altLang="pt-PT" b="1">
+                <a:latin typeface="Roboto" charset="0"/>
+                <a:ea typeface="SimSun" panose="02010600030101010101" pitchFamily="2" charset="-122"/>
+                <a:cs typeface="Roboto" charset="0"/>
+              </a:rPr>
+              <a:t>uma coluna n</a:t>
+            </a:r>
+            <a:r>
+              <a:rPr lang="en-US" altLang="en-US" b="1">
+                <a:latin typeface="Roboto" charset="0"/>
+                <a:ea typeface="SimSun" panose="02010600030101010101" pitchFamily="2" charset="-122"/>
+                <a:cs typeface="Roboto" charset="0"/>
+              </a:rPr>
+              <a:t>ã</a:t>
+            </a:r>
+            <a:r>
+              <a:rPr lang="en-US" altLang="pt-PT" b="1">
+                <a:latin typeface="Roboto" charset="0"/>
+                <a:ea typeface="SimSun" panose="02010600030101010101" pitchFamily="2" charset="-122"/>
+                <a:cs typeface="Roboto" charset="0"/>
+              </a:rPr>
+              <a:t>o pode depender de outra coluna que n</a:t>
+            </a:r>
+            <a:r>
+              <a:rPr lang="en-US" altLang="en-US" b="1">
+                <a:latin typeface="Roboto" charset="0"/>
+                <a:ea typeface="SimSun" panose="02010600030101010101" pitchFamily="2" charset="-122"/>
+                <a:cs typeface="Roboto" charset="0"/>
+              </a:rPr>
+              <a:t>ã</a:t>
+            </a:r>
+            <a:r>
+              <a:rPr lang="en-US" altLang="pt-PT" b="1">
+                <a:latin typeface="Roboto" charset="0"/>
+                <a:ea typeface="SimSun" panose="02010600030101010101" pitchFamily="2" charset="-122"/>
+                <a:cs typeface="Roboto" charset="0"/>
+              </a:rPr>
+              <a:t>o seja a chave prim</a:t>
+            </a:r>
+            <a:r>
+              <a:rPr lang="en-US" altLang="en-US" b="1">
+                <a:latin typeface="Roboto" charset="0"/>
+                <a:ea typeface="SimSun" panose="02010600030101010101" pitchFamily="2" charset="-122"/>
+                <a:cs typeface="Roboto" charset="0"/>
+              </a:rPr>
               <a:t>á</a:t>
             </a:r>
             <a:r>
+              <a:rPr lang="en-US" altLang="pt-PT" b="1">
+                <a:latin typeface="Roboto" charset="0"/>
+                <a:ea typeface="SimSun" panose="02010600030101010101" pitchFamily="2" charset="-122"/>
+                <a:cs typeface="Roboto" charset="0"/>
+              </a:rPr>
+              <a:t>ria. </a:t>
+            </a:r>
+            <a:r>
               <a:rPr lang="en-US" altLang="pt-PT">
                 <a:latin typeface="Roboto" charset="0"/>
                 <a:ea typeface="SimSun" panose="02010600030101010101" pitchFamily="2" charset="-122"/>
                 <a:cs typeface="Roboto" charset="0"/>
               </a:rPr>
-              <a:t>rio "Abner Louren</a:t>
+              <a:t> </a:t>
+            </a:r>
+            <a:endParaRPr lang="en-US" altLang="pt-PT">
+              <a:latin typeface="Roboto" charset="0"/>
+              <a:ea typeface="SimSun" panose="02010600030101010101" pitchFamily="2" charset="-122"/>
+              <a:cs typeface="Roboto" charset="0"/>
+            </a:endParaRPr>
+          </a:p>
+          <a:p>
+            <a:pPr marL="0" indent="457200" algn="just" defTabSz="266700">
+              <a:spcBef>
+                <a:spcPct val="0"/>
+              </a:spcBef>
+              <a:spcAft>
+                <a:spcPct val="0"/>
+              </a:spcAft>
+            </a:pPr>
+            <a:endParaRPr lang="en-US" altLang="pt-PT">
+              <a:latin typeface="Roboto" charset="0"/>
+              <a:ea typeface="SimSun" panose="02010600030101010101" pitchFamily="2" charset="-122"/>
+              <a:cs typeface="Roboto" charset="0"/>
+            </a:endParaRPr>
+          </a:p>
+          <a:p>
+            <a:pPr marL="0" indent="0" algn="just" defTabSz="266700">
+              <a:spcBef>
+                <a:spcPct val="0"/>
+              </a:spcBef>
+              <a:spcAft>
+                <a:spcPct val="0"/>
+              </a:spcAft>
+            </a:pPr>
+            <a:r>
+              <a:rPr lang="en-US" altLang="pt-PT">
+                <a:latin typeface="Roboto" charset="0"/>
+                <a:ea typeface="SimSun" panose="02010600030101010101" pitchFamily="2" charset="-122"/>
+                <a:cs typeface="Roboto" charset="0"/>
+              </a:rPr>
+              <a:t>Como as tabelas atendem à 3FN?  </a:t>
+            </a:r>
+            <a:endParaRPr lang="en-US" altLang="pt-PT">
+              <a:latin typeface="Roboto" charset="0"/>
+              <a:ea typeface="SimSun" panose="02010600030101010101" pitchFamily="2" charset="-122"/>
+              <a:cs typeface="Roboto" charset="0"/>
+            </a:endParaRPr>
+          </a:p>
+          <a:p>
+            <a:pPr marL="0" indent="0" algn="just" defTabSz="266700">
+              <a:spcBef>
+                <a:spcPct val="0"/>
+              </a:spcBef>
+              <a:spcAft>
+                <a:spcPct val="0"/>
+              </a:spcAft>
+            </a:pPr>
+            <a:endParaRPr lang="en-US" altLang="pt-PT">
+              <a:latin typeface="Roboto" charset="0"/>
+              <a:ea typeface="SimSun" panose="02010600030101010101" pitchFamily="2" charset="-122"/>
+              <a:cs typeface="Roboto" charset="0"/>
+            </a:endParaRPr>
+          </a:p>
+          <a:p>
+            <a:pPr marL="0" indent="457200" algn="just" defTabSz="266700">
+              <a:spcBef>
+                <a:spcPct val="0"/>
+              </a:spcBef>
+              <a:spcAft>
+                <a:spcPct val="0"/>
+              </a:spcAft>
+            </a:pPr>
+            <a:r>
+              <a:rPr lang="en-US" altLang="pt-PT">
+                <a:latin typeface="Roboto" charset="0"/>
+                <a:ea typeface="SimSun" panose="02010600030101010101" pitchFamily="2" charset="-122"/>
+                <a:cs typeface="Roboto" charset="0"/>
+              </a:rPr>
+              <a:t>- `produtos` faz refer</a:t>
             </a:r>
             <a:r>
               <a:rPr lang="en-US" altLang="en-US">
@@ -19640,15 +21090,39 @@
                 <a:ea typeface="SimSun" panose="02010600030101010101" pitchFamily="2" charset="-122"/>
                 <a:cs typeface="Roboto" charset="0"/>
               </a:rPr>
+              <a:t>ê</a:t>
+            </a:r>
+            <a:r>
+              <a:rPr lang="en-US" altLang="pt-PT">
+                <a:latin typeface="Roboto" charset="0"/>
+                <a:ea typeface="SimSun" panose="02010600030101010101" pitchFamily="2" charset="-122"/>
+                <a:cs typeface="Roboto" charset="0"/>
+              </a:rPr>
+              <a:t>ncia a `categorias` por meio do `idCategoria`. Assim, se precisar mudar o nome ou descri</a:t>
+            </a:r>
+            <a:r>
+              <a:rPr lang="" altLang="en-US">
+                <a:latin typeface="Roboto" charset="0"/>
+                <a:ea typeface="SimSun" panose="02010600030101010101" pitchFamily="2" charset="-122"/>
+                <a:cs typeface="Roboto" charset="0"/>
+              </a:rPr>
               <a:t>ç</a:t>
             </a:r>
             <a:r>
+              <a:rPr lang="en-US" altLang="en-US">
+                <a:latin typeface="Roboto" charset="0"/>
+                <a:ea typeface="SimSun" panose="02010600030101010101" pitchFamily="2" charset="-122"/>
+                <a:cs typeface="Roboto" charset="0"/>
+              </a:rPr>
+              <a:t>ã</a:t>
+            </a:r>
+            <a:r>
               <a:rPr lang="en-US" altLang="pt-PT">
                 <a:latin typeface="Roboto" charset="0"/>
                 <a:ea typeface="SimSun" panose="02010600030101010101" pitchFamily="2" charset="-122"/>
                 <a:cs typeface="Roboto" charset="0"/>
               </a:rPr>
-              <a:t>o", que foi fornecido pelo fornecedor  "Andr</a:t>
+              <a:t>o de uma categoria, basta editar um </a:t>
             </a:r>
             <a:r>
               <a:rPr lang="en-US" altLang="en-US">
@@ -19656,7 +21130,7 @@
                 <a:ea typeface="SimSun" panose="02010600030101010101" pitchFamily="2" charset="-122"/>
                 <a:cs typeface="Roboto" charset="0"/>
               </a:rPr>
-              <a:t>é</a:t>
+              <a:t>ú</a:t>
             </a:r>
             <a:r>
               <a:rPr lang="en-US" altLang="pt-PT">
@@ -19664,7 +21138,53 @@
                 <a:ea typeface="SimSun" panose="02010600030101010101" pitchFamily="2" charset="-122"/>
                 <a:cs typeface="Roboto" charset="0"/>
               </a:rPr>
-              <a:t> Monteiro", no dia 10 de Mar</a:t>
+              <a:t>nico local, sem precisar repetir esse dado em cada produto</a:t>
+            </a:r>
+            <a:r>
+              <a:rPr lang="pt-PT" altLang="en-US">
+                <a:latin typeface="Roboto" charset="0"/>
+                <a:ea typeface="SimSun" panose="02010600030101010101" pitchFamily="2" charset="-122"/>
+                <a:cs typeface="Roboto" charset="0"/>
+              </a:rPr>
+              <a:t>;</a:t>
+            </a:r>
+            <a:endParaRPr lang="en-US" altLang="pt-PT">
+              <a:latin typeface="Roboto" charset="0"/>
+              <a:ea typeface="SimSun" panose="02010600030101010101" pitchFamily="2" charset="-122"/>
+              <a:cs typeface="Roboto" charset="0"/>
+            </a:endParaRPr>
+          </a:p>
+          <a:p>
+            <a:pPr marL="0" indent="0" algn="just" defTabSz="266700">
+              <a:spcBef>
+                <a:spcPct val="0"/>
+              </a:spcBef>
+              <a:spcAft>
+                <a:spcPct val="0"/>
+              </a:spcAft>
+            </a:pPr>
+            <a:endParaRPr lang="en-US" altLang="pt-PT">
+              <a:latin typeface="Roboto" charset="0"/>
+              <a:ea typeface="SimSun" panose="02010600030101010101" pitchFamily="2" charset="-122"/>
+              <a:cs typeface="Roboto" charset="0"/>
+            </a:endParaRPr>
+          </a:p>
+          <a:p>
+            <a:pPr marL="0" indent="0" algn="just" defTabSz="266700">
+              <a:spcBef>
+                <a:spcPct val="0"/>
+              </a:spcBef>
+              <a:spcAft>
+                <a:spcPct val="0"/>
+              </a:spcAft>
+            </a:pPr>
+            <a:r>
+              <a:rPr lang="en-US" altLang="pt-PT">
+                <a:latin typeface="Roboto" charset="0"/>
+                <a:ea typeface="SimSun" panose="02010600030101010101" pitchFamily="2" charset="-122"/>
+                <a:cs typeface="Roboto" charset="0"/>
+              </a:rPr>
+              <a:t>- `vendas` guarda apenas `idFuncionario` e `idCliente`, sem armazenar os nomes diretamente (que j</a:t>
             </a:r>
             <a:r>
               <a:rPr lang="en-US" altLang="en-US">
@@ -19672,6 +21192,68 @@
                 <a:ea typeface="SimSun" panose="02010600030101010101" pitchFamily="2" charset="-122"/>
                 <a:cs typeface="Roboto" charset="0"/>
               </a:rPr>
+              <a:t>á</a:t>
+            </a:r>
+            <a:r>
+              <a:rPr lang="en-US" altLang="pt-PT">
+                <a:latin typeface="Roboto" charset="0"/>
+                <a:ea typeface="SimSun" panose="02010600030101010101" pitchFamily="2" charset="-122"/>
+                <a:cs typeface="Roboto" charset="0"/>
+              </a:rPr>
+              <a:t> existem nas tabelas `funcionarios` e `clientes`)</a:t>
+            </a:r>
+            <a:r>
+              <a:rPr lang="pt-PT" altLang="en-US">
+                <a:latin typeface="Roboto" charset="0"/>
+                <a:ea typeface="SimSun" panose="02010600030101010101" pitchFamily="2" charset="-122"/>
+                <a:cs typeface="Roboto" charset="0"/>
+              </a:rPr>
+              <a:t>;</a:t>
+            </a:r>
+            <a:endParaRPr lang="en-US" altLang="pt-PT">
+              <a:latin typeface="Roboto" charset="0"/>
+              <a:ea typeface="SimSun" panose="02010600030101010101" pitchFamily="2" charset="-122"/>
+              <a:cs typeface="Roboto" charset="0"/>
+            </a:endParaRPr>
+          </a:p>
+          <a:p>
+            <a:pPr marL="0" indent="0" algn="just" defTabSz="266700">
+              <a:spcBef>
+                <a:spcPct val="0"/>
+              </a:spcBef>
+              <a:spcAft>
+                <a:spcPct val="0"/>
+              </a:spcAft>
+            </a:pPr>
+            <a:endParaRPr lang="en-US" altLang="pt-PT">
+              <a:latin typeface="Roboto" charset="0"/>
+              <a:ea typeface="SimSun" panose="02010600030101010101" pitchFamily="2" charset="-122"/>
+              <a:cs typeface="Roboto" charset="0"/>
+            </a:endParaRPr>
+          </a:p>
+          <a:p>
+            <a:pPr marL="0" indent="0" algn="just" defTabSz="266700">
+              <a:spcBef>
+                <a:spcPct val="0"/>
+              </a:spcBef>
+              <a:spcAft>
+                <a:spcPct val="0"/>
+              </a:spcAft>
+            </a:pPr>
+            <a:r>
+              <a:rPr lang="en-US" altLang="pt-PT">
+                <a:latin typeface="Roboto" charset="0"/>
+                <a:ea typeface="SimSun" panose="02010600030101010101" pitchFamily="2" charset="-122"/>
+                <a:cs typeface="Roboto" charset="0"/>
+              </a:rPr>
+              <a:t>- `estoques`, `entradas` e `saidas` relacionam apenas `idProduto`, sem armazenar nome ou pre</a:t>
+            </a:r>
+            <a:r>
+              <a:rPr lang="" altLang="en-US">
+                <a:latin typeface="Roboto" charset="0"/>
+                <a:ea typeface="SimSun" panose="02010600030101010101" pitchFamily="2" charset="-122"/>
+                <a:cs typeface="Roboto" charset="0"/>
+              </a:rPr>
               <a:t>ç</a:t>
             </a:r>
             <a:r>
@@ -19680,7 +21262,7 @@
                 <a:ea typeface="SimSun" panose="02010600030101010101" pitchFamily="2" charset="-122"/>
                 <a:cs typeface="Roboto" charset="0"/>
               </a:rPr>
-              <a:t>o de 2025. O resultado inclui o nome do funcion</a:t>
+              <a:t>o, pois esses dados j</a:t>
             </a:r>
             <a:r>
               <a:rPr lang="en-US" altLang="en-US">
@@ -19696,7 +21278,31 @@
                 <a:ea typeface="SimSun" panose="02010600030101010101" pitchFamily="2" charset="-122"/>
                 <a:cs typeface="Roboto" charset="0"/>
               </a:rPr>
-              <a:t>rio, o nome do fornecedor, o nome do produto, a quantidade total vendida e a data da venda.</a:t>
+              <a:t> est</a:t>
+            </a:r>
+            <a:r>
+              <a:rPr lang="en-US" altLang="en-US">
+                <a:latin typeface="Roboto" charset="0"/>
+                <a:ea typeface="SimSun" panose="02010600030101010101" pitchFamily="2" charset="-122"/>
+                <a:cs typeface="Roboto" charset="0"/>
+              </a:rPr>
+              <a:t>ã</a:t>
+            </a:r>
+            <a:r>
+              <a:rPr lang="en-US" altLang="pt-PT">
+                <a:latin typeface="Roboto" charset="0"/>
+                <a:ea typeface="SimSun" panose="02010600030101010101" pitchFamily="2" charset="-122"/>
+                <a:cs typeface="Roboto" charset="0"/>
+              </a:rPr>
+              <a:t>o em `produtos`.  </a:t>
+            </a:r>
+            <a:r>
+              <a:rPr lang="en-US" altLang="pt-PT">
+                <a:latin typeface="Roboto" charset="0"/>
+                <a:ea typeface="SimSun" panose="02010600030101010101" pitchFamily="2" charset="-122"/>
+                <a:cs typeface="Roboto" charset="0"/>
+              </a:rPr>
+              <a:t> </a:t>
             </a:r>
             <a:endParaRPr lang="en-US" altLang="pt-PT">
               <a:latin typeface="Roboto" charset="0"/>
@@ -19743,7 +21349,7 @@
                 <a:ea typeface="SimSun" panose="02010600030101010101" pitchFamily="2" charset="-122"/>
                 <a:cs typeface="Roboto" charset="0"/>
               </a:rPr>
-              <a:t>Consultas Avançadas</a:t>
+              <a:t>Normalização</a:t>
             </a:r>
             <a:endParaRPr lang="pt-PT" altLang="en-US" sz="2400" b="1">
               <a:solidFill>
@@ -19756,30 +21362,6 @@
           </a:p>
         </p:txBody>
       </p:sp>
-      <p:pic>
-        <p:nvPicPr>
-          <p:cNvPr id="5" name="Imagem 5" descr="code1"/>
-          <p:cNvPicPr>
-            <a:picLocks noChangeAspect="1"/>
-          </p:cNvPicPr>
-          <p:nvPr/>
-        </p:nvPicPr>
-        <p:blipFill>
-          <a:blip r:embed="rId1"/>
-          <a:stretch>
-            <a:fillRect/>
-          </a:stretch>
-        </p:blipFill>
-        <p:spPr>
-          <a:xfrm>
-            <a:off x="3401695" y="2230120"/>
-            <a:ext cx="3832860" cy="4037330"/>
-          </a:xfrm>
-          <a:prstGeom prst="rect">
-            <a:avLst/>
-          </a:prstGeom>
-        </p:spPr>
-      </p:pic>
     </p:spTree>
   </p:cSld>
   <p:clrMapOvr>
@@ -19826,7 +21408,7 @@
         <p:spPr>
           <a:xfrm>
             <a:off x="680720" y="1164590"/>
-            <a:ext cx="10828655" cy="808990"/>
+            <a:ext cx="10828655" cy="1249680"/>
           </a:xfrm>
           <a:prstGeom prst="rect">
             <a:avLst/>
@@ -19851,7 +21433,7 @@
                 <a:ea typeface="SimSun" panose="02010600030101010101" pitchFamily="2" charset="-122"/>
                 <a:cs typeface="Roboto" charset="0"/>
               </a:rPr>
-              <a:t>Essa consulta retorna a quantidade total de produtos vendidos por cada funcion</a:t>
+              <a:t>Esta consulta retorna a quantidade total do produto "Paracetamol" vendido pelo funcion</a:t>
             </a:r>
             <a:r>
               <a:rPr lang="en-US" altLang="en-US">
@@ -19867,7 +21449,7 @@
                 <a:ea typeface="SimSun" panose="02010600030101010101" pitchFamily="2" charset="-122"/>
                 <a:cs typeface="Roboto" charset="0"/>
               </a:rPr>
-              <a:t>rio dentro do per</a:t>
+              <a:t>rio "Abner Louren</a:t>
             </a:r>
             <a:r>
               <a:rPr lang="en-US" altLang="en-US">
@@ -19875,7 +21457,7 @@
                 <a:ea typeface="SimSun" panose="02010600030101010101" pitchFamily="2" charset="-122"/>
                 <a:cs typeface="Roboto" charset="0"/>
               </a:rPr>
-              <a:t>í</a:t>
+              <a:t>ç</a:t>
             </a:r>
             <a:r>
               <a:rPr lang="en-US" altLang="pt-PT">
@@ -19883,7 +21465,7 @@
                 <a:ea typeface="SimSun" panose="02010600030101010101" pitchFamily="2" charset="-122"/>
                 <a:cs typeface="Roboto" charset="0"/>
               </a:rPr>
-              <a:t>odo entre 10 de mar</a:t>
+              <a:t>o", que foi fornecido pelo fornecedor  "Andr</a:t>
             </a:r>
             <a:r>
               <a:rPr lang="en-US" altLang="en-US">
@@ -19891,6 +21473,22 @@
                 <a:ea typeface="SimSun" panose="02010600030101010101" pitchFamily="2" charset="-122"/>
                 <a:cs typeface="Roboto" charset="0"/>
               </a:rPr>
+              <a:t>é</a:t>
+            </a:r>
+            <a:r>
+              <a:rPr lang="en-US" altLang="pt-PT">
+                <a:latin typeface="Roboto" charset="0"/>
+                <a:ea typeface="SimSun" panose="02010600030101010101" pitchFamily="2" charset="-122"/>
+                <a:cs typeface="Roboto" charset="0"/>
+              </a:rPr>
+              <a:t> Monteiro", no dia 10 de Mar</a:t>
+            </a:r>
+            <a:r>
+              <a:rPr lang="en-US" altLang="en-US">
+                <a:latin typeface="Roboto" charset="0"/>
+                <a:ea typeface="SimSun" panose="02010600030101010101" pitchFamily="2" charset="-122"/>
+                <a:cs typeface="Roboto" charset="0"/>
+              </a:rPr>
               <a:t>ç</a:t>
             </a:r>
             <a:r>
@@ -19899,7 +21497,7 @@
                 <a:ea typeface="SimSun" panose="02010600030101010101" pitchFamily="2" charset="-122"/>
                 <a:cs typeface="Roboto" charset="0"/>
               </a:rPr>
-              <a:t>o de 2025 e 15 de mar</a:t>
+              <a:t>o de 2025. O resultado inclui o nome do funcion</a:t>
             </a:r>
             <a:r>
               <a:rPr lang="en-US" altLang="en-US">
@@ -19907,7 +21505,7 @@
                 <a:ea typeface="SimSun" panose="02010600030101010101" pitchFamily="2" charset="-122"/>
                 <a:cs typeface="Roboto" charset="0"/>
               </a:rPr>
-              <a:t>ç</a:t>
+              <a:t>á</a:t>
             </a:r>
             <a:r>
               <a:rPr lang="en-US" altLang="pt-PT">
@@ -19915,7 +21513,7 @@
                 <a:ea typeface="SimSun" panose="02010600030101010101" pitchFamily="2" charset="-122"/>
                 <a:cs typeface="Roboto" charset="0"/>
               </a:rPr>
-              <a:t>o de 2025.</a:t>
+              <a:t>rio, o nome do fornecedor, o nome do produto, a quantidade total vendida e a data da venda.</a:t>
             </a:r>
             <a:endParaRPr lang="en-US" altLang="pt-PT">
               <a:latin typeface="Roboto" charset="0"/>
@@ -19977,7 +21575,7 @@
       </p:sp>
       <p:pic>
         <p:nvPicPr>
-          <p:cNvPr id="2" name="Imagem 7" descr="code"/>
+          <p:cNvPr id="5" name="Imagem 5" descr="code1"/>
           <p:cNvPicPr>
             <a:picLocks noChangeAspect="1"/>
           </p:cNvPicPr>
@@ -19991,8 +21589,8 @@
         </p:blipFill>
         <p:spPr>
           <a:xfrm>
-            <a:off x="2967673" y="1973580"/>
-            <a:ext cx="5390515" cy="4389120"/>
+            <a:off x="3401695" y="2230120"/>
+            <a:ext cx="3832860" cy="4037330"/>
           </a:xfrm>
           <a:prstGeom prst="rect">
             <a:avLst/>
@@ -20070,7 +21668,7 @@
                 <a:ea typeface="SimSun" panose="02010600030101010101" pitchFamily="2" charset="-122"/>
                 <a:cs typeface="Roboto" charset="0"/>
               </a:rPr>
-              <a:t>Essa consulta identifica o funcion</a:t>
+              <a:t>Essa consulta retorna a quantidade total de produtos vendidos por cada funcion</a:t>
             </a:r>
             <a:r>
               <a:rPr lang="en-US" altLang="en-US">
@@ -20086,7 +21684,7 @@
                 <a:ea typeface="SimSun" panose="02010600030101010101" pitchFamily="2" charset="-122"/>
                 <a:cs typeface="Roboto" charset="0"/>
               </a:rPr>
-              <a:t>rio que mais vendeu Ibuprofeno à cliente Tatiana no m</a:t>
+              <a:t>rio dentro do per</a:t>
             </a:r>
             <a:r>
               <a:rPr lang="en-US" altLang="en-US">
@@ -20094,7 +21692,7 @@
                 <a:ea typeface="SimSun" panose="02010600030101010101" pitchFamily="2" charset="-122"/>
                 <a:cs typeface="Roboto" charset="0"/>
               </a:rPr>
-              <a:t>ê</a:t>
+              <a:t>í</a:t>
             </a:r>
             <a:r>
               <a:rPr lang="en-US" altLang="pt-PT">
@@ -20102,7 +21700,7 @@
                 <a:ea typeface="SimSun" panose="02010600030101010101" pitchFamily="2" charset="-122"/>
                 <a:cs typeface="Roboto" charset="0"/>
               </a:rPr>
-              <a:t>s de Mar</a:t>
+              <a:t>odo entre 10 de mar</a:t>
             </a:r>
             <a:r>
               <a:rPr lang="en-US" altLang="en-US">
@@ -20118,7 +21716,7 @@
                 <a:ea typeface="SimSun" panose="02010600030101010101" pitchFamily="2" charset="-122"/>
                 <a:cs typeface="Roboto" charset="0"/>
               </a:rPr>
-              <a:t>o de 2025.Ela mostra o primeiro nome do funcionario, soma a quantidade vendida e ordena os resultados em ordem decrescente, retornando apenas o funcion</a:t>
+              <a:t>o de 2025 e 15 de mar</a:t>
             </a:r>
             <a:r>
               <a:rPr lang="en-US" altLang="en-US">
@@ -20126,7 +21724,7 @@
                 <a:ea typeface="SimSun" panose="02010600030101010101" pitchFamily="2" charset="-122"/>
                 <a:cs typeface="Roboto" charset="0"/>
               </a:rPr>
-              <a:t>á</a:t>
+              <a:t>ç</a:t>
             </a:r>
             <a:r>
               <a:rPr lang="en-US" altLang="pt-PT">
@@ -20134,7 +21732,7 @@
                 <a:ea typeface="SimSun" panose="02010600030101010101" pitchFamily="2" charset="-122"/>
                 <a:cs typeface="Roboto" charset="0"/>
               </a:rPr>
-              <a:t>rio com o maior total de vendas.</a:t>
+              <a:t>o de 2025.</a:t>
             </a:r>
             <a:endParaRPr lang="en-US" altLang="pt-PT">
               <a:latin typeface="Roboto" charset="0"/>
@@ -20196,7 +21794,7 @@
       </p:sp>
       <p:pic>
         <p:nvPicPr>
-          <p:cNvPr id="8" name="Imagem 8" descr="code2"/>
+          <p:cNvPr id="2" name="Imagem 7" descr="code"/>
           <p:cNvPicPr>
             <a:picLocks noChangeAspect="1"/>
           </p:cNvPicPr>
@@ -20210,8 +21808,8 @@
         </p:blipFill>
         <p:spPr>
           <a:xfrm>
-            <a:off x="3042285" y="2308225"/>
-            <a:ext cx="4298315" cy="3950970"/>
+            <a:off x="2967673" y="1973580"/>
+            <a:ext cx="5390515" cy="4389120"/>
           </a:xfrm>
           <a:prstGeom prst="rect">
             <a:avLst/>
@@ -20490,7 +22088,7 @@
         <p:spPr>
           <a:xfrm>
             <a:off x="680720" y="1164590"/>
-            <a:ext cx="10828655" cy="549910"/>
+            <a:ext cx="10828655" cy="808990"/>
           </a:xfrm>
           <a:prstGeom prst="rect">
             <a:avLst/>
@@ -20515,7 +22113,7 @@
                 <a:ea typeface="SimSun" panose="02010600030101010101" pitchFamily="2" charset="-122"/>
                 <a:cs typeface="Roboto" charset="0"/>
               </a:rPr>
-              <a:t>Esta consulta SQL identifica os tr</a:t>
+              <a:t>Essa consulta identifica o funcion</a:t>
             </a:r>
             <a:r>
               <a:rPr lang="en-US" altLang="en-US">
@@ -20523,6 +22121,22 @@
                 <a:ea typeface="SimSun" panose="02010600030101010101" pitchFamily="2" charset="-122"/>
                 <a:cs typeface="Roboto" charset="0"/>
               </a:rPr>
+              <a:t>á</a:t>
+            </a:r>
+            <a:r>
+              <a:rPr lang="en-US" altLang="pt-PT">
+                <a:latin typeface="Roboto" charset="0"/>
+                <a:ea typeface="SimSun" panose="02010600030101010101" pitchFamily="2" charset="-122"/>
+                <a:cs typeface="Roboto" charset="0"/>
+              </a:rPr>
+              <a:t>rio que mais vendeu Ibuprofeno à cliente Tatiana no m</a:t>
+            </a:r>
+            <a:r>
+              <a:rPr lang="en-US" altLang="en-US">
+                <a:latin typeface="Roboto" charset="0"/>
+                <a:ea typeface="SimSun" panose="02010600030101010101" pitchFamily="2" charset="-122"/>
+                <a:cs typeface="Roboto" charset="0"/>
+              </a:rPr>
               <a:t>ê</a:t>
             </a:r>
             <a:r>
@@ -20531,7 +22145,39 @@
                 <a:ea typeface="SimSun" panose="02010600030101010101" pitchFamily="2" charset="-122"/>
                 <a:cs typeface="Roboto" charset="0"/>
               </a:rPr>
-              <a:t>s produtos mais vendidos e os clientes que mais compraram esses produtos, ordenando os resultados por produto e pela quantidade comprada.</a:t>
+              <a:t>s de Mar</a:t>
+            </a:r>
+            <a:r>
+              <a:rPr lang="en-US" altLang="en-US">
+                <a:latin typeface="Roboto" charset="0"/>
+                <a:ea typeface="SimSun" panose="02010600030101010101" pitchFamily="2" charset="-122"/>
+                <a:cs typeface="Roboto" charset="0"/>
+              </a:rPr>
+              <a:t>ç</a:t>
+            </a:r>
+            <a:r>
+              <a:rPr lang="en-US" altLang="pt-PT">
+                <a:latin typeface="Roboto" charset="0"/>
+                <a:ea typeface="SimSun" panose="02010600030101010101" pitchFamily="2" charset="-122"/>
+                <a:cs typeface="Roboto" charset="0"/>
+              </a:rPr>
+              <a:t>o de 2025.Ela mostra o primeiro nome do funcionario, soma a quantidade vendida e ordena os resultados em ordem decrescente, retornando apenas o funcion</a:t>
+            </a:r>
+            <a:r>
+              <a:rPr lang="en-US" altLang="en-US">
+                <a:latin typeface="Roboto" charset="0"/>
+                <a:ea typeface="SimSun" panose="02010600030101010101" pitchFamily="2" charset="-122"/>
+                <a:cs typeface="Roboto" charset="0"/>
+              </a:rPr>
+              <a:t>á</a:t>
+            </a:r>
+            <a:r>
+              <a:rPr lang="en-US" altLang="pt-PT">
+                <a:latin typeface="Roboto" charset="0"/>
+                <a:ea typeface="SimSun" panose="02010600030101010101" pitchFamily="2" charset="-122"/>
+                <a:cs typeface="Roboto" charset="0"/>
+              </a:rPr>
+              <a:t>rio com o maior total de vendas.</a:t>
             </a:r>
             <a:endParaRPr lang="en-US" altLang="pt-PT">
               <a:latin typeface="Roboto" charset="0"/>
@@ -20593,7 +22239,7 @@
       </p:sp>
       <p:pic>
         <p:nvPicPr>
-          <p:cNvPr id="9" name="Imagem 9" descr="code3"/>
+          <p:cNvPr id="8" name="Imagem 8" descr="code2"/>
           <p:cNvPicPr>
             <a:picLocks noChangeAspect="1"/>
           </p:cNvPicPr>
@@ -20607,8 +22253,8 @@
         </p:blipFill>
         <p:spPr>
           <a:xfrm>
-            <a:off x="3042285" y="1905635"/>
-            <a:ext cx="4853305" cy="4437380"/>
+            <a:off x="3042285" y="2308225"/>
+            <a:ext cx="4298315" cy="3950970"/>
           </a:xfrm>
           <a:prstGeom prst="rect">
             <a:avLst/>
@@ -20686,7 +22332,7 @@
                 <a:ea typeface="SimSun" panose="02010600030101010101" pitchFamily="2" charset="-122"/>
                 <a:cs typeface="Roboto" charset="0"/>
               </a:rPr>
-              <a:t>Esta consulta identifica a venda de maior valor realizada pelo funcion</a:t>
+              <a:t>Esta consulta SQL identifica os tr</a:t>
             </a:r>
             <a:r>
               <a:rPr lang="en-US" altLang="en-US">
@@ -20694,7 +22340,7 @@
                 <a:ea typeface="SimSun" panose="02010600030101010101" pitchFamily="2" charset="-122"/>
                 <a:cs typeface="Roboto" charset="0"/>
               </a:rPr>
-              <a:t>á</a:t>
+              <a:t>ê</a:t>
             </a:r>
             <a:r>
               <a:rPr lang="en-US" altLang="pt-PT">
@@ -20702,39 +22348,7 @@
                 <a:ea typeface="SimSun" panose="02010600030101010101" pitchFamily="2" charset="-122"/>
                 <a:cs typeface="Roboto" charset="0"/>
               </a:rPr>
-              <a:t>rio Crism</a:t>
-            </a:r>
-            <a:r>
-              <a:rPr lang="en-US" altLang="en-US">
-                <a:latin typeface="Roboto" charset="0"/>
-                <a:ea typeface="SimSun" panose="02010600030101010101" pitchFamily="2" charset="-122"/>
-                <a:cs typeface="Roboto" charset="0"/>
-              </a:rPr>
-              <a:t>é</a:t>
-            </a:r>
-            <a:r>
-              <a:rPr lang="en-US" altLang="pt-PT">
-                <a:latin typeface="Roboto" charset="0"/>
-                <a:ea typeface="SimSun" panose="02010600030101010101" pitchFamily="2" charset="-122"/>
-                <a:cs typeface="Roboto" charset="0"/>
-              </a:rPr>
-              <a:t>lio para a cliente Nat</a:t>
-            </a:r>
-            <a:r>
-              <a:rPr lang="en-US" altLang="en-US">
-                <a:latin typeface="Roboto" charset="0"/>
-                <a:ea typeface="SimSun" panose="02010600030101010101" pitchFamily="2" charset="-122"/>
-                <a:cs typeface="Roboto" charset="0"/>
-              </a:rPr>
-              <a:t>á</a:t>
-            </a:r>
-            <a:r>
-              <a:rPr lang="en-US" altLang="pt-PT">
-                <a:latin typeface="Roboto" charset="0"/>
-                <a:ea typeface="SimSun" panose="02010600030101010101" pitchFamily="2" charset="-122"/>
-                <a:cs typeface="Roboto" charset="0"/>
-              </a:rPr>
-              <a:t>lia.</a:t>
+              <a:t>s produtos mais vendidos e os clientes que mais compraram esses produtos, ordenando os resultados por produto e pela quantidade comprada.</a:t>
             </a:r>
             <a:endParaRPr lang="en-US" altLang="pt-PT">
               <a:latin typeface="Roboto" charset="0"/>
@@ -20796,7 +22410,7 @@
       </p:sp>
       <p:pic>
         <p:nvPicPr>
-          <p:cNvPr id="10" name="Imagem 10" descr="code4"/>
+          <p:cNvPr id="9" name="Imagem 9" descr="code3"/>
           <p:cNvPicPr>
             <a:picLocks noChangeAspect="1"/>
           </p:cNvPicPr>
@@ -20810,8 +22424,8 @@
         </p:blipFill>
         <p:spPr>
           <a:xfrm>
-            <a:off x="3366770" y="1797685"/>
-            <a:ext cx="4645025" cy="4528820"/>
+            <a:off x="3042285" y="1905635"/>
+            <a:ext cx="4853305" cy="4437380"/>
           </a:xfrm>
           <a:prstGeom prst="rect">
             <a:avLst/>
@@ -20889,7 +22503,7 @@
                 <a:ea typeface="SimSun" panose="02010600030101010101" pitchFamily="2" charset="-122"/>
                 <a:cs typeface="Roboto" charset="0"/>
               </a:rPr>
-              <a:t>Esta consulta identifica o funcion</a:t>
+              <a:t>Esta consulta identifica a venda de maior valor realizada pelo funcion</a:t>
             </a:r>
             <a:r>
               <a:rPr lang="en-US" altLang="en-US">
@@ -20905,7 +22519,39 @@
                 <a:ea typeface="SimSun" panose="02010600030101010101" pitchFamily="2" charset="-122"/>
                 <a:cs typeface="Roboto" charset="0"/>
               </a:rPr>
-              <a:t>rio com o maior faturamento total em vendas.</a:t>
+              <a:t>rio Crism</a:t>
+            </a:r>
+            <a:r>
+              <a:rPr lang="en-US" altLang="en-US">
+                <a:latin typeface="Roboto" charset="0"/>
+                <a:ea typeface="SimSun" panose="02010600030101010101" pitchFamily="2" charset="-122"/>
+                <a:cs typeface="Roboto" charset="0"/>
+              </a:rPr>
+              <a:t>é</a:t>
+            </a:r>
+            <a:r>
+              <a:rPr lang="en-US" altLang="pt-PT">
+                <a:latin typeface="Roboto" charset="0"/>
+                <a:ea typeface="SimSun" panose="02010600030101010101" pitchFamily="2" charset="-122"/>
+                <a:cs typeface="Roboto" charset="0"/>
+              </a:rPr>
+              <a:t>lio para a cliente Nat</a:t>
+            </a:r>
+            <a:r>
+              <a:rPr lang="en-US" altLang="en-US">
+                <a:latin typeface="Roboto" charset="0"/>
+                <a:ea typeface="SimSun" panose="02010600030101010101" pitchFamily="2" charset="-122"/>
+                <a:cs typeface="Roboto" charset="0"/>
+              </a:rPr>
+              <a:t>á</a:t>
+            </a:r>
+            <a:r>
+              <a:rPr lang="en-US" altLang="pt-PT">
+                <a:latin typeface="Roboto" charset="0"/>
+                <a:ea typeface="SimSun" panose="02010600030101010101" pitchFamily="2" charset="-122"/>
+                <a:cs typeface="Roboto" charset="0"/>
+              </a:rPr>
+              <a:t>lia.</a:t>
             </a:r>
             <a:endParaRPr lang="en-US" altLang="pt-PT">
               <a:latin typeface="Roboto" charset="0"/>
@@ -20967,7 +22613,7 @@
       </p:sp>
       <p:pic>
         <p:nvPicPr>
-          <p:cNvPr id="11" name="Imagem 11" descr="code5"/>
+          <p:cNvPr id="10" name="Imagem 10" descr="code4"/>
           <p:cNvPicPr>
             <a:picLocks noChangeAspect="1"/>
           </p:cNvPicPr>
@@ -20981,8 +22627,8 @@
         </p:blipFill>
         <p:spPr>
           <a:xfrm>
-            <a:off x="3041968" y="1918653"/>
-            <a:ext cx="5390515" cy="3786505"/>
+            <a:off x="3366770" y="1797685"/>
+            <a:ext cx="4645025" cy="4528820"/>
           </a:xfrm>
           <a:prstGeom prst="rect">
             <a:avLst/>
@@ -21060,7 +22706,7 @@
                 <a:ea typeface="SimSun" panose="02010600030101010101" pitchFamily="2" charset="-122"/>
                 <a:cs typeface="Roboto" charset="0"/>
               </a:rPr>
-              <a:t>Depois de tudo j</a:t>
+              <a:t>Esta consulta identifica o funcion</a:t>
             </a:r>
             <a:r>
               <a:rPr lang="en-US" altLang="en-US">
@@ -21076,127 +22722,7 @@
                 <a:ea typeface="SimSun" panose="02010600030101010101" pitchFamily="2" charset="-122"/>
                 <a:cs typeface="Roboto" charset="0"/>
               </a:rPr>
-              <a:t> abordado podemos verificar que a solu</a:t>
-            </a:r>
-            <a:r>
-              <a:rPr lang="en-US" altLang="en-US">
-                <a:latin typeface="Roboto" charset="0"/>
-                <a:ea typeface="SimSun" panose="02010600030101010101" pitchFamily="2" charset="-122"/>
-                <a:cs typeface="Roboto" charset="0"/>
-              </a:rPr>
-              <a:t>ç</a:t>
-            </a:r>
-            <a:r>
-              <a:rPr lang="en-US" altLang="en-US">
-                <a:latin typeface="Roboto" charset="0"/>
-                <a:ea typeface="SimSun" panose="02010600030101010101" pitchFamily="2" charset="-122"/>
-                <a:cs typeface="Roboto" charset="0"/>
-              </a:rPr>
-              <a:t>ã</a:t>
-            </a:r>
-            <a:r>
-              <a:rPr lang="en-US" altLang="pt-PT">
-                <a:latin typeface="Roboto" charset="0"/>
-                <a:ea typeface="SimSun" panose="02010600030101010101" pitchFamily="2" charset="-122"/>
-                <a:cs typeface="Roboto" charset="0"/>
-              </a:rPr>
-              <a:t>o proposta </a:t>
-            </a:r>
-            <a:r>
-              <a:rPr lang="en-US" altLang="en-US">
-                <a:latin typeface="Roboto" charset="0"/>
-                <a:ea typeface="SimSun" panose="02010600030101010101" pitchFamily="2" charset="-122"/>
-                <a:cs typeface="Roboto" charset="0"/>
-              </a:rPr>
-              <a:t>é</a:t>
-            </a:r>
-            <a:r>
-              <a:rPr lang="en-US" altLang="pt-PT">
-                <a:latin typeface="Roboto" charset="0"/>
-                <a:ea typeface="SimSun" panose="02010600030101010101" pitchFamily="2" charset="-122"/>
-                <a:cs typeface="Roboto" charset="0"/>
-              </a:rPr>
-              <a:t> vi</a:t>
-            </a:r>
-            <a:r>
-              <a:rPr lang="en-US" altLang="en-US">
-                <a:latin typeface="Roboto" charset="0"/>
-                <a:ea typeface="SimSun" panose="02010600030101010101" pitchFamily="2" charset="-122"/>
-                <a:cs typeface="Roboto" charset="0"/>
-              </a:rPr>
-              <a:t>á</a:t>
-            </a:r>
-            <a:r>
-              <a:rPr lang="en-US" altLang="pt-PT">
-                <a:latin typeface="Roboto" charset="0"/>
-                <a:ea typeface="SimSun" panose="02010600030101010101" pitchFamily="2" charset="-122"/>
-                <a:cs typeface="Roboto" charset="0"/>
-              </a:rPr>
-              <a:t>vel e, portanto, a sua aplica</a:t>
-            </a:r>
-            <a:r>
-              <a:rPr lang="en-US" altLang="en-US">
-                <a:latin typeface="Roboto" charset="0"/>
-                <a:ea typeface="SimSun" panose="02010600030101010101" pitchFamily="2" charset="-122"/>
-                <a:cs typeface="Roboto" charset="0"/>
-              </a:rPr>
-              <a:t>ç</a:t>
-            </a:r>
-            <a:r>
-              <a:rPr lang="en-US" altLang="en-US">
-                <a:latin typeface="Roboto" charset="0"/>
-                <a:ea typeface="SimSun" panose="02010600030101010101" pitchFamily="2" charset="-122"/>
-                <a:cs typeface="Roboto" charset="0"/>
-              </a:rPr>
-              <a:t>ã</a:t>
-            </a:r>
-            <a:r>
-              <a:rPr lang="en-US" altLang="pt-PT">
-                <a:latin typeface="Roboto" charset="0"/>
-                <a:ea typeface="SimSun" panose="02010600030101010101" pitchFamily="2" charset="-122"/>
-                <a:cs typeface="Roboto" charset="0"/>
-              </a:rPr>
-              <a:t>o ser</a:t>
-            </a:r>
-            <a:r>
-              <a:rPr lang="en-US" altLang="en-US">
-                <a:latin typeface="Roboto" charset="0"/>
-                <a:ea typeface="SimSun" panose="02010600030101010101" pitchFamily="2" charset="-122"/>
-                <a:cs typeface="Roboto" charset="0"/>
-              </a:rPr>
-              <a:t>á</a:t>
-            </a:r>
-            <a:r>
-              <a:rPr lang="en-US" altLang="pt-PT">
-                <a:latin typeface="Roboto" charset="0"/>
-                <a:ea typeface="SimSun" panose="02010600030101010101" pitchFamily="2" charset="-122"/>
-                <a:cs typeface="Roboto" charset="0"/>
-              </a:rPr>
-              <a:t> de grande valia para resolu</a:t>
-            </a:r>
-            <a:r>
-              <a:rPr lang="en-US" altLang="en-US">
-                <a:latin typeface="Roboto" charset="0"/>
-                <a:ea typeface="SimSun" panose="02010600030101010101" pitchFamily="2" charset="-122"/>
-                <a:cs typeface="Roboto" charset="0"/>
-              </a:rPr>
-              <a:t>ç</a:t>
-            </a:r>
-            <a:r>
-              <a:rPr lang="en-US" altLang="en-US">
-                <a:latin typeface="Roboto" charset="0"/>
-                <a:ea typeface="SimSun" panose="02010600030101010101" pitchFamily="2" charset="-122"/>
-                <a:cs typeface="Roboto" charset="0"/>
-              </a:rPr>
-              <a:t>ã</a:t>
-            </a:r>
-            <a:r>
-              <a:rPr lang="en-US" altLang="pt-PT">
-                <a:latin typeface="Roboto" charset="0"/>
-                <a:ea typeface="SimSun" panose="02010600030101010101" pitchFamily="2" charset="-122"/>
-                <a:cs typeface="Roboto" charset="0"/>
-              </a:rPr>
-              <a:t>o do caso apresentado,</a:t>
+              <a:t>rio com o maior faturamento total em vendas.</a:t>
             </a:r>
             <a:endParaRPr lang="en-US" altLang="pt-PT">
               <a:latin typeface="Roboto" charset="0"/>
@@ -21243,6 +22769,297 @@
                 <a:ea typeface="SimSun" panose="02010600030101010101" pitchFamily="2" charset="-122"/>
                 <a:cs typeface="Roboto" charset="0"/>
               </a:rPr>
+              <a:t>Consultas Avançadas</a:t>
+            </a:r>
+            <a:endParaRPr lang="pt-PT" altLang="en-US" sz="2400" b="1">
+              <a:solidFill>
+                <a:schemeClr val="bg1"/>
+              </a:solidFill>
+              <a:latin typeface="Roboto" charset="0"/>
+              <a:ea typeface="SimSun" panose="02010600030101010101" pitchFamily="2" charset="-122"/>
+              <a:cs typeface="Roboto" charset="0"/>
+            </a:endParaRPr>
+          </a:p>
+        </p:txBody>
+      </p:sp>
+      <p:pic>
+        <p:nvPicPr>
+          <p:cNvPr id="11" name="Imagem 11" descr="code5"/>
+          <p:cNvPicPr>
+            <a:picLocks noChangeAspect="1"/>
+          </p:cNvPicPr>
+          <p:nvPr/>
+        </p:nvPicPr>
+        <p:blipFill>
+          <a:blip r:embed="rId1"/>
+          <a:stretch>
+            <a:fillRect/>
+          </a:stretch>
+        </p:blipFill>
+        <p:spPr>
+          <a:xfrm>
+            <a:off x="3041968" y="1918653"/>
+            <a:ext cx="5390515" cy="3786505"/>
+          </a:xfrm>
+          <a:prstGeom prst="rect">
+            <a:avLst/>
+          </a:prstGeom>
+        </p:spPr>
+      </p:pic>
+    </p:spTree>
+  </p:cSld>
+  <p:clrMapOvr>
+    <a:masterClrMapping/>
+  </p:clrMapOvr>
+  <mc:AlternateContent xmlns:mc="http://schemas.openxmlformats.org/markup-compatibility/2006">
+    <mc:Choice xmlns:p14="http://schemas.microsoft.com/office/powerpoint/2010/main" Requires="p14">
+      <p:transition spd="med" p14:dur="699">
+        <p:fade/>
+      </p:transition>
+    </mc:Choice>
+    <mc:Fallback>
+      <p:transition spd="med">
+        <p:fade/>
+      </p:transition>
+    </mc:Fallback>
+  </mc:AlternateContent>
+</p:sld>
+</file>
+
+<file path=ppt/slides/slide34.xml><?xml version="1.0" encoding="utf-8"?>
+<p:sld xmlns:a="http://schemas.openxmlformats.org/drawingml/2006/main" xmlns:r="http://schemas.openxmlformats.org/officeDocument/2006/relationships" xmlns:p="http://schemas.openxmlformats.org/presentationml/2006/main">
+  <p:cSld>
+    <p:spTree>
+      <p:nvGrpSpPr>
+        <p:cNvPr id="1" name=""/>
+        <p:cNvGrpSpPr/>
+        <p:nvPr/>
+      </p:nvGrpSpPr>
+      <p:grpSpPr>
+        <a:xfrm>
+          <a:off x="0" y="0"/>
+          <a:ext cx="0" cy="0"/>
+          <a:chOff x="0" y="0"/>
+          <a:chExt cx="0" cy="0"/>
+        </a:xfrm>
+      </p:grpSpPr>
+      <p:sp>
+        <p:nvSpPr>
+          <p:cNvPr id="6" name="Caixa de Texto 5"/>
+          <p:cNvSpPr txBox="1"/>
+          <p:nvPr/>
+        </p:nvSpPr>
+        <p:spPr>
+          <a:xfrm>
+            <a:off x="680720" y="1164590"/>
+            <a:ext cx="10828655" cy="549910"/>
+          </a:xfrm>
+          <a:prstGeom prst="rect">
+            <a:avLst/>
+          </a:prstGeom>
+        </p:spPr>
+        <p:txBody>
+          <a:bodyPr wrap="square">
+            <a:noAutofit/>
+          </a:bodyPr>
+          <a:p>
+            <a:pPr marL="0" indent="0" algn="just" defTabSz="266700">
+              <a:spcBef>
+                <a:spcPct val="0"/>
+              </a:spcBef>
+              <a:spcAft>
+                <a:spcPct val="0"/>
+              </a:spcAft>
+            </a:pPr>
+            <a:r>
+              <a:rPr lang="en-US" altLang="pt-PT">
+                <a:latin typeface="Roboto" charset="0"/>
+                <a:ea typeface="SimSun" panose="02010600030101010101" pitchFamily="2" charset="-122"/>
+                <a:cs typeface="Roboto" charset="0"/>
+              </a:rPr>
+              <a:t>Depois de tudo j</a:t>
+            </a:r>
+            <a:r>
+              <a:rPr lang="en-US" altLang="en-US">
+                <a:latin typeface="Roboto" charset="0"/>
+                <a:ea typeface="SimSun" panose="02010600030101010101" pitchFamily="2" charset="-122"/>
+                <a:cs typeface="Roboto" charset="0"/>
+              </a:rPr>
+              <a:t>á</a:t>
+            </a:r>
+            <a:r>
+              <a:rPr lang="en-US" altLang="pt-PT">
+                <a:latin typeface="Roboto" charset="0"/>
+                <a:ea typeface="SimSun" panose="02010600030101010101" pitchFamily="2" charset="-122"/>
+                <a:cs typeface="Roboto" charset="0"/>
+              </a:rPr>
+              <a:t> abordado podemos verificar que a solu</a:t>
+            </a:r>
+            <a:r>
+              <a:rPr lang="en-US" altLang="en-US">
+                <a:latin typeface="Roboto" charset="0"/>
+                <a:ea typeface="SimSun" panose="02010600030101010101" pitchFamily="2" charset="-122"/>
+                <a:cs typeface="Roboto" charset="0"/>
+              </a:rPr>
+              <a:t>ç</a:t>
+            </a:r>
+            <a:r>
+              <a:rPr lang="en-US" altLang="en-US">
+                <a:latin typeface="Roboto" charset="0"/>
+                <a:ea typeface="SimSun" panose="02010600030101010101" pitchFamily="2" charset="-122"/>
+                <a:cs typeface="Roboto" charset="0"/>
+              </a:rPr>
+              <a:t>ã</a:t>
+            </a:r>
+            <a:r>
+              <a:rPr lang="en-US" altLang="pt-PT">
+                <a:latin typeface="Roboto" charset="0"/>
+                <a:ea typeface="SimSun" panose="02010600030101010101" pitchFamily="2" charset="-122"/>
+                <a:cs typeface="Roboto" charset="0"/>
+              </a:rPr>
+              <a:t>o proposta </a:t>
+            </a:r>
+            <a:r>
+              <a:rPr lang="en-US" altLang="en-US">
+                <a:latin typeface="Roboto" charset="0"/>
+                <a:ea typeface="SimSun" panose="02010600030101010101" pitchFamily="2" charset="-122"/>
+                <a:cs typeface="Roboto" charset="0"/>
+              </a:rPr>
+              <a:t>é</a:t>
+            </a:r>
+            <a:r>
+              <a:rPr lang="en-US" altLang="pt-PT">
+                <a:latin typeface="Roboto" charset="0"/>
+                <a:ea typeface="SimSun" panose="02010600030101010101" pitchFamily="2" charset="-122"/>
+                <a:cs typeface="Roboto" charset="0"/>
+              </a:rPr>
+              <a:t> vi</a:t>
+            </a:r>
+            <a:r>
+              <a:rPr lang="en-US" altLang="en-US">
+                <a:latin typeface="Roboto" charset="0"/>
+                <a:ea typeface="SimSun" panose="02010600030101010101" pitchFamily="2" charset="-122"/>
+                <a:cs typeface="Roboto" charset="0"/>
+              </a:rPr>
+              <a:t>á</a:t>
+            </a:r>
+            <a:r>
+              <a:rPr lang="en-US" altLang="pt-PT">
+                <a:latin typeface="Roboto" charset="0"/>
+                <a:ea typeface="SimSun" panose="02010600030101010101" pitchFamily="2" charset="-122"/>
+                <a:cs typeface="Roboto" charset="0"/>
+              </a:rPr>
+              <a:t>vel e, portanto, a sua aplica</a:t>
+            </a:r>
+            <a:r>
+              <a:rPr lang="en-US" altLang="en-US">
+                <a:latin typeface="Roboto" charset="0"/>
+                <a:ea typeface="SimSun" panose="02010600030101010101" pitchFamily="2" charset="-122"/>
+                <a:cs typeface="Roboto" charset="0"/>
+              </a:rPr>
+              <a:t>ç</a:t>
+            </a:r>
+            <a:r>
+              <a:rPr lang="en-US" altLang="en-US">
+                <a:latin typeface="Roboto" charset="0"/>
+                <a:ea typeface="SimSun" panose="02010600030101010101" pitchFamily="2" charset="-122"/>
+                <a:cs typeface="Roboto" charset="0"/>
+              </a:rPr>
+              <a:t>ã</a:t>
+            </a:r>
+            <a:r>
+              <a:rPr lang="en-US" altLang="pt-PT">
+                <a:latin typeface="Roboto" charset="0"/>
+                <a:ea typeface="SimSun" panose="02010600030101010101" pitchFamily="2" charset="-122"/>
+                <a:cs typeface="Roboto" charset="0"/>
+              </a:rPr>
+              <a:t>o ser</a:t>
+            </a:r>
+            <a:r>
+              <a:rPr lang="en-US" altLang="en-US">
+                <a:latin typeface="Roboto" charset="0"/>
+                <a:ea typeface="SimSun" panose="02010600030101010101" pitchFamily="2" charset="-122"/>
+                <a:cs typeface="Roboto" charset="0"/>
+              </a:rPr>
+              <a:t>á</a:t>
+            </a:r>
+            <a:r>
+              <a:rPr lang="en-US" altLang="pt-PT">
+                <a:latin typeface="Roboto" charset="0"/>
+                <a:ea typeface="SimSun" panose="02010600030101010101" pitchFamily="2" charset="-122"/>
+                <a:cs typeface="Roboto" charset="0"/>
+              </a:rPr>
+              <a:t> de grande valia para resolu</a:t>
+            </a:r>
+            <a:r>
+              <a:rPr lang="en-US" altLang="en-US">
+                <a:latin typeface="Roboto" charset="0"/>
+                <a:ea typeface="SimSun" panose="02010600030101010101" pitchFamily="2" charset="-122"/>
+                <a:cs typeface="Roboto" charset="0"/>
+              </a:rPr>
+              <a:t>ç</a:t>
+            </a:r>
+            <a:r>
+              <a:rPr lang="en-US" altLang="en-US">
+                <a:latin typeface="Roboto" charset="0"/>
+                <a:ea typeface="SimSun" panose="02010600030101010101" pitchFamily="2" charset="-122"/>
+                <a:cs typeface="Roboto" charset="0"/>
+              </a:rPr>
+              <a:t>ã</a:t>
+            </a:r>
+            <a:r>
+              <a:rPr lang="en-US" altLang="pt-PT">
+                <a:latin typeface="Roboto" charset="0"/>
+                <a:ea typeface="SimSun" panose="02010600030101010101" pitchFamily="2" charset="-122"/>
+                <a:cs typeface="Roboto" charset="0"/>
+              </a:rPr>
+              <a:t>o do caso apresentado,</a:t>
+            </a:r>
+            <a:endParaRPr lang="en-US" altLang="pt-PT">
+              <a:latin typeface="Roboto" charset="0"/>
+              <a:ea typeface="SimSun" panose="02010600030101010101" pitchFamily="2" charset="-122"/>
+              <a:cs typeface="Roboto" charset="0"/>
+            </a:endParaRPr>
+          </a:p>
+        </p:txBody>
+      </p:sp>
+      <p:sp>
+        <p:nvSpPr>
+          <p:cNvPr id="7" name="Caixa de Texto 6"/>
+          <p:cNvSpPr txBox="1"/>
+          <p:nvPr/>
+        </p:nvSpPr>
+        <p:spPr>
+          <a:xfrm>
+            <a:off x="3042285" y="133985"/>
+            <a:ext cx="6796405" cy="460375"/>
+          </a:xfrm>
+          <a:prstGeom prst="rect">
+            <a:avLst/>
+          </a:prstGeom>
+        </p:spPr>
+        <p:txBody>
+          <a:bodyPr wrap="square">
+            <a:spAutoFit/>
+          </a:bodyPr>
+          <a:p>
+            <a:pPr marL="0" indent="0" algn="ctr" defTabSz="266700">
+              <a:spcBef>
+                <a:spcPct val="0"/>
+              </a:spcBef>
+              <a:spcAft>
+                <a:spcPct val="0"/>
+              </a:spcAft>
+            </a:pPr>
+            <a:r>
+              <a:rPr lang="pt-PT" altLang="en-US" sz="2400" b="1">
+                <a:solidFill>
+                  <a:schemeClr val="bg1"/>
+                </a:solidFill>
+                <a:latin typeface="Roboto" charset="0"/>
+                <a:ea typeface="SimSun" panose="02010600030101010101" pitchFamily="2" charset="-122"/>
+                <a:cs typeface="Roboto" charset="0"/>
+              </a:rPr>
               <a:t>Conclusão</a:t>
             </a:r>
             <a:endParaRPr lang="pt-PT" altLang="en-US" sz="2400" b="1">
@@ -21276,7 +23093,7 @@
 </p:sld>
 </file>
 
-<file path=ppt/slides/slide34.xml><?xml version="1.0" encoding="utf-8"?>
+<file path=ppt/slides/slide35.xml><?xml version="1.0" encoding="utf-8"?>
 <p:sld xmlns:a="http://schemas.openxmlformats.org/drawingml/2006/main" xmlns:r="http://schemas.openxmlformats.org/officeDocument/2006/relationships" xmlns:p="http://schemas.openxmlformats.org/presentationml/2006/main">
   <p:cSld>
     <p:spTree>
